--- a/JavaScript_Module1_2024.pptx
+++ b/JavaScript_Module1_2024.pptx
@@ -5,7 +5,7 @@
     <p:sldMasterId id="2147483648" r:id="rId1"/>
   </p:sldMasterIdLst>
   <p:notesMasterIdLst>
-    <p:notesMasterId r:id="rId103"/>
+    <p:notesMasterId r:id="rId101"/>
   </p:notesMasterIdLst>
   <p:sldIdLst>
     <p:sldId id="256" r:id="rId2"/>
@@ -48,67 +48,65 @@
     <p:sldId id="668" r:id="rId39"/>
     <p:sldId id="669" r:id="rId40"/>
     <p:sldId id="670" r:id="rId41"/>
-    <p:sldId id="3391" r:id="rId42"/>
-    <p:sldId id="3433" r:id="rId43"/>
-    <p:sldId id="3434" r:id="rId44"/>
-    <p:sldId id="671" r:id="rId45"/>
-    <p:sldId id="672" r:id="rId46"/>
-    <p:sldId id="673" r:id="rId47"/>
-    <p:sldId id="674" r:id="rId48"/>
-    <p:sldId id="828" r:id="rId49"/>
-    <p:sldId id="882" r:id="rId50"/>
-    <p:sldId id="883" r:id="rId51"/>
-    <p:sldId id="3450" r:id="rId52"/>
-    <p:sldId id="3419" r:id="rId53"/>
-    <p:sldId id="3420" r:id="rId54"/>
-    <p:sldId id="3432" r:id="rId55"/>
-    <p:sldId id="425" r:id="rId56"/>
-    <p:sldId id="464" r:id="rId57"/>
-    <p:sldId id="427" r:id="rId58"/>
-    <p:sldId id="431" r:id="rId59"/>
-    <p:sldId id="543" r:id="rId60"/>
-    <p:sldId id="585" r:id="rId61"/>
-    <p:sldId id="546" r:id="rId62"/>
-    <p:sldId id="532" r:id="rId63"/>
-    <p:sldId id="534" r:id="rId64"/>
-    <p:sldId id="535" r:id="rId65"/>
-    <p:sldId id="537" r:id="rId66"/>
-    <p:sldId id="512" r:id="rId67"/>
-    <p:sldId id="538" r:id="rId68"/>
-    <p:sldId id="539" r:id="rId69"/>
-    <p:sldId id="892" r:id="rId70"/>
-    <p:sldId id="893" r:id="rId71"/>
-    <p:sldId id="894" r:id="rId72"/>
-    <p:sldId id="3435" r:id="rId73"/>
-    <p:sldId id="3436" r:id="rId74"/>
-    <p:sldId id="3442" r:id="rId75"/>
-    <p:sldId id="3443" r:id="rId76"/>
-    <p:sldId id="3444" r:id="rId77"/>
-    <p:sldId id="3445" r:id="rId78"/>
-    <p:sldId id="3446" r:id="rId79"/>
-    <p:sldId id="3447" r:id="rId80"/>
-    <p:sldId id="3448" r:id="rId81"/>
-    <p:sldId id="884" r:id="rId82"/>
-    <p:sldId id="885" r:id="rId83"/>
-    <p:sldId id="886" r:id="rId84"/>
-    <p:sldId id="890" r:id="rId85"/>
-    <p:sldId id="891" r:id="rId86"/>
-    <p:sldId id="887" r:id="rId87"/>
-    <p:sldId id="888" r:id="rId88"/>
-    <p:sldId id="572" r:id="rId89"/>
-    <p:sldId id="557" r:id="rId90"/>
-    <p:sldId id="560" r:id="rId91"/>
-    <p:sldId id="629" r:id="rId92"/>
-    <p:sldId id="714" r:id="rId93"/>
-    <p:sldId id="855" r:id="rId94"/>
-    <p:sldId id="858" r:id="rId95"/>
-    <p:sldId id="3451" r:id="rId96"/>
-    <p:sldId id="3453" r:id="rId97"/>
-    <p:sldId id="3455" r:id="rId98"/>
-    <p:sldId id="3457" r:id="rId99"/>
-    <p:sldId id="3464" r:id="rId100"/>
-    <p:sldId id="3456" r:id="rId101"/>
-    <p:sldId id="3458" r:id="rId102"/>
+    <p:sldId id="3433" r:id="rId42"/>
+    <p:sldId id="3434" r:id="rId43"/>
+    <p:sldId id="671" r:id="rId44"/>
+    <p:sldId id="672" r:id="rId45"/>
+    <p:sldId id="673" r:id="rId46"/>
+    <p:sldId id="674" r:id="rId47"/>
+    <p:sldId id="828" r:id="rId48"/>
+    <p:sldId id="882" r:id="rId49"/>
+    <p:sldId id="883" r:id="rId50"/>
+    <p:sldId id="3450" r:id="rId51"/>
+    <p:sldId id="3419" r:id="rId52"/>
+    <p:sldId id="3420" r:id="rId53"/>
+    <p:sldId id="3432" r:id="rId54"/>
+    <p:sldId id="425" r:id="rId55"/>
+    <p:sldId id="464" r:id="rId56"/>
+    <p:sldId id="427" r:id="rId57"/>
+    <p:sldId id="431" r:id="rId58"/>
+    <p:sldId id="543" r:id="rId59"/>
+    <p:sldId id="585" r:id="rId60"/>
+    <p:sldId id="546" r:id="rId61"/>
+    <p:sldId id="532" r:id="rId62"/>
+    <p:sldId id="534" r:id="rId63"/>
+    <p:sldId id="535" r:id="rId64"/>
+    <p:sldId id="537" r:id="rId65"/>
+    <p:sldId id="512" r:id="rId66"/>
+    <p:sldId id="538" r:id="rId67"/>
+    <p:sldId id="539" r:id="rId68"/>
+    <p:sldId id="892" r:id="rId69"/>
+    <p:sldId id="893" r:id="rId70"/>
+    <p:sldId id="894" r:id="rId71"/>
+    <p:sldId id="3435" r:id="rId72"/>
+    <p:sldId id="3436" r:id="rId73"/>
+    <p:sldId id="3444" r:id="rId74"/>
+    <p:sldId id="3445" r:id="rId75"/>
+    <p:sldId id="3446" r:id="rId76"/>
+    <p:sldId id="3447" r:id="rId77"/>
+    <p:sldId id="3448" r:id="rId78"/>
+    <p:sldId id="884" r:id="rId79"/>
+    <p:sldId id="885" r:id="rId80"/>
+    <p:sldId id="886" r:id="rId81"/>
+    <p:sldId id="890" r:id="rId82"/>
+    <p:sldId id="891" r:id="rId83"/>
+    <p:sldId id="887" r:id="rId84"/>
+    <p:sldId id="888" r:id="rId85"/>
+    <p:sldId id="572" r:id="rId86"/>
+    <p:sldId id="557" r:id="rId87"/>
+    <p:sldId id="560" r:id="rId88"/>
+    <p:sldId id="629" r:id="rId89"/>
+    <p:sldId id="714" r:id="rId90"/>
+    <p:sldId id="855" r:id="rId91"/>
+    <p:sldId id="858" r:id="rId92"/>
+    <p:sldId id="3391" r:id="rId93"/>
+    <p:sldId id="3451" r:id="rId94"/>
+    <p:sldId id="3453" r:id="rId95"/>
+    <p:sldId id="3455" r:id="rId96"/>
+    <p:sldId id="3457" r:id="rId97"/>
+    <p:sldId id="3464" r:id="rId98"/>
+    <p:sldId id="3456" r:id="rId99"/>
+    <p:sldId id="3458" r:id="rId100"/>
   </p:sldIdLst>
   <p:sldSz cx="9144000" cy="6858000" type="screen4x3"/>
   <p:notesSz cx="6858000" cy="9144000"/>
@@ -4012,7 +4010,7 @@
                 <a:buFontTx/>
                 <a:buNone/>
               </a:pPr>
-              <a:t>56</a:t>
+              <a:t>55</a:t>
             </a:fld>
             <a:endParaRPr lang="en-US" altLang="en-US"/>
           </a:p>
@@ -4475,7 +4473,7 @@
                 <a:buFontTx/>
                 <a:buNone/>
               </a:pPr>
-              <a:t>59</a:t>
+              <a:t>58</a:t>
             </a:fld>
             <a:endParaRPr lang="en-US" altLang="en-US"/>
           </a:p>
@@ -4938,7 +4936,7 @@
                 <a:buFontTx/>
                 <a:buNone/>
               </a:pPr>
-              <a:t>66</a:t>
+              <a:t>65</a:t>
             </a:fld>
             <a:endParaRPr lang="en-US" altLang="en-US"/>
           </a:p>
@@ -5462,7 +5460,7 @@
                 <a:buFontTx/>
                 <a:buNone/>
               </a:pPr>
-              <a:t>68</a:t>
+              <a:t>67</a:t>
             </a:fld>
             <a:endParaRPr lang="en-US" altLang="en-US"/>
           </a:p>
@@ -5845,7 +5843,7 @@
                 <a:buFontTx/>
                 <a:buNone/>
               </a:pPr>
-              <a:t>89</a:t>
+              <a:t>86</a:t>
             </a:fld>
             <a:endParaRPr lang="en-US" altLang="en-US"/>
           </a:p>
@@ -6771,7 +6769,7 @@
                 <a:buFontTx/>
                 <a:buNone/>
               </a:pPr>
-              <a:t>90</a:t>
+              <a:t>87</a:t>
             </a:fld>
             <a:endParaRPr lang="en-US" altLang="en-US"/>
           </a:p>
@@ -13942,7 +13940,7 @@
         </p:blipFill>
         <p:spPr bwMode="auto">
           <a:xfrm>
-            <a:off x="2286000" y="1371600"/>
+            <a:off x="2286000" y="1524000"/>
             <a:ext cx="4648200" cy="3581400"/>
           </a:xfrm>
           <a:prstGeom prst="rect">
@@ -14193,501 +14191,6 @@
         </p:txBody>
       </p:sp>
     </p:spTree>
-  </p:cSld>
-  <p:clrMapOvr>
-    <a:masterClrMapping/>
-  </p:clrMapOvr>
-</p:sld>
-</file>
-
-<file path=ppt/slides/slide100.xml><?xml version="1.0" encoding="utf-8"?>
-<p:sld xmlns:a="http://schemas.openxmlformats.org/drawingml/2006/main" xmlns:r="http://schemas.openxmlformats.org/officeDocument/2006/relationships" xmlns:p="http://schemas.openxmlformats.org/presentationml/2006/main">
-  <p:cSld>
-    <p:spTree>
-      <p:nvGrpSpPr>
-        <p:cNvPr id="1" name=""/>
-        <p:cNvGrpSpPr/>
-        <p:nvPr/>
-      </p:nvGrpSpPr>
-      <p:grpSpPr>
-        <a:xfrm>
-          <a:off x="0" y="0"/>
-          <a:ext cx="0" cy="0"/>
-          <a:chOff x="0" y="0"/>
-          <a:chExt cx="0" cy="0"/>
-        </a:xfrm>
-      </p:grpSpPr>
-      <p:sp>
-        <p:nvSpPr>
-          <p:cNvPr id="2" name="Title 1">
-            <a:extLst>
-              <a:ext uri="{FF2B5EF4-FFF2-40B4-BE49-F238E27FC236}">
-                <a16:creationId xmlns:a16="http://schemas.microsoft.com/office/drawing/2014/main" id="{A8DE3DFA-5485-C245-4205-8E58FBFDA81D}"/>
-              </a:ext>
-            </a:extLst>
-          </p:cNvPr>
-          <p:cNvSpPr>
-            <a:spLocks noGrp="1"/>
-          </p:cNvSpPr>
-          <p:nvPr>
-            <p:ph type="title"/>
-          </p:nvPr>
-        </p:nvSpPr>
-        <p:spPr/>
-        <p:txBody>
-          <a:bodyPr/>
-          <a:lstStyle/>
-          <a:p>
-            <a:r>
-              <a:rPr lang="en-US" dirty="0"/>
-              <a:t>Example</a:t>
-            </a:r>
-          </a:p>
-        </p:txBody>
-      </p:sp>
-      <p:sp>
-        <p:nvSpPr>
-          <p:cNvPr id="3" name="Content Placeholder 2">
-            <a:extLst>
-              <a:ext uri="{FF2B5EF4-FFF2-40B4-BE49-F238E27FC236}">
-                <a16:creationId xmlns:a16="http://schemas.microsoft.com/office/drawing/2014/main" id="{DE0BD2CF-CF2B-E6D7-9115-DC9D2B1FA1DE}"/>
-              </a:ext>
-            </a:extLst>
-          </p:cNvPr>
-          <p:cNvSpPr>
-            <a:spLocks noGrp="1"/>
-          </p:cNvSpPr>
-          <p:nvPr>
-            <p:ph idx="1"/>
-          </p:nvPr>
-        </p:nvSpPr>
-        <p:spPr/>
-        <p:txBody>
-          <a:bodyPr/>
-          <a:lstStyle/>
-          <a:p>
-            <a:endParaRPr lang="en-US" dirty="0"/>
-          </a:p>
-          <a:p>
-            <a:pPr marL="457200" lvl="1" indent="0">
-              <a:buNone/>
-            </a:pPr>
-            <a:r>
-              <a:rPr lang="en-US" sz="1800" dirty="0"/>
-              <a:t>const table = </a:t>
-            </a:r>
-            <a:r>
-              <a:rPr lang="en-US" sz="1800" dirty="0" err="1"/>
-              <a:t>document.getElementById</a:t>
-            </a:r>
-            <a:r>
-              <a:rPr lang="en-US" sz="1800" dirty="0"/>
-              <a:t>("table");</a:t>
-            </a:r>
-          </a:p>
-          <a:p>
-            <a:pPr marL="457200" lvl="1" indent="0">
-              <a:buNone/>
-            </a:pPr>
-            <a:endParaRPr lang="en-US" sz="1800" dirty="0"/>
-          </a:p>
-          <a:p>
-            <a:pPr marL="457200" lvl="1" indent="0">
-              <a:buNone/>
-            </a:pPr>
-            <a:r>
-              <a:rPr lang="en-US" sz="1800" dirty="0"/>
-              <a:t>const </a:t>
-            </a:r>
-            <a:r>
-              <a:rPr lang="en-US" sz="1800" dirty="0" err="1"/>
-              <a:t>tableAttrs</a:t>
-            </a:r>
-            <a:r>
-              <a:rPr lang="en-US" sz="1800" dirty="0"/>
-              <a:t> = </a:t>
-            </a:r>
-            <a:r>
-              <a:rPr lang="en-US" sz="1800" dirty="0" err="1"/>
-              <a:t>table.attributes</a:t>
-            </a:r>
-            <a:r>
-              <a:rPr lang="en-US" sz="1800" dirty="0"/>
-              <a:t>; </a:t>
-            </a:r>
-          </a:p>
-          <a:p>
-            <a:pPr marL="457200" lvl="1" indent="0">
-              <a:buNone/>
-            </a:pPr>
-            <a:endParaRPr lang="en-US" sz="1800" dirty="0"/>
-          </a:p>
-          <a:p>
-            <a:pPr marL="457200" lvl="1" indent="0">
-              <a:buNone/>
-            </a:pPr>
-            <a:r>
-              <a:rPr lang="en-US" sz="1800" dirty="0"/>
-              <a:t>for (let </a:t>
-            </a:r>
-            <a:r>
-              <a:rPr lang="en-US" sz="1800" dirty="0" err="1"/>
-              <a:t>i</a:t>
-            </a:r>
-            <a:r>
-              <a:rPr lang="en-US" sz="1800" dirty="0"/>
-              <a:t> = 0; </a:t>
-            </a:r>
-            <a:r>
-              <a:rPr lang="en-US" sz="1800" dirty="0" err="1"/>
-              <a:t>i</a:t>
-            </a:r>
-            <a:r>
-              <a:rPr lang="en-US" sz="1800" dirty="0"/>
-              <a:t> &lt; </a:t>
-            </a:r>
-            <a:r>
-              <a:rPr lang="en-US" sz="1800" dirty="0" err="1"/>
-              <a:t>tableAttrs.length</a:t>
-            </a:r>
-            <a:r>
-              <a:rPr lang="en-US" sz="1800" dirty="0"/>
-              <a:t>; </a:t>
-            </a:r>
-            <a:r>
-              <a:rPr lang="en-US" sz="1800" dirty="0" err="1"/>
-              <a:t>i</a:t>
-            </a:r>
-            <a:r>
-              <a:rPr lang="en-US" sz="1800" dirty="0"/>
-              <a:t>++) {</a:t>
-            </a:r>
-          </a:p>
-          <a:p>
-            <a:pPr marL="457200" lvl="1" indent="0">
-              <a:buNone/>
-            </a:pPr>
-            <a:endParaRPr lang="en-US" sz="1800" dirty="0"/>
-          </a:p>
-          <a:p>
-            <a:pPr marL="457200" lvl="1" indent="0">
-              <a:buNone/>
-            </a:pPr>
-            <a:r>
-              <a:rPr lang="en-US" sz="1800" dirty="0"/>
-              <a:t>if (</a:t>
-            </a:r>
-            <a:r>
-              <a:rPr lang="en-US" sz="1800" dirty="0" err="1"/>
-              <a:t>tableAttrs</a:t>
-            </a:r>
-            <a:r>
-              <a:rPr lang="en-US" sz="1800" dirty="0"/>
-              <a:t>[</a:t>
-            </a:r>
-            <a:r>
-              <a:rPr lang="en-US" sz="1800" dirty="0" err="1"/>
-              <a:t>i</a:t>
-            </a:r>
-            <a:r>
-              <a:rPr lang="en-US" sz="1800" dirty="0"/>
-              <a:t>].</a:t>
-            </a:r>
-            <a:r>
-              <a:rPr lang="en-US" sz="1800" dirty="0" err="1"/>
-              <a:t>nodeName.toLowerCase</a:t>
-            </a:r>
-            <a:r>
-              <a:rPr lang="en-US" sz="1800" dirty="0"/>
-              <a:t>() === "border") {</a:t>
-            </a:r>
-          </a:p>
-          <a:p>
-            <a:pPr marL="457200" lvl="1" indent="0">
-              <a:buNone/>
-            </a:pPr>
-            <a:r>
-              <a:rPr lang="en-US" sz="1800" dirty="0"/>
-              <a:t>    </a:t>
-            </a:r>
-            <a:r>
-              <a:rPr lang="en-US" sz="1800" dirty="0" err="1"/>
-              <a:t>table.border</a:t>
-            </a:r>
-            <a:r>
-              <a:rPr lang="en-US" sz="1800" dirty="0"/>
-              <a:t> = "1";</a:t>
-            </a:r>
-          </a:p>
-          <a:p>
-            <a:pPr marL="457200" lvl="1" indent="0">
-              <a:buNone/>
-            </a:pPr>
-            <a:r>
-              <a:rPr lang="en-US" sz="1800" dirty="0"/>
-              <a:t>  }</a:t>
-            </a:r>
-          </a:p>
-          <a:p>
-            <a:pPr marL="457200" lvl="1" indent="0">
-              <a:buNone/>
-            </a:pPr>
-            <a:r>
-              <a:rPr lang="en-US" sz="1800" dirty="0"/>
-              <a:t>}</a:t>
-            </a:r>
-          </a:p>
-          <a:p>
-            <a:endParaRPr lang="en-US" dirty="0"/>
-          </a:p>
-        </p:txBody>
-      </p:sp>
-    </p:spTree>
-    <p:extLst>
-      <p:ext uri="{BB962C8B-B14F-4D97-AF65-F5344CB8AC3E}">
-        <p14:creationId xmlns:p14="http://schemas.microsoft.com/office/powerpoint/2010/main" val="745854875"/>
-      </p:ext>
-    </p:extLst>
-  </p:cSld>
-  <p:clrMapOvr>
-    <a:masterClrMapping/>
-  </p:clrMapOvr>
-</p:sld>
-</file>
-
-<file path=ppt/slides/slide101.xml><?xml version="1.0" encoding="utf-8"?>
-<p:sld xmlns:a="http://schemas.openxmlformats.org/drawingml/2006/main" xmlns:r="http://schemas.openxmlformats.org/officeDocument/2006/relationships" xmlns:p="http://schemas.openxmlformats.org/presentationml/2006/main">
-  <p:cSld>
-    <p:spTree>
-      <p:nvGrpSpPr>
-        <p:cNvPr id="1" name=""/>
-        <p:cNvGrpSpPr/>
-        <p:nvPr/>
-      </p:nvGrpSpPr>
-      <p:grpSpPr>
-        <a:xfrm>
-          <a:off x="0" y="0"/>
-          <a:ext cx="0" cy="0"/>
-          <a:chOff x="0" y="0"/>
-          <a:chExt cx="0" cy="0"/>
-        </a:xfrm>
-      </p:grpSpPr>
-      <p:sp>
-        <p:nvSpPr>
-          <p:cNvPr id="2" name="Title 1">
-            <a:extLst>
-              <a:ext uri="{FF2B5EF4-FFF2-40B4-BE49-F238E27FC236}">
-                <a16:creationId xmlns:a16="http://schemas.microsoft.com/office/drawing/2014/main" id="{BBA3D266-8DB8-D1F1-CB8E-8D8823EA907E}"/>
-              </a:ext>
-            </a:extLst>
-          </p:cNvPr>
-          <p:cNvSpPr>
-            <a:spLocks noGrp="1"/>
-          </p:cNvSpPr>
-          <p:nvPr>
-            <p:ph type="title"/>
-          </p:nvPr>
-        </p:nvSpPr>
-        <p:spPr/>
-        <p:txBody>
-          <a:bodyPr/>
-          <a:lstStyle/>
-          <a:p>
-            <a:r>
-              <a:rPr lang="en-US" dirty="0"/>
-              <a:t>Example -2</a:t>
-            </a:r>
-          </a:p>
-        </p:txBody>
-      </p:sp>
-      <p:sp>
-        <p:nvSpPr>
-          <p:cNvPr id="3" name="Content Placeholder 2">
-            <a:extLst>
-              <a:ext uri="{FF2B5EF4-FFF2-40B4-BE49-F238E27FC236}">
-                <a16:creationId xmlns:a16="http://schemas.microsoft.com/office/drawing/2014/main" id="{87D4B0E3-DB06-D88D-8BE1-6FFE30323F35}"/>
-              </a:ext>
-            </a:extLst>
-          </p:cNvPr>
-          <p:cNvSpPr>
-            <a:spLocks noGrp="1"/>
-          </p:cNvSpPr>
-          <p:nvPr>
-            <p:ph idx="1"/>
-          </p:nvPr>
-        </p:nvSpPr>
-        <p:spPr/>
-        <p:txBody>
-          <a:bodyPr/>
-          <a:lstStyle/>
-          <a:p>
-            <a:pPr marL="457200" lvl="1" indent="0">
-              <a:buNone/>
-            </a:pPr>
-            <a:r>
-              <a:rPr lang="en-US" sz="1800" dirty="0"/>
-              <a:t>const story = </a:t>
-            </a:r>
-            <a:r>
-              <a:rPr lang="en-US" sz="1800" dirty="0" err="1"/>
-              <a:t>document.body.querySelector</a:t>
-            </a:r>
-            <a:r>
-              <a:rPr lang="en-US" sz="1800" dirty="0"/>
-              <a:t>(".story");</a:t>
-            </a:r>
-          </a:p>
-          <a:p>
-            <a:pPr marL="457200" lvl="1" indent="0">
-              <a:buNone/>
-            </a:pPr>
-            <a:endParaRPr lang="en-US" sz="1800" dirty="0"/>
-          </a:p>
-          <a:p>
-            <a:pPr marL="457200" lvl="1" indent="0">
-              <a:buNone/>
-            </a:pPr>
-            <a:r>
-              <a:rPr lang="en-US" sz="1800" dirty="0"/>
-              <a:t>const </a:t>
-            </a:r>
-            <a:r>
-              <a:rPr lang="en-US" sz="1800" dirty="0" err="1"/>
-              <a:t>setText</a:t>
-            </a:r>
-            <a:r>
-              <a:rPr lang="en-US" sz="1800" dirty="0"/>
-              <a:t> = </a:t>
-            </a:r>
-            <a:r>
-              <a:rPr lang="en-US" sz="1800" dirty="0" err="1"/>
-              <a:t>document.body.querySelector</a:t>
-            </a:r>
-            <a:r>
-              <a:rPr lang="en-US" sz="1800" dirty="0"/>
-              <a:t>("#set-text");</a:t>
-            </a:r>
-          </a:p>
-          <a:p>
-            <a:pPr marL="457200" lvl="1" indent="0">
-              <a:buNone/>
-            </a:pPr>
-            <a:r>
-              <a:rPr lang="en-US" sz="1800" dirty="0" err="1"/>
-              <a:t>setText.addEventListener</a:t>
-            </a:r>
-            <a:r>
-              <a:rPr lang="en-US" sz="1800" dirty="0"/>
-              <a:t>("click", () =&gt; {</a:t>
-            </a:r>
-          </a:p>
-          <a:p>
-            <a:pPr marL="457200" lvl="1" indent="0">
-              <a:buNone/>
-            </a:pPr>
-            <a:r>
-              <a:rPr lang="en-US" sz="1800" dirty="0"/>
-              <a:t>  </a:t>
-            </a:r>
-            <a:r>
-              <a:rPr lang="en-US" sz="1800" dirty="0" err="1"/>
-              <a:t>story.textContent</a:t>
-            </a:r>
-            <a:r>
-              <a:rPr lang="en-US" sz="1800" dirty="0"/>
-              <a:t> = "It was a dark and stormy night...";</a:t>
-            </a:r>
-          </a:p>
-          <a:p>
-            <a:pPr marL="457200" lvl="1" indent="0">
-              <a:buNone/>
-            </a:pPr>
-            <a:r>
-              <a:rPr lang="en-US" sz="1800" dirty="0"/>
-              <a:t>});</a:t>
-            </a:r>
-          </a:p>
-          <a:p>
-            <a:pPr marL="457200" lvl="1" indent="0">
-              <a:buNone/>
-            </a:pPr>
-            <a:endParaRPr lang="en-US" sz="1800" dirty="0"/>
-          </a:p>
-          <a:p>
-            <a:pPr marL="457200" lvl="1" indent="0">
-              <a:buNone/>
-            </a:pPr>
-            <a:r>
-              <a:rPr lang="en-US" sz="1800" dirty="0"/>
-              <a:t>const </a:t>
-            </a:r>
-            <a:r>
-              <a:rPr lang="en-US" sz="1800" dirty="0" err="1"/>
-              <a:t>clearText</a:t>
-            </a:r>
-            <a:r>
-              <a:rPr lang="en-US" sz="1800" dirty="0"/>
-              <a:t> = </a:t>
-            </a:r>
-            <a:r>
-              <a:rPr lang="en-US" sz="1800" dirty="0" err="1"/>
-              <a:t>document.body.querySelector</a:t>
-            </a:r>
-            <a:r>
-              <a:rPr lang="en-US" sz="1800" dirty="0"/>
-              <a:t>("#clear-text");</a:t>
-            </a:r>
-          </a:p>
-          <a:p>
-            <a:pPr marL="457200" lvl="1" indent="0">
-              <a:buNone/>
-            </a:pPr>
-            <a:r>
-              <a:rPr lang="en-US" sz="1800" dirty="0" err="1"/>
-              <a:t>clearText.addEventListener</a:t>
-            </a:r>
-            <a:r>
-              <a:rPr lang="en-US" sz="1800" dirty="0"/>
-              <a:t>("click", () =&gt; {</a:t>
-            </a:r>
-          </a:p>
-          <a:p>
-            <a:pPr marL="457200" lvl="1" indent="0">
-              <a:buNone/>
-            </a:pPr>
-            <a:r>
-              <a:rPr lang="en-US" sz="1800" dirty="0"/>
-              <a:t>  </a:t>
-            </a:r>
-            <a:r>
-              <a:rPr lang="en-US" sz="1800" dirty="0" err="1"/>
-              <a:t>story.textContent</a:t>
-            </a:r>
-            <a:r>
-              <a:rPr lang="en-US" sz="1800" dirty="0"/>
-              <a:t> = "";</a:t>
-            </a:r>
-          </a:p>
-          <a:p>
-            <a:pPr marL="457200" lvl="1" indent="0">
-              <a:buNone/>
-            </a:pPr>
-            <a:r>
-              <a:rPr lang="en-US" sz="1800" dirty="0"/>
-              <a:t>});</a:t>
-            </a:r>
-          </a:p>
-          <a:p>
-            <a:endParaRPr lang="en-US" dirty="0"/>
-          </a:p>
-        </p:txBody>
-      </p:sp>
-    </p:spTree>
-    <p:extLst>
-      <p:ext uri="{BB962C8B-B14F-4D97-AF65-F5344CB8AC3E}">
-        <p14:creationId xmlns:p14="http://schemas.microsoft.com/office/powerpoint/2010/main" val="811593120"/>
-      </p:ext>
-    </p:extLst>
   </p:cSld>
   <p:clrMapOvr>
     <a:masterClrMapping/>
@@ -19579,7 +19082,7 @@
 </file>
 
 <file path=ppt/slides/slide2.xml><?xml version="1.0" encoding="utf-8"?>
-<p:sld xmlns:a="http://schemas.openxmlformats.org/drawingml/2006/main" xmlns:r="http://schemas.openxmlformats.org/officeDocument/2006/relationships" xmlns:p="http://schemas.openxmlformats.org/presentationml/2006/main">
+<p:sld xmlns:a="http://schemas.openxmlformats.org/drawingml/2006/main" xmlns:r="http://schemas.openxmlformats.org/officeDocument/2006/relationships" xmlns:p="http://schemas.openxmlformats.org/presentationml/2006/main" show="0">
   <p:cSld>
     <p:spTree>
       <p:nvGrpSpPr>
@@ -24257,7 +23760,7 @@
 </file>
 
 <file path=ppt/slides/slide3.xml><?xml version="1.0" encoding="utf-8"?>
-<p:sld xmlns:a="http://schemas.openxmlformats.org/drawingml/2006/main" xmlns:r="http://schemas.openxmlformats.org/officeDocument/2006/relationships" xmlns:p="http://schemas.openxmlformats.org/presentationml/2006/main">
+<p:sld xmlns:a="http://schemas.openxmlformats.org/drawingml/2006/main" xmlns:r="http://schemas.openxmlformats.org/officeDocument/2006/relationships" xmlns:p="http://schemas.openxmlformats.org/presentationml/2006/main" show="0">
   <p:cSld>
     <p:spTree>
       <p:nvGrpSpPr>
@@ -25307,7 +24810,7 @@
               <a:defRPr/>
             </a:pPr>
             <a:r>
-              <a:rPr lang="en-US" b="1" dirty="0">
+              <a:rPr lang="en-US" sz="2000" b="1" dirty="0">
                 <a:solidFill>
                   <a:srgbClr val="FF0000"/>
                 </a:solidFill>
@@ -25326,7 +24829,7 @@
               <a:t>let</a:t>
             </a:r>
             <a:r>
-              <a:rPr lang="en-US" b="1" dirty="0">
+              <a:rPr lang="en-US" sz="2000" b="1" dirty="0">
                 <a:solidFill>
                   <a:srgbClr val="FF0000"/>
                 </a:solidFill>
@@ -25334,7 +24837,7 @@
               <a:t> </a:t>
             </a:r>
             <a:r>
-              <a:rPr lang="en-US" b="1" dirty="0" err="1">
+              <a:rPr lang="en-US" sz="2000" b="1" dirty="0" err="1">
                 <a:solidFill>
                   <a:srgbClr val="FF0000"/>
                 </a:solidFill>
@@ -25342,7 +24845,7 @@
               <a:t>i</a:t>
             </a:r>
             <a:r>
-              <a:rPr lang="en-US" b="1" dirty="0">
+              <a:rPr lang="en-US" sz="2000" b="1" dirty="0">
                 <a:solidFill>
                   <a:srgbClr val="FF0000"/>
                 </a:solidFill>
@@ -25357,7 +24860,7 @@
               <a:defRPr/>
             </a:pPr>
             <a:r>
-              <a:rPr lang="en-US" b="1" dirty="0">
+              <a:rPr lang="en-US" sz="2000" b="1" dirty="0">
                 <a:solidFill>
                   <a:srgbClr val="FF0000"/>
                 </a:solidFill>
@@ -25365,7 +24868,7 @@
               <a:t>	console.log(</a:t>
             </a:r>
             <a:r>
-              <a:rPr lang="en-US" b="1" dirty="0" err="1">
+              <a:rPr lang="en-US" sz="2000" b="1" dirty="0" err="1">
                 <a:solidFill>
                   <a:srgbClr val="FF0000"/>
                 </a:solidFill>
@@ -25373,7 +24876,7 @@
               <a:t>i</a:t>
             </a:r>
             <a:r>
-              <a:rPr lang="en-US" b="1" dirty="0">
+              <a:rPr lang="en-US" sz="2000" b="1" dirty="0">
                 <a:solidFill>
                   <a:srgbClr val="FF0000"/>
                 </a:solidFill>
@@ -25388,7 +24891,7 @@
               <a:defRPr/>
             </a:pPr>
             <a:r>
-              <a:rPr lang="en-US" b="1" dirty="0">
+              <a:rPr lang="en-US" sz="2000" b="1" dirty="0">
                 <a:solidFill>
                   <a:srgbClr val="FF0000"/>
                 </a:solidFill>
@@ -25403,7 +24906,7 @@
               <a:defRPr/>
             </a:pPr>
             <a:r>
-              <a:rPr lang="en-US" b="1" dirty="0">
+              <a:rPr lang="en-US" sz="2000" b="1" dirty="0">
                 <a:solidFill>
                   <a:srgbClr val="FF0000"/>
                 </a:solidFill>
@@ -25411,7 +24914,7 @@
               <a:t>console.log('Out Side for </a:t>
             </a:r>
             <a:r>
-              <a:rPr lang="en-US" b="1" dirty="0" err="1">
+              <a:rPr lang="en-US" sz="2000" b="1" dirty="0" err="1">
                 <a:solidFill>
                   <a:srgbClr val="FF0000"/>
                 </a:solidFill>
@@ -25419,7 +24922,7 @@
               <a:t>loop'+i</a:t>
             </a:r>
             <a:r>
-              <a:rPr lang="en-US" b="1" dirty="0">
+              <a:rPr lang="en-US" sz="2000" b="1" dirty="0">
                 <a:solidFill>
                   <a:srgbClr val="FF0000"/>
                 </a:solidFill>
@@ -25433,7 +24936,7 @@
               <a:buNone/>
               <a:defRPr/>
             </a:pPr>
-            <a:endParaRPr lang="en-US" dirty="0">
+            <a:endParaRPr lang="en-US" sz="2000" dirty="0">
               <a:solidFill>
                 <a:srgbClr val="C00000"/>
               </a:solidFill>
@@ -25446,7 +24949,7 @@
               <a:defRPr/>
             </a:pPr>
             <a:r>
-              <a:rPr lang="en-US" dirty="0">
+              <a:rPr lang="en-US" sz="2000" dirty="0">
                 <a:solidFill>
                   <a:srgbClr val="C00000"/>
                 </a:solidFill>
@@ -25465,7 +24968,7 @@
               <a:t>var</a:t>
             </a:r>
             <a:r>
-              <a:rPr lang="en-US" dirty="0">
+              <a:rPr lang="en-US" sz="2000" dirty="0">
                 <a:solidFill>
                   <a:srgbClr val="C00000"/>
                 </a:solidFill>
@@ -25473,7 +24976,7 @@
               <a:t> </a:t>
             </a:r>
             <a:r>
-              <a:rPr lang="en-US" dirty="0" err="1">
+              <a:rPr lang="en-US" sz="2000" dirty="0" err="1">
                 <a:solidFill>
                   <a:srgbClr val="C00000"/>
                 </a:solidFill>
@@ -25481,7 +24984,7 @@
               <a:t>i</a:t>
             </a:r>
             <a:r>
-              <a:rPr lang="en-US" dirty="0">
+              <a:rPr lang="en-US" sz="2000" dirty="0">
                 <a:solidFill>
                   <a:srgbClr val="C00000"/>
                 </a:solidFill>
@@ -25496,7 +24999,7 @@
               <a:defRPr/>
             </a:pPr>
             <a:r>
-              <a:rPr lang="en-US" dirty="0">
+              <a:rPr lang="en-US" sz="2000" dirty="0">
                 <a:solidFill>
                   <a:srgbClr val="C00000"/>
                 </a:solidFill>
@@ -25504,7 +25007,7 @@
               <a:t>	console.log(</a:t>
             </a:r>
             <a:r>
-              <a:rPr lang="en-US" dirty="0" err="1">
+              <a:rPr lang="en-US" sz="2000" dirty="0" err="1">
                 <a:solidFill>
                   <a:srgbClr val="C00000"/>
                 </a:solidFill>
@@ -25512,7 +25015,7 @@
               <a:t>i</a:t>
             </a:r>
             <a:r>
-              <a:rPr lang="en-US" dirty="0">
+              <a:rPr lang="en-US" sz="2000" dirty="0">
                 <a:solidFill>
                   <a:srgbClr val="C00000"/>
                 </a:solidFill>
@@ -25527,7 +25030,7 @@
               <a:defRPr/>
             </a:pPr>
             <a:r>
-              <a:rPr lang="en-US" dirty="0">
+              <a:rPr lang="en-US" sz="2000" dirty="0">
                 <a:solidFill>
                   <a:srgbClr val="C00000"/>
                 </a:solidFill>
@@ -25542,7 +25045,7 @@
               <a:defRPr/>
             </a:pPr>
             <a:r>
-              <a:rPr lang="en-US" dirty="0">
+              <a:rPr lang="en-US" sz="2000" dirty="0">
                 <a:solidFill>
                   <a:srgbClr val="C00000"/>
                 </a:solidFill>
@@ -25550,7 +25053,7 @@
               <a:t>console.log('Out Side for </a:t>
             </a:r>
             <a:r>
-              <a:rPr lang="en-US" dirty="0" err="1">
+              <a:rPr lang="en-US" sz="2000" dirty="0" err="1">
                 <a:solidFill>
                   <a:srgbClr val="C00000"/>
                 </a:solidFill>
@@ -25558,7 +25061,7 @@
               <a:t>loop'+i</a:t>
             </a:r>
             <a:r>
-              <a:rPr lang="en-US" dirty="0">
+              <a:rPr lang="en-US" sz="2000" dirty="0">
                 <a:solidFill>
                   <a:srgbClr val="C00000"/>
                 </a:solidFill>
@@ -30452,370 +29955,6 @@
       </p:grpSpPr>
       <p:sp>
         <p:nvSpPr>
-          <p:cNvPr id="129025" name="Title 1">
-            <a:extLst>
-              <a:ext uri="{FF2B5EF4-FFF2-40B4-BE49-F238E27FC236}">
-                <a16:creationId xmlns:a16="http://schemas.microsoft.com/office/drawing/2014/main" id="{359849A6-5537-C403-DFA7-FE309E52E33E}"/>
-              </a:ext>
-            </a:extLst>
-          </p:cNvPr>
-          <p:cNvSpPr>
-            <a:spLocks noGrp="1" noChangeArrowheads="1"/>
-          </p:cNvSpPr>
-          <p:nvPr>
-            <p:ph type="title"/>
-          </p:nvPr>
-        </p:nvSpPr>
-        <p:spPr>
-          <a:xfrm>
-            <a:off x="533400" y="381000"/>
-            <a:ext cx="8229600" cy="457200"/>
-          </a:xfrm>
-        </p:spPr>
-        <p:txBody>
-          <a:bodyPr/>
-          <a:lstStyle/>
-          <a:p>
-            <a:r>
-              <a:rPr lang="en-US" altLang="en-US"/>
-              <a:t>Defining Classes and Functions</a:t>
-            </a:r>
-          </a:p>
-        </p:txBody>
-      </p:sp>
-      <p:sp>
-        <p:nvSpPr>
-          <p:cNvPr id="3" name="Content Placeholder 2">
-            <a:extLst>
-              <a:ext uri="{FF2B5EF4-FFF2-40B4-BE49-F238E27FC236}">
-                <a16:creationId xmlns:a16="http://schemas.microsoft.com/office/drawing/2014/main" id="{55906AE6-94C6-06E8-CD9B-C6FF73A4BFE8}"/>
-              </a:ext>
-            </a:extLst>
-          </p:cNvPr>
-          <p:cNvSpPr>
-            <a:spLocks noGrp="1"/>
-          </p:cNvSpPr>
-          <p:nvPr>
-            <p:ph idx="1"/>
-          </p:nvPr>
-        </p:nvSpPr>
-        <p:spPr>
-          <a:xfrm>
-            <a:off x="457200" y="914400"/>
-            <a:ext cx="8229600" cy="5211763"/>
-          </a:xfrm>
-        </p:spPr>
-        <p:txBody>
-          <a:bodyPr/>
-          <a:lstStyle/>
-          <a:p>
-            <a:pPr marL="800100" lvl="1" indent="-342900">
-              <a:buFontTx/>
-              <a:buNone/>
-              <a:defRPr/>
-            </a:pPr>
-            <a:r>
-              <a:rPr lang="en-US" sz="1800" dirty="0"/>
-              <a:t>export default class Movie {</a:t>
-            </a:r>
-          </a:p>
-          <a:p>
-            <a:pPr marL="800100" lvl="1" indent="-342900">
-              <a:buFontTx/>
-              <a:buNone/>
-              <a:defRPr/>
-            </a:pPr>
-            <a:r>
-              <a:rPr lang="en-US" sz="1800" dirty="0"/>
-              <a:t>constructor(</a:t>
-            </a:r>
-            <a:r>
-              <a:rPr lang="en-US" sz="1800" dirty="0" err="1"/>
-              <a:t>movieName</a:t>
-            </a:r>
-            <a:r>
-              <a:rPr lang="en-US" sz="1800" dirty="0"/>
-              <a:t>, poster, rating, </a:t>
-            </a:r>
-            <a:r>
-              <a:rPr lang="en-US" sz="1800" dirty="0" err="1"/>
-              <a:t>totalReviewers</a:t>
-            </a:r>
-            <a:r>
-              <a:rPr lang="en-US" sz="1800" dirty="0"/>
-              <a:t>) {</a:t>
-            </a:r>
-          </a:p>
-          <a:p>
-            <a:pPr marL="1200150" lvl="2" indent="-342900">
-              <a:buFontTx/>
-              <a:buNone/>
-              <a:defRPr/>
-            </a:pPr>
-            <a:r>
-              <a:rPr lang="en-US" sz="1800" dirty="0" err="1"/>
-              <a:t>this.movieName</a:t>
-            </a:r>
-            <a:r>
-              <a:rPr lang="en-US" sz="1800" dirty="0"/>
-              <a:t> = </a:t>
-            </a:r>
-            <a:r>
-              <a:rPr lang="en-US" sz="1800" dirty="0" err="1"/>
-              <a:t>movieName</a:t>
-            </a:r>
-            <a:r>
-              <a:rPr lang="en-US" sz="1800" dirty="0"/>
-              <a:t>;</a:t>
-            </a:r>
-          </a:p>
-          <a:p>
-            <a:pPr marL="1200150" lvl="2" indent="-342900">
-              <a:buFontTx/>
-              <a:buNone/>
-              <a:defRPr/>
-            </a:pPr>
-            <a:r>
-              <a:rPr lang="en-US" sz="1800" dirty="0" err="1"/>
-              <a:t>this.poster</a:t>
-            </a:r>
-            <a:r>
-              <a:rPr lang="en-US" sz="1800" dirty="0"/>
-              <a:t> = poster;</a:t>
-            </a:r>
-          </a:p>
-          <a:p>
-            <a:pPr marL="1200150" lvl="2" indent="-342900">
-              <a:buFontTx/>
-              <a:buNone/>
-              <a:defRPr/>
-            </a:pPr>
-            <a:r>
-              <a:rPr lang="en-US" sz="1800" dirty="0" err="1"/>
-              <a:t>this.rating</a:t>
-            </a:r>
-            <a:r>
-              <a:rPr lang="en-US" sz="1800" dirty="0"/>
-              <a:t> = rating;</a:t>
-            </a:r>
-          </a:p>
-          <a:p>
-            <a:pPr marL="1200150" lvl="2" indent="-342900">
-              <a:buFontTx/>
-              <a:buNone/>
-              <a:defRPr/>
-            </a:pPr>
-            <a:r>
-              <a:rPr lang="en-US" sz="1800" dirty="0" err="1"/>
-              <a:t>this.totalReviewers</a:t>
-            </a:r>
-            <a:r>
-              <a:rPr lang="en-US" sz="1800" dirty="0"/>
-              <a:t> = </a:t>
-            </a:r>
-            <a:r>
-              <a:rPr lang="en-US" sz="1800" dirty="0" err="1"/>
-              <a:t>totalReviewers</a:t>
-            </a:r>
-            <a:r>
-              <a:rPr lang="en-US" sz="1800" dirty="0"/>
-              <a:t>;</a:t>
-            </a:r>
-          </a:p>
-          <a:p>
-            <a:pPr marL="800100" lvl="1" indent="-342900">
-              <a:buFontTx/>
-              <a:buNone/>
-              <a:defRPr/>
-            </a:pPr>
-            <a:r>
-              <a:rPr lang="en-US" sz="1800" dirty="0"/>
-              <a:t>}</a:t>
-            </a:r>
-          </a:p>
-          <a:p>
-            <a:pPr marL="800100" lvl="1" indent="-342900">
-              <a:buFontTx/>
-              <a:buNone/>
-              <a:defRPr/>
-            </a:pPr>
-            <a:br>
-              <a:rPr lang="en-US" sz="1800" dirty="0"/>
-            </a:br>
-            <a:r>
-              <a:rPr lang="en-US" sz="1800" dirty="0" err="1"/>
-              <a:t>toString</a:t>
-            </a:r>
-            <a:r>
-              <a:rPr lang="en-US" sz="1800" dirty="0"/>
-              <a:t>() {</a:t>
-            </a:r>
-          </a:p>
-          <a:p>
-            <a:pPr marL="800100" lvl="1" indent="-342900">
-              <a:buFontTx/>
-              <a:buNone/>
-              <a:defRPr/>
-            </a:pPr>
-            <a:r>
-              <a:rPr lang="en-US" sz="1800" dirty="0"/>
-              <a:t>return </a:t>
-            </a:r>
-            <a:r>
-              <a:rPr lang="en-US" sz="1800" b="1" dirty="0">
-                <a:solidFill>
-                  <a:srgbClr val="FF0000"/>
-                </a:solidFill>
-              </a:rPr>
-              <a:t>`</a:t>
-            </a:r>
-            <a:r>
-              <a:rPr lang="en-US" sz="1800" dirty="0"/>
-              <a:t>Movie : ${</a:t>
-            </a:r>
-            <a:r>
-              <a:rPr lang="en-US" sz="1800" dirty="0" err="1"/>
-              <a:t>this.movieName</a:t>
-            </a:r>
-            <a:r>
-              <a:rPr lang="en-US" sz="1800" dirty="0"/>
-              <a:t>} .rating : ${</a:t>
-            </a:r>
-            <a:r>
-              <a:rPr lang="en-US" sz="1800" dirty="0" err="1"/>
-              <a:t>this.rating</a:t>
-            </a:r>
-            <a:r>
-              <a:rPr lang="en-US" sz="1800" dirty="0"/>
-              <a:t>} out of </a:t>
-            </a:r>
-          </a:p>
-          <a:p>
-            <a:pPr marL="800100" lvl="1" indent="-342900">
-              <a:buFontTx/>
-              <a:buNone/>
-              <a:defRPr/>
-            </a:pPr>
-            <a:r>
-              <a:rPr lang="en-US" sz="1800" dirty="0"/>
-              <a:t>: ${</a:t>
-            </a:r>
-            <a:r>
-              <a:rPr lang="en-US" sz="1800" dirty="0" err="1"/>
-              <a:t>this.totalReviewers</a:t>
-            </a:r>
-            <a:r>
-              <a:rPr lang="en-US" sz="1800" dirty="0"/>
-              <a:t>} of Reviewers</a:t>
-            </a:r>
-            <a:r>
-              <a:rPr lang="en-US" sz="1800" b="1" dirty="0">
-                <a:solidFill>
-                  <a:srgbClr val="FF0000"/>
-                </a:solidFill>
-              </a:rPr>
-              <a:t>`</a:t>
-            </a:r>
-            <a:r>
-              <a:rPr lang="en-US" sz="1800" dirty="0"/>
-              <a:t>;</a:t>
-            </a:r>
-          </a:p>
-          <a:p>
-            <a:pPr marL="800100" lvl="1" indent="-342900">
-              <a:buFontTx/>
-              <a:buNone/>
-              <a:defRPr/>
-            </a:pPr>
-            <a:r>
-              <a:rPr lang="en-US" sz="1800" dirty="0"/>
-              <a:t>    }</a:t>
-            </a:r>
-          </a:p>
-          <a:p>
-            <a:pPr marL="800100" lvl="1" indent="-342900">
-              <a:buFontTx/>
-              <a:buNone/>
-              <a:defRPr/>
-            </a:pPr>
-            <a:r>
-              <a:rPr lang="en-US" sz="1800" dirty="0"/>
-              <a:t>}</a:t>
-            </a:r>
-          </a:p>
-          <a:p>
-            <a:pPr marL="800100" lvl="1" indent="-342900">
-              <a:buFontTx/>
-              <a:buNone/>
-              <a:defRPr/>
-            </a:pPr>
-            <a:r>
-              <a:rPr lang="en-US" sz="1800" dirty="0"/>
-              <a:t>export function calculate() {</a:t>
-            </a:r>
-          </a:p>
-          <a:p>
-            <a:pPr lvl="1">
-              <a:buFontTx/>
-              <a:buNone/>
-              <a:defRPr/>
-            </a:pPr>
-            <a:r>
-              <a:rPr lang="en-US" sz="1800" dirty="0"/>
-              <a:t>       return 'Hi from calculate';</a:t>
-            </a:r>
-          </a:p>
-          <a:p>
-            <a:pPr lvl="1">
-              <a:buFontTx/>
-              <a:buNone/>
-              <a:defRPr/>
-            </a:pPr>
-            <a:r>
-              <a:rPr lang="en-US" sz="1800" dirty="0"/>
-              <a:t>}</a:t>
-            </a:r>
-          </a:p>
-          <a:p>
-            <a:pPr>
-              <a:defRPr/>
-            </a:pPr>
-            <a:endParaRPr lang="en-US" sz="1800" dirty="0"/>
-          </a:p>
-        </p:txBody>
-      </p:sp>
-    </p:spTree>
-    <p:extLst>
-      <p:ext uri="{BB962C8B-B14F-4D97-AF65-F5344CB8AC3E}">
-        <p14:creationId xmlns:p14="http://schemas.microsoft.com/office/powerpoint/2010/main" val="1629809570"/>
-      </p:ext>
-    </p:extLst>
-  </p:cSld>
-  <p:clrMapOvr>
-    <a:masterClrMapping/>
-  </p:clrMapOvr>
-</p:sld>
-</file>
-
-<file path=ppt/slides/slide42.xml><?xml version="1.0" encoding="utf-8"?>
-<p:sld xmlns:a="http://schemas.openxmlformats.org/drawingml/2006/main" xmlns:r="http://schemas.openxmlformats.org/officeDocument/2006/relationships" xmlns:p="http://schemas.openxmlformats.org/presentationml/2006/main">
-  <p:cSld>
-    <p:spTree>
-      <p:nvGrpSpPr>
-        <p:cNvPr id="1" name=""/>
-        <p:cNvGrpSpPr/>
-        <p:nvPr/>
-      </p:nvGrpSpPr>
-      <p:grpSpPr>
-        <a:xfrm>
-          <a:off x="0" y="0"/>
-          <a:ext cx="0" cy="0"/>
-          <a:chOff x="0" y="0"/>
-          <a:chExt cx="0" cy="0"/>
-        </a:xfrm>
-      </p:grpSpPr>
-      <p:sp>
-        <p:nvSpPr>
           <p:cNvPr id="138241" name="Title 1">
             <a:extLst>
               <a:ext uri="{FF2B5EF4-FFF2-40B4-BE49-F238E27FC236}">
@@ -30868,57 +30007,57 @@
           <a:lstStyle/>
           <a:p>
             <a:r>
-              <a:rPr lang="en-US" altLang="en-US"/>
+              <a:rPr lang="en-US" altLang="en-US" dirty="0"/>
               <a:t>Java Script Functions Parameter passing is special</a:t>
             </a:r>
           </a:p>
           <a:p>
-            <a:endParaRPr lang="en-US" altLang="en-US"/>
-          </a:p>
-          <a:p>
-            <a:r>
-              <a:rPr lang="en-US" altLang="en-US"/>
+            <a:endParaRPr lang="en-US" altLang="en-US" dirty="0"/>
+          </a:p>
+          <a:p>
+            <a:r>
+              <a:rPr lang="en-US" altLang="en-US" dirty="0"/>
               <a:t>Functions can handle different numbers of parameters</a:t>
             </a:r>
           </a:p>
           <a:p>
-            <a:endParaRPr lang="en-US" altLang="en-US"/>
-          </a:p>
-          <a:p>
-            <a:r>
-              <a:rPr lang="en-US" altLang="en-US"/>
+            <a:endParaRPr lang="en-US" altLang="en-US" dirty="0"/>
+          </a:p>
+          <a:p>
+            <a:r>
+              <a:rPr lang="en-US" altLang="en-US" dirty="0"/>
               <a:t>Parameters of functions default to undefined. </a:t>
             </a:r>
           </a:p>
           <a:p>
             <a:pPr lvl="1"/>
             <a:r>
-              <a:rPr lang="en-US" altLang="en-US"/>
+              <a:rPr lang="en-US" altLang="en-US" sz="2000" dirty="0"/>
               <a:t>Can set a default value for the parameter</a:t>
             </a:r>
           </a:p>
           <a:p>
-            <a:endParaRPr lang="en-US" altLang="en-US"/>
-          </a:p>
-          <a:p>
-            <a:r>
-              <a:rPr lang="en-US" altLang="en-US"/>
+            <a:endParaRPr lang="en-US" altLang="en-US" dirty="0"/>
+          </a:p>
+          <a:p>
+            <a:r>
+              <a:rPr lang="en-US" altLang="en-US" dirty="0"/>
               <a:t>The check in the function body for undefined is not necessary. </a:t>
             </a:r>
           </a:p>
           <a:p>
-            <a:endParaRPr lang="en-US" altLang="en-US"/>
-          </a:p>
-          <a:p>
-            <a:r>
-              <a:rPr lang="en-US" altLang="en-US"/>
+            <a:endParaRPr lang="en-US" altLang="en-US" dirty="0"/>
+          </a:p>
+          <a:p>
+            <a:r>
+              <a:rPr lang="en-US" altLang="en-US" dirty="0"/>
               <a:t>The default argument gets evaluated at call time</a:t>
             </a:r>
           </a:p>
           <a:p>
             <a:pPr lvl="1"/>
             <a:r>
-              <a:rPr lang="en-US" altLang="en-US" sz="2000"/>
+              <a:rPr lang="en-US" altLang="en-US" sz="2000" dirty="0"/>
               <a:t> a new object is created each time the function is called.</a:t>
             </a:r>
           </a:p>
@@ -30928,9 +30067,9 @@
               <a:buNone/>
             </a:pPr>
             <a:br>
-              <a:rPr lang="en-US" altLang="en-US"/>
+              <a:rPr lang="en-US" altLang="en-US" dirty="0"/>
             </a:br>
-            <a:endParaRPr lang="en-US" altLang="en-US"/>
+            <a:endParaRPr lang="en-US" altLang="en-US" dirty="0"/>
           </a:p>
         </p:txBody>
       </p:sp>
@@ -30947,7 +30086,7 @@
 </p:sld>
 </file>
 
-<file path=ppt/slides/slide43.xml><?xml version="1.0" encoding="utf-8"?>
+<file path=ppt/slides/slide42.xml><?xml version="1.0" encoding="utf-8"?>
 <p:sld xmlns:a="http://schemas.openxmlformats.org/drawingml/2006/main" xmlns:r="http://schemas.openxmlformats.org/officeDocument/2006/relationships" xmlns:p="http://schemas.openxmlformats.org/presentationml/2006/main">
   <p:cSld>
     <p:spTree>
@@ -31174,7 +30313,7 @@
 </p:sld>
 </file>
 
-<file path=ppt/slides/slide44.xml><?xml version="1.0" encoding="utf-8"?>
+<file path=ppt/slides/slide43.xml><?xml version="1.0" encoding="utf-8"?>
 <p:sld xmlns:a="http://schemas.openxmlformats.org/drawingml/2006/main" xmlns:r="http://schemas.openxmlformats.org/officeDocument/2006/relationships" xmlns:p="http://schemas.openxmlformats.org/presentationml/2006/main">
   <p:cSld>
     <p:spTree>
@@ -31363,7 +30502,7 @@
 </p:sld>
 </file>
 
-<file path=ppt/slides/slide45.xml><?xml version="1.0" encoding="utf-8"?>
+<file path=ppt/slides/slide44.xml><?xml version="1.0" encoding="utf-8"?>
 <p:sld xmlns:a="http://schemas.openxmlformats.org/drawingml/2006/main" xmlns:r="http://schemas.openxmlformats.org/officeDocument/2006/relationships" xmlns:p="http://schemas.openxmlformats.org/presentationml/2006/main">
   <p:cSld>
     <p:spTree>
@@ -31538,7 +30677,7 @@
 </p:sld>
 </file>
 
-<file path=ppt/slides/slide46.xml><?xml version="1.0" encoding="utf-8"?>
+<file path=ppt/slides/slide45.xml><?xml version="1.0" encoding="utf-8"?>
 <p:sld xmlns:a="http://schemas.openxmlformats.org/drawingml/2006/main" xmlns:r="http://schemas.openxmlformats.org/officeDocument/2006/relationships" xmlns:p="http://schemas.openxmlformats.org/presentationml/2006/main">
   <p:cSld>
     <p:spTree>
@@ -31729,7 +30868,7 @@
 </p:sld>
 </file>
 
-<file path=ppt/slides/slide47.xml><?xml version="1.0" encoding="utf-8"?>
+<file path=ppt/slides/slide46.xml><?xml version="1.0" encoding="utf-8"?>
 <p:sld xmlns:a="http://schemas.openxmlformats.org/drawingml/2006/main" xmlns:r="http://schemas.openxmlformats.org/officeDocument/2006/relationships" xmlns:p="http://schemas.openxmlformats.org/presentationml/2006/main">
   <p:cSld>
     <p:spTree>
@@ -31934,7 +31073,7 @@
 </p:sld>
 </file>
 
-<file path=ppt/slides/slide48.xml><?xml version="1.0" encoding="utf-8"?>
+<file path=ppt/slides/slide47.xml><?xml version="1.0" encoding="utf-8"?>
 <p:sld xmlns:a="http://schemas.openxmlformats.org/drawingml/2006/main" xmlns:r="http://schemas.openxmlformats.org/officeDocument/2006/relationships" xmlns:p="http://schemas.openxmlformats.org/presentationml/2006/main">
   <p:cSld>
     <p:spTree>
@@ -32058,7 +31197,7 @@
 </p:sld>
 </file>
 
-<file path=ppt/slides/slide49.xml><?xml version="1.0" encoding="utf-8"?>
+<file path=ppt/slides/slide48.xml><?xml version="1.0" encoding="utf-8"?>
 <p:sld xmlns:a="http://schemas.openxmlformats.org/drawingml/2006/main" xmlns:r="http://schemas.openxmlformats.org/officeDocument/2006/relationships" xmlns:p="http://schemas.openxmlformats.org/presentationml/2006/main">
   <p:cSld>
     <p:spTree>
@@ -32241,6 +31380,223 @@
                 </a:solidFill>
               </a:rPr>
               <a:t>localName Becomes undefined</a:t>
+            </a:r>
+          </a:p>
+        </p:txBody>
+      </p:sp>
+    </p:spTree>
+  </p:cSld>
+  <p:clrMapOvr>
+    <a:masterClrMapping/>
+  </p:clrMapOvr>
+</p:sld>
+</file>
+
+<file path=ppt/slides/slide49.xml><?xml version="1.0" encoding="utf-8"?>
+<p:sld xmlns:a="http://schemas.openxmlformats.org/drawingml/2006/main" xmlns:r="http://schemas.openxmlformats.org/officeDocument/2006/relationships" xmlns:p="http://schemas.openxmlformats.org/presentationml/2006/main">
+  <p:cSld>
+    <p:spTree>
+      <p:nvGrpSpPr>
+        <p:cNvPr id="1" name=""/>
+        <p:cNvGrpSpPr/>
+        <p:nvPr/>
+      </p:nvGrpSpPr>
+      <p:grpSpPr>
+        <a:xfrm>
+          <a:off x="0" y="0"/>
+          <a:ext cx="0" cy="0"/>
+          <a:chOff x="0" y="0"/>
+          <a:chExt cx="0" cy="0"/>
+        </a:xfrm>
+      </p:grpSpPr>
+      <p:sp>
+        <p:nvSpPr>
+          <p:cNvPr id="71681" name="Title 1">
+            <a:extLst>
+              <a:ext uri="{FF2B5EF4-FFF2-40B4-BE49-F238E27FC236}">
+                <a16:creationId xmlns:a16="http://schemas.microsoft.com/office/drawing/2014/main" id="{D61A8946-1AD8-938A-9B57-C6EADDE60769}"/>
+              </a:ext>
+            </a:extLst>
+          </p:cNvPr>
+          <p:cNvSpPr>
+            <a:spLocks noGrp="1" noChangeArrowheads="1"/>
+          </p:cNvSpPr>
+          <p:nvPr>
+            <p:ph type="title"/>
+          </p:nvPr>
+        </p:nvSpPr>
+        <p:spPr/>
+        <p:txBody>
+          <a:bodyPr/>
+          <a:lstStyle/>
+          <a:p>
+            <a:r>
+              <a:rPr lang="en-US" altLang="en-US"/>
+              <a:t>Closure Example</a:t>
+            </a:r>
+          </a:p>
+        </p:txBody>
+      </p:sp>
+      <p:sp>
+        <p:nvSpPr>
+          <p:cNvPr id="71682" name="Content Placeholder 2">
+            <a:extLst>
+              <a:ext uri="{FF2B5EF4-FFF2-40B4-BE49-F238E27FC236}">
+                <a16:creationId xmlns:a16="http://schemas.microsoft.com/office/drawing/2014/main" id="{82EF6283-5910-BFDF-9522-292E5532418F}"/>
+              </a:ext>
+            </a:extLst>
+          </p:cNvPr>
+          <p:cNvSpPr>
+            <a:spLocks noGrp="1" noChangeArrowheads="1"/>
+          </p:cNvSpPr>
+          <p:nvPr>
+            <p:ph idx="1"/>
+          </p:nvPr>
+        </p:nvSpPr>
+        <p:spPr>
+          <a:xfrm>
+            <a:off x="457200" y="838200"/>
+            <a:ext cx="8228013" cy="5286375"/>
+          </a:xfrm>
+        </p:spPr>
+        <p:txBody>
+          <a:bodyPr/>
+          <a:lstStyle/>
+          <a:p>
+            <a:pPr lvl="1">
+              <a:buFont typeface="Times New Roman" panose="02020603050405020304" pitchFamily="18" charset="0"/>
+              <a:buNone/>
+            </a:pPr>
+            <a:r>
+              <a:rPr lang="en-US" altLang="en-US" sz="1800"/>
+              <a:t>function init() {</a:t>
+            </a:r>
+          </a:p>
+          <a:p>
+            <a:pPr lvl="1">
+              <a:buFont typeface="Times New Roman" panose="02020603050405020304" pitchFamily="18" charset="0"/>
+              <a:buNone/>
+            </a:pPr>
+            <a:r>
+              <a:rPr lang="en-US" altLang="en-US" sz="1800"/>
+              <a:t>  var localName = "Java Script";</a:t>
+            </a:r>
+          </a:p>
+          <a:p>
+            <a:pPr lvl="1">
+              <a:buFont typeface="Times New Roman" panose="02020603050405020304" pitchFamily="18" charset="0"/>
+              <a:buNone/>
+            </a:pPr>
+            <a:r>
+              <a:rPr lang="en-US" altLang="en-US" sz="1800"/>
+              <a:t>  return  function(){</a:t>
+            </a:r>
+          </a:p>
+          <a:p>
+            <a:pPr lvl="1">
+              <a:buFont typeface="Times New Roman" panose="02020603050405020304" pitchFamily="18" charset="0"/>
+              <a:buNone/>
+            </a:pPr>
+            <a:r>
+              <a:rPr lang="en-US" altLang="en-US" sz="1800"/>
+              <a:t>     console.log("Local Name"+localName)</a:t>
+            </a:r>
+          </a:p>
+          <a:p>
+            <a:pPr lvl="1">
+              <a:buFont typeface="Times New Roman" panose="02020603050405020304" pitchFamily="18" charset="0"/>
+              <a:buNone/>
+            </a:pPr>
+            <a:r>
+              <a:rPr lang="en-US" altLang="en-US" sz="1800"/>
+              <a:t>     return localName;</a:t>
+            </a:r>
+          </a:p>
+          <a:p>
+            <a:pPr lvl="1">
+              <a:buFont typeface="Times New Roman" panose="02020603050405020304" pitchFamily="18" charset="0"/>
+              <a:buNone/>
+            </a:pPr>
+            <a:r>
+              <a:rPr lang="en-US" altLang="en-US" sz="1800"/>
+              <a:t>  }</a:t>
+            </a:r>
+          </a:p>
+          <a:p>
+            <a:pPr lvl="1">
+              <a:buFont typeface="Times New Roman" panose="02020603050405020304" pitchFamily="18" charset="0"/>
+              <a:buNone/>
+            </a:pPr>
+            <a:r>
+              <a:rPr lang="en-US" altLang="en-US" sz="1800"/>
+              <a:t>} </a:t>
+            </a:r>
+          </a:p>
+          <a:p>
+            <a:pPr lvl="1">
+              <a:buFont typeface="Times New Roman" panose="02020603050405020304" pitchFamily="18" charset="0"/>
+              <a:buNone/>
+            </a:pPr>
+            <a:r>
+              <a:rPr lang="en-US" altLang="en-US" sz="1800"/>
+              <a:t>function display(){</a:t>
+            </a:r>
+          </a:p>
+          <a:p>
+            <a:pPr lvl="1">
+              <a:buFont typeface="Times New Roman" panose="02020603050405020304" pitchFamily="18" charset="0"/>
+              <a:buNone/>
+            </a:pPr>
+            <a:r>
+              <a:rPr lang="en-US" altLang="en-US" sz="1800"/>
+              <a:t>       var funcRef= init();</a:t>
+            </a:r>
+          </a:p>
+          <a:p>
+            <a:pPr lvl="1">
+              <a:buFont typeface="Times New Roman" panose="02020603050405020304" pitchFamily="18" charset="0"/>
+              <a:buNone/>
+            </a:pPr>
+            <a:r>
+              <a:rPr lang="en-US" altLang="en-US" sz="1800"/>
+              <a:t>       var capturedPrivate = funcRef();</a:t>
+            </a:r>
+          </a:p>
+          <a:p>
+            <a:pPr lvl="1">
+              <a:buFont typeface="Times New Roman" panose="02020603050405020304" pitchFamily="18" charset="0"/>
+              <a:buNone/>
+            </a:pPr>
+            <a:r>
+              <a:rPr lang="en-US" altLang="en-US" sz="1800"/>
+              <a:t>	 console.log("Name :"+capturedPrivate);</a:t>
+            </a:r>
+          </a:p>
+          <a:p>
+            <a:pPr lvl="1">
+              <a:buFont typeface="Times New Roman" panose="02020603050405020304" pitchFamily="18" charset="0"/>
+              <a:buNone/>
+            </a:pPr>
+            <a:r>
+              <a:rPr lang="en-US" altLang="en-US" sz="1800"/>
+              <a:t>}</a:t>
+            </a:r>
+          </a:p>
+          <a:p>
+            <a:pPr lvl="1">
+              <a:buFont typeface="Times New Roman" panose="02020603050405020304" pitchFamily="18" charset="0"/>
+              <a:buNone/>
+            </a:pPr>
+            <a:endParaRPr lang="en-US" altLang="en-US" sz="1800"/>
+          </a:p>
+          <a:p>
+            <a:pPr lvl="1">
+              <a:buFont typeface="Times New Roman" panose="02020603050405020304" pitchFamily="18" charset="0"/>
+              <a:buNone/>
+            </a:pPr>
+            <a:r>
+              <a:rPr lang="en-US" altLang="en-US" sz="1800"/>
+              <a:t>display();</a:t>
             </a:r>
           </a:p>
         </p:txBody>
@@ -32328,19 +31684,19 @@
               </a:spcBef>
             </a:pPr>
             <a:r>
-              <a:rPr lang="en-US" altLang="en-US"/>
+              <a:rPr lang="en-US" altLang="en-US" dirty="0"/>
               <a:t>A scripting language Created by </a:t>
             </a:r>
             <a:r>
-              <a:rPr lang="en-US" altLang="en-US" b="1"/>
+              <a:rPr lang="en-US" altLang="en-US" b="1" dirty="0"/>
               <a:t>Brendan Eich</a:t>
             </a:r>
             <a:r>
-              <a:rPr lang="en-US" altLang="en-US"/>
+              <a:rPr lang="en-US" altLang="en-US" dirty="0"/>
               <a:t> at </a:t>
             </a:r>
             <a:r>
-              <a:rPr lang="en-US" altLang="en-US" b="1"/>
+              <a:rPr lang="en-US" altLang="en-US" b="1" dirty="0"/>
               <a:t>Netscape</a:t>
             </a:r>
           </a:p>
@@ -32354,50 +31710,50 @@
               </a:spcBef>
             </a:pPr>
             <a:r>
-              <a:rPr lang="en-US" altLang="en-US"/>
+              <a:rPr lang="en-US" altLang="en-US" dirty="0"/>
               <a:t>Developed under the name </a:t>
             </a:r>
             <a:r>
-              <a:rPr lang="en-US" altLang="en-US" b="1"/>
+              <a:rPr lang="en-US" altLang="en-US" b="1" dirty="0"/>
               <a:t>Mocha</a:t>
             </a:r>
             <a:r>
-              <a:rPr lang="en-US" altLang="en-US"/>
+              <a:rPr lang="en-US" altLang="en-US" dirty="0"/>
               <a:t>, and officially called </a:t>
             </a:r>
             <a:r>
-              <a:rPr lang="en-US" altLang="en-US" b="1"/>
+              <a:rPr lang="en-US" altLang="en-US" b="1" dirty="0" err="1"/>
               <a:t>LiveScript</a:t>
             </a:r>
             <a:r>
-              <a:rPr lang="en-US" altLang="en-US"/>
+              <a:rPr lang="en-US" altLang="en-US" dirty="0"/>
               <a:t> </a:t>
             </a:r>
           </a:p>
           <a:p>
             <a:r>
-              <a:rPr lang="en-US" altLang="en-US"/>
+              <a:rPr lang="en-US" altLang="en-US" dirty="0"/>
               <a:t>Renamed to JavaScript </a:t>
             </a:r>
           </a:p>
           <a:p>
             <a:pPr lvl="1"/>
             <a:r>
-              <a:rPr lang="en-US" altLang="en-US" sz="2000"/>
+              <a:rPr lang="en-US" altLang="en-US" sz="2000" dirty="0"/>
               <a:t>When Netscape added support for Java technology in its Netscape Navigator web browser. </a:t>
             </a:r>
           </a:p>
           <a:p>
             <a:pPr lvl="1"/>
-            <a:endParaRPr lang="en-US" altLang="en-US" sz="2000"/>
-          </a:p>
-          <a:p>
-            <a:r>
-              <a:rPr lang="en-US" altLang="en-US" sz="1800"/>
+            <a:endParaRPr lang="en-US" altLang="en-US" sz="2000" dirty="0"/>
+          </a:p>
+          <a:p>
+            <a:r>
+              <a:rPr lang="en-US" altLang="en-US" sz="1800" dirty="0"/>
               <a:t>Its official name is </a:t>
             </a:r>
             <a:r>
-              <a:rPr lang="en-US" altLang="en-US" sz="1800" b="1">
+              <a:rPr lang="en-US" altLang="en-US" sz="1800" b="1" dirty="0">
                 <a:solidFill>
                   <a:srgbClr val="C00000"/>
                 </a:solidFill>
@@ -32405,7 +31761,7 @@
               <a:t>ECMAScript</a:t>
             </a:r>
             <a:r>
-              <a:rPr lang="en-US" altLang="en-US" sz="1800"/>
+              <a:rPr lang="en-US" altLang="en-US" sz="1800" dirty="0"/>
               <a:t>, </a:t>
             </a:r>
           </a:p>
@@ -32419,22 +31775,22 @@
               </a:spcBef>
             </a:pPr>
             <a:r>
-              <a:rPr lang="en-US" altLang="en-US"/>
+              <a:rPr lang="en-US" altLang="en-US" dirty="0"/>
               <a:t>It’s </a:t>
             </a:r>
             <a:r>
-              <a:rPr lang="en-US" altLang="en-US" b="1"/>
+              <a:rPr lang="en-US" altLang="en-US" b="1" dirty="0"/>
               <a:t>interpreted</a:t>
             </a:r>
             <a:r>
-              <a:rPr lang="en-US" altLang="en-US"/>
+              <a:rPr lang="en-US" altLang="en-US" dirty="0"/>
               <a:t> by the browser engine while the page is loaded.</a:t>
             </a:r>
           </a:p>
           <a:p>
             <a:pPr lvl="1"/>
             <a:r>
-              <a:rPr lang="en-US" altLang="en-US" sz="2400" b="1">
+              <a:rPr lang="en-US" altLang="en-US" sz="2400" b="1" dirty="0">
                 <a:solidFill>
                   <a:srgbClr val="C00000"/>
                 </a:solidFill>
@@ -32442,22 +31798,22 @@
               <a:t>HTML</a:t>
             </a:r>
             <a:r>
-              <a:rPr lang="en-US" altLang="en-US" sz="2400"/>
+              <a:rPr lang="en-US" altLang="en-US" sz="2400" dirty="0"/>
               <a:t>, gives </a:t>
             </a:r>
             <a:r>
-              <a:rPr lang="en-US" altLang="en-US" sz="2400" b="1"/>
+              <a:rPr lang="en-US" altLang="en-US" sz="2400" b="1" dirty="0"/>
               <a:t>structure</a:t>
             </a:r>
             <a:r>
-              <a:rPr lang="en-US" altLang="en-US" sz="2400"/>
+              <a:rPr lang="en-US" altLang="en-US" sz="2400" dirty="0"/>
               <a:t> to the web pages </a:t>
             </a:r>
           </a:p>
           <a:p>
             <a:pPr lvl="1"/>
             <a:r>
-              <a:rPr lang="en-US" altLang="en-US" sz="2400" b="1">
+              <a:rPr lang="en-US" altLang="en-US" sz="2400" b="1" dirty="0">
                 <a:solidFill>
                   <a:srgbClr val="C00000"/>
                 </a:solidFill>
@@ -32465,22 +31821,22 @@
               <a:t>CSS</a:t>
             </a:r>
             <a:r>
-              <a:rPr lang="en-US" altLang="en-US" sz="2400"/>
+              <a:rPr lang="en-US" altLang="en-US" sz="2400" dirty="0"/>
               <a:t>, controls the </a:t>
             </a:r>
             <a:r>
-              <a:rPr lang="en-US" altLang="en-US" sz="2400" b="1"/>
+              <a:rPr lang="en-US" altLang="en-US" sz="2400" b="1" dirty="0"/>
               <a:t>appearance</a:t>
             </a:r>
             <a:r>
-              <a:rPr lang="en-US" altLang="en-US" sz="2400"/>
+              <a:rPr lang="en-US" altLang="en-US" sz="2400" dirty="0"/>
               <a:t> of web pages </a:t>
             </a:r>
           </a:p>
           <a:p>
             <a:pPr lvl="1"/>
             <a:r>
-              <a:rPr lang="en-US" altLang="en-US" sz="2400" b="1">
+              <a:rPr lang="en-US" altLang="en-US" sz="2400" b="1" dirty="0">
                 <a:solidFill>
                   <a:srgbClr val="C00000"/>
                 </a:solidFill>
@@ -32488,20 +31844,20 @@
               <a:t>JavaScript</a:t>
             </a:r>
             <a:r>
-              <a:rPr lang="en-US" altLang="en-US" sz="2400"/>
+              <a:rPr lang="en-US" altLang="en-US" sz="2400" dirty="0"/>
               <a:t> gives the </a:t>
             </a:r>
             <a:r>
-              <a:rPr lang="en-US" altLang="en-US" sz="2400" b="1"/>
+              <a:rPr lang="en-US" altLang="en-US" sz="2400" b="1" dirty="0"/>
               <a:t>behavior</a:t>
             </a:r>
             <a:r>
-              <a:rPr lang="en-US" altLang="en-US" sz="2400"/>
+              <a:rPr lang="en-US" altLang="en-US" sz="2400" dirty="0"/>
               <a:t> for the page.</a:t>
             </a:r>
           </a:p>
           <a:p>
-            <a:endParaRPr lang="en-US" altLang="en-US"/>
+            <a:endParaRPr lang="en-US" altLang="en-US" dirty="0"/>
           </a:p>
         </p:txBody>
       </p:sp>
@@ -32514,223 +31870,6 @@
 </file>
 
 <file path=ppt/slides/slide50.xml><?xml version="1.0" encoding="utf-8"?>
-<p:sld xmlns:a="http://schemas.openxmlformats.org/drawingml/2006/main" xmlns:r="http://schemas.openxmlformats.org/officeDocument/2006/relationships" xmlns:p="http://schemas.openxmlformats.org/presentationml/2006/main">
-  <p:cSld>
-    <p:spTree>
-      <p:nvGrpSpPr>
-        <p:cNvPr id="1" name=""/>
-        <p:cNvGrpSpPr/>
-        <p:nvPr/>
-      </p:nvGrpSpPr>
-      <p:grpSpPr>
-        <a:xfrm>
-          <a:off x="0" y="0"/>
-          <a:ext cx="0" cy="0"/>
-          <a:chOff x="0" y="0"/>
-          <a:chExt cx="0" cy="0"/>
-        </a:xfrm>
-      </p:grpSpPr>
-      <p:sp>
-        <p:nvSpPr>
-          <p:cNvPr id="71681" name="Title 1">
-            <a:extLst>
-              <a:ext uri="{FF2B5EF4-FFF2-40B4-BE49-F238E27FC236}">
-                <a16:creationId xmlns:a16="http://schemas.microsoft.com/office/drawing/2014/main" id="{D61A8946-1AD8-938A-9B57-C6EADDE60769}"/>
-              </a:ext>
-            </a:extLst>
-          </p:cNvPr>
-          <p:cNvSpPr>
-            <a:spLocks noGrp="1" noChangeArrowheads="1"/>
-          </p:cNvSpPr>
-          <p:nvPr>
-            <p:ph type="title"/>
-          </p:nvPr>
-        </p:nvSpPr>
-        <p:spPr/>
-        <p:txBody>
-          <a:bodyPr/>
-          <a:lstStyle/>
-          <a:p>
-            <a:r>
-              <a:rPr lang="en-US" altLang="en-US"/>
-              <a:t>Closure Example</a:t>
-            </a:r>
-          </a:p>
-        </p:txBody>
-      </p:sp>
-      <p:sp>
-        <p:nvSpPr>
-          <p:cNvPr id="71682" name="Content Placeholder 2">
-            <a:extLst>
-              <a:ext uri="{FF2B5EF4-FFF2-40B4-BE49-F238E27FC236}">
-                <a16:creationId xmlns:a16="http://schemas.microsoft.com/office/drawing/2014/main" id="{82EF6283-5910-BFDF-9522-292E5532418F}"/>
-              </a:ext>
-            </a:extLst>
-          </p:cNvPr>
-          <p:cNvSpPr>
-            <a:spLocks noGrp="1" noChangeArrowheads="1"/>
-          </p:cNvSpPr>
-          <p:nvPr>
-            <p:ph idx="1"/>
-          </p:nvPr>
-        </p:nvSpPr>
-        <p:spPr>
-          <a:xfrm>
-            <a:off x="457200" y="838200"/>
-            <a:ext cx="8228013" cy="5286375"/>
-          </a:xfrm>
-        </p:spPr>
-        <p:txBody>
-          <a:bodyPr/>
-          <a:lstStyle/>
-          <a:p>
-            <a:pPr lvl="1">
-              <a:buFont typeface="Times New Roman" panose="02020603050405020304" pitchFamily="18" charset="0"/>
-              <a:buNone/>
-            </a:pPr>
-            <a:r>
-              <a:rPr lang="en-US" altLang="en-US" sz="1800"/>
-              <a:t>function init() {</a:t>
-            </a:r>
-          </a:p>
-          <a:p>
-            <a:pPr lvl="1">
-              <a:buFont typeface="Times New Roman" panose="02020603050405020304" pitchFamily="18" charset="0"/>
-              <a:buNone/>
-            </a:pPr>
-            <a:r>
-              <a:rPr lang="en-US" altLang="en-US" sz="1800"/>
-              <a:t>  var localName = "Java Script";</a:t>
-            </a:r>
-          </a:p>
-          <a:p>
-            <a:pPr lvl="1">
-              <a:buFont typeface="Times New Roman" panose="02020603050405020304" pitchFamily="18" charset="0"/>
-              <a:buNone/>
-            </a:pPr>
-            <a:r>
-              <a:rPr lang="en-US" altLang="en-US" sz="1800"/>
-              <a:t>  return  function(){</a:t>
-            </a:r>
-          </a:p>
-          <a:p>
-            <a:pPr lvl="1">
-              <a:buFont typeface="Times New Roman" panose="02020603050405020304" pitchFamily="18" charset="0"/>
-              <a:buNone/>
-            </a:pPr>
-            <a:r>
-              <a:rPr lang="en-US" altLang="en-US" sz="1800"/>
-              <a:t>     console.log("Local Name"+localName)</a:t>
-            </a:r>
-          </a:p>
-          <a:p>
-            <a:pPr lvl="1">
-              <a:buFont typeface="Times New Roman" panose="02020603050405020304" pitchFamily="18" charset="0"/>
-              <a:buNone/>
-            </a:pPr>
-            <a:r>
-              <a:rPr lang="en-US" altLang="en-US" sz="1800"/>
-              <a:t>     return localName;</a:t>
-            </a:r>
-          </a:p>
-          <a:p>
-            <a:pPr lvl="1">
-              <a:buFont typeface="Times New Roman" panose="02020603050405020304" pitchFamily="18" charset="0"/>
-              <a:buNone/>
-            </a:pPr>
-            <a:r>
-              <a:rPr lang="en-US" altLang="en-US" sz="1800"/>
-              <a:t>  }</a:t>
-            </a:r>
-          </a:p>
-          <a:p>
-            <a:pPr lvl="1">
-              <a:buFont typeface="Times New Roman" panose="02020603050405020304" pitchFamily="18" charset="0"/>
-              <a:buNone/>
-            </a:pPr>
-            <a:r>
-              <a:rPr lang="en-US" altLang="en-US" sz="1800"/>
-              <a:t>} </a:t>
-            </a:r>
-          </a:p>
-          <a:p>
-            <a:pPr lvl="1">
-              <a:buFont typeface="Times New Roman" panose="02020603050405020304" pitchFamily="18" charset="0"/>
-              <a:buNone/>
-            </a:pPr>
-            <a:r>
-              <a:rPr lang="en-US" altLang="en-US" sz="1800"/>
-              <a:t>function display(){</a:t>
-            </a:r>
-          </a:p>
-          <a:p>
-            <a:pPr lvl="1">
-              <a:buFont typeface="Times New Roman" panose="02020603050405020304" pitchFamily="18" charset="0"/>
-              <a:buNone/>
-            </a:pPr>
-            <a:r>
-              <a:rPr lang="en-US" altLang="en-US" sz="1800"/>
-              <a:t>       var funcRef= init();</a:t>
-            </a:r>
-          </a:p>
-          <a:p>
-            <a:pPr lvl="1">
-              <a:buFont typeface="Times New Roman" panose="02020603050405020304" pitchFamily="18" charset="0"/>
-              <a:buNone/>
-            </a:pPr>
-            <a:r>
-              <a:rPr lang="en-US" altLang="en-US" sz="1800"/>
-              <a:t>       var capturedPrivate = funcRef();</a:t>
-            </a:r>
-          </a:p>
-          <a:p>
-            <a:pPr lvl="1">
-              <a:buFont typeface="Times New Roman" panose="02020603050405020304" pitchFamily="18" charset="0"/>
-              <a:buNone/>
-            </a:pPr>
-            <a:r>
-              <a:rPr lang="en-US" altLang="en-US" sz="1800"/>
-              <a:t>	 console.log("Name :"+capturedPrivate);</a:t>
-            </a:r>
-          </a:p>
-          <a:p>
-            <a:pPr lvl="1">
-              <a:buFont typeface="Times New Roman" panose="02020603050405020304" pitchFamily="18" charset="0"/>
-              <a:buNone/>
-            </a:pPr>
-            <a:r>
-              <a:rPr lang="en-US" altLang="en-US" sz="1800"/>
-              <a:t>}</a:t>
-            </a:r>
-          </a:p>
-          <a:p>
-            <a:pPr lvl="1">
-              <a:buFont typeface="Times New Roman" panose="02020603050405020304" pitchFamily="18" charset="0"/>
-              <a:buNone/>
-            </a:pPr>
-            <a:endParaRPr lang="en-US" altLang="en-US" sz="1800"/>
-          </a:p>
-          <a:p>
-            <a:pPr lvl="1">
-              <a:buFont typeface="Times New Roman" panose="02020603050405020304" pitchFamily="18" charset="0"/>
-              <a:buNone/>
-            </a:pPr>
-            <a:r>
-              <a:rPr lang="en-US" altLang="en-US" sz="1800"/>
-              <a:t>display();</a:t>
-            </a:r>
-          </a:p>
-        </p:txBody>
-      </p:sp>
-    </p:spTree>
-  </p:cSld>
-  <p:clrMapOvr>
-    <a:masterClrMapping/>
-  </p:clrMapOvr>
-</p:sld>
-</file>
-
-<file path=ppt/slides/slide51.xml><?xml version="1.0" encoding="utf-8"?>
 <p:sld xmlns:a="http://schemas.openxmlformats.org/drawingml/2006/main" xmlns:r="http://schemas.openxmlformats.org/officeDocument/2006/relationships" xmlns:p="http://schemas.openxmlformats.org/presentationml/2006/main">
   <p:cSld>
     <p:spTree>
@@ -32976,7 +32115,7 @@
 </p:sld>
 </file>
 
-<file path=ppt/slides/slide52.xml><?xml version="1.0" encoding="utf-8"?>
+<file path=ppt/slides/slide51.xml><?xml version="1.0" encoding="utf-8"?>
 <p:sld xmlns:a="http://schemas.openxmlformats.org/drawingml/2006/main" xmlns:r="http://schemas.openxmlformats.org/officeDocument/2006/relationships" xmlns:p="http://schemas.openxmlformats.org/presentationml/2006/main">
   <p:cSld>
     <p:spTree>
@@ -33175,7 +32314,7 @@
 </p:sld>
 </file>
 
-<file path=ppt/slides/slide53.xml><?xml version="1.0" encoding="utf-8"?>
+<file path=ppt/slides/slide52.xml><?xml version="1.0" encoding="utf-8"?>
 <p:sld xmlns:a="http://schemas.openxmlformats.org/drawingml/2006/main" xmlns:r="http://schemas.openxmlformats.org/officeDocument/2006/relationships" xmlns:p="http://schemas.openxmlformats.org/presentationml/2006/main">
   <p:cSld>
     <p:spTree>
@@ -33352,7 +32491,7 @@
 </p:sld>
 </file>
 
-<file path=ppt/slides/slide54.xml><?xml version="1.0" encoding="utf-8"?>
+<file path=ppt/slides/slide53.xml><?xml version="1.0" encoding="utf-8"?>
 <p:sld xmlns:a="http://schemas.openxmlformats.org/drawingml/2006/main" xmlns:r="http://schemas.openxmlformats.org/officeDocument/2006/relationships" xmlns:p="http://schemas.openxmlformats.org/presentationml/2006/main">
   <p:cSld>
     <p:spTree>
@@ -33638,7 +32777,7 @@
 </p:sld>
 </file>
 
-<file path=ppt/slides/slide55.xml><?xml version="1.0" encoding="utf-8"?>
+<file path=ppt/slides/slide54.xml><?xml version="1.0" encoding="utf-8"?>
 <p:sld xmlns:a="http://schemas.openxmlformats.org/drawingml/2006/main" xmlns:r="http://schemas.openxmlformats.org/officeDocument/2006/relationships" xmlns:p="http://schemas.openxmlformats.org/presentationml/2006/main">
   <p:cSld>
     <p:spTree>
@@ -33719,7 +32858,7 @@
 </p:sld>
 </file>
 
-<file path=ppt/slides/slide56.xml><?xml version="1.0" encoding="utf-8"?>
+<file path=ppt/slides/slide55.xml><?xml version="1.0" encoding="utf-8"?>
 <p:sld xmlns:a="http://schemas.openxmlformats.org/drawingml/2006/main" xmlns:r="http://schemas.openxmlformats.org/officeDocument/2006/relationships" xmlns:p="http://schemas.openxmlformats.org/presentationml/2006/main">
   <p:cSld>
     <p:spTree>
@@ -34683,7 +33822,7 @@
 </p:sld>
 </file>
 
-<file path=ppt/slides/slide57.xml><?xml version="1.0" encoding="utf-8"?>
+<file path=ppt/slides/slide56.xml><?xml version="1.0" encoding="utf-8"?>
 <p:sld xmlns:a="http://schemas.openxmlformats.org/drawingml/2006/main" xmlns:r="http://schemas.openxmlformats.org/officeDocument/2006/relationships" xmlns:p="http://schemas.openxmlformats.org/presentationml/2006/main">
   <p:cSld>
     <p:spTree>
@@ -34892,7 +34031,7 @@
 </p:sld>
 </file>
 
-<file path=ppt/slides/slide58.xml><?xml version="1.0" encoding="utf-8"?>
+<file path=ppt/slides/slide57.xml><?xml version="1.0" encoding="utf-8"?>
 <p:sld xmlns:a="http://schemas.openxmlformats.org/drawingml/2006/main" xmlns:r="http://schemas.openxmlformats.org/officeDocument/2006/relationships" xmlns:p="http://schemas.openxmlformats.org/presentationml/2006/main">
   <p:cSld>
     <p:spTree>
@@ -34977,7 +34116,7 @@
 </p:sld>
 </file>
 
-<file path=ppt/slides/slide59.xml><?xml version="1.0" encoding="utf-8"?>
+<file path=ppt/slides/slide58.xml><?xml version="1.0" encoding="utf-8"?>
 <p:sld xmlns:a="http://schemas.openxmlformats.org/drawingml/2006/main" xmlns:r="http://schemas.openxmlformats.org/officeDocument/2006/relationships" xmlns:p="http://schemas.openxmlformats.org/presentationml/2006/main">
   <p:cSld>
     <p:spTree>
@@ -35937,153 +35076,7 @@
 </p:sld>
 </file>
 
-<file path=ppt/slides/slide6.xml><?xml version="1.0" encoding="utf-8"?>
-<p:sld xmlns:a="http://schemas.openxmlformats.org/drawingml/2006/main" xmlns:r="http://schemas.openxmlformats.org/officeDocument/2006/relationships" xmlns:p="http://schemas.openxmlformats.org/presentationml/2006/main">
-  <p:cSld>
-    <p:spTree>
-      <p:nvGrpSpPr>
-        <p:cNvPr id="1" name=""/>
-        <p:cNvGrpSpPr/>
-        <p:nvPr/>
-      </p:nvGrpSpPr>
-      <p:grpSpPr>
-        <a:xfrm>
-          <a:off x="0" y="0"/>
-          <a:ext cx="0" cy="0"/>
-          <a:chOff x="0" y="0"/>
-          <a:chExt cx="0" cy="0"/>
-        </a:xfrm>
-      </p:grpSpPr>
-      <p:sp>
-        <p:nvSpPr>
-          <p:cNvPr id="20481" name="Title 1">
-            <a:extLst>
-              <a:ext uri="{FF2B5EF4-FFF2-40B4-BE49-F238E27FC236}">
-                <a16:creationId xmlns:a16="http://schemas.microsoft.com/office/drawing/2014/main" id="{ADA17B3D-EC42-AAA9-B2EE-265E98F90CFB}"/>
-              </a:ext>
-            </a:extLst>
-          </p:cNvPr>
-          <p:cNvSpPr>
-            <a:spLocks noGrp="1" noChangeArrowheads="1"/>
-          </p:cNvSpPr>
-          <p:nvPr>
-            <p:ph type="title"/>
-          </p:nvPr>
-        </p:nvSpPr>
-        <p:spPr/>
-        <p:txBody>
-          <a:bodyPr/>
-          <a:lstStyle/>
-          <a:p>
-            <a:r>
-              <a:rPr lang="en-IN" altLang="en-US"/>
-              <a:t>Java Script</a:t>
-            </a:r>
-          </a:p>
-        </p:txBody>
-      </p:sp>
-      <p:sp>
-        <p:nvSpPr>
-          <p:cNvPr id="20482" name="Content Placeholder 2">
-            <a:extLst>
-              <a:ext uri="{FF2B5EF4-FFF2-40B4-BE49-F238E27FC236}">
-                <a16:creationId xmlns:a16="http://schemas.microsoft.com/office/drawing/2014/main" id="{DF2E8DF1-D421-1E37-A829-7998832A5D32}"/>
-              </a:ext>
-            </a:extLst>
-          </p:cNvPr>
-          <p:cNvSpPr>
-            <a:spLocks noGrp="1" noChangeArrowheads="1"/>
-          </p:cNvSpPr>
-          <p:nvPr>
-            <p:ph idx="1"/>
-          </p:nvPr>
-        </p:nvSpPr>
-        <p:spPr/>
-        <p:txBody>
-          <a:bodyPr/>
-          <a:lstStyle/>
-          <a:p>
-            <a:pPr>
-              <a:lnSpc>
-                <a:spcPct val="150000"/>
-              </a:lnSpc>
-            </a:pPr>
-            <a:r>
-              <a:rPr lang="en-US" altLang="en-US" sz="1800"/>
-              <a:t>Its lightweight, interpreted, or just-in-time compiled programming language with first-class functions. </a:t>
-            </a:r>
-          </a:p>
-          <a:p>
-            <a:pPr>
-              <a:lnSpc>
-                <a:spcPct val="150000"/>
-              </a:lnSpc>
-            </a:pPr>
-            <a:r>
-              <a:rPr lang="en-US" altLang="en-US" sz="1800"/>
-              <a:t>Well-known as the scripting language for Web pages</a:t>
-            </a:r>
-          </a:p>
-          <a:p>
-            <a:pPr lvl="1">
-              <a:lnSpc>
-                <a:spcPct val="150000"/>
-              </a:lnSpc>
-            </a:pPr>
-            <a:r>
-              <a:rPr lang="en-US" altLang="en-US" sz="1800"/>
-              <a:t>Used in Non-browser environments </a:t>
-            </a:r>
-          </a:p>
-          <a:p>
-            <a:pPr lvl="2">
-              <a:lnSpc>
-                <a:spcPct val="150000"/>
-              </a:lnSpc>
-            </a:pPr>
-            <a:r>
-              <a:rPr lang="en-US" altLang="en-US" sz="1800" i="1"/>
-              <a:t>Node.js, Apache CouchDB </a:t>
-            </a:r>
-          </a:p>
-          <a:p>
-            <a:pPr>
-              <a:lnSpc>
-                <a:spcPct val="150000"/>
-              </a:lnSpc>
-            </a:pPr>
-            <a:endParaRPr lang="en-US" altLang="en-US" sz="1800"/>
-          </a:p>
-          <a:p>
-            <a:pPr>
-              <a:lnSpc>
-                <a:spcPct val="150000"/>
-              </a:lnSpc>
-            </a:pPr>
-            <a:r>
-              <a:rPr lang="en-US" altLang="en-US" sz="1800"/>
-              <a:t>JavaScript is a prototype-based, multi-paradigm, single-threaded, dynamic language, supporting object-oriented and functional programming) styles.</a:t>
-            </a:r>
-          </a:p>
-          <a:p>
-            <a:pPr>
-              <a:lnSpc>
-                <a:spcPct val="150000"/>
-              </a:lnSpc>
-            </a:pPr>
-            <a:endParaRPr lang="en-IN" altLang="en-US" sz="1800"/>
-          </a:p>
-        </p:txBody>
-      </p:sp>
-    </p:spTree>
-  </p:cSld>
-  <p:clrMapOvr>
-    <a:masterClrMapping/>
-  </p:clrMapOvr>
-</p:sld>
-</file>
-
-<file path=ppt/slides/slide60.xml><?xml version="1.0" encoding="utf-8"?>
+<file path=ppt/slides/slide59.xml><?xml version="1.0" encoding="utf-8"?>
 <p:sld xmlns:a="http://schemas.openxmlformats.org/drawingml/2006/main" xmlns:r="http://schemas.openxmlformats.org/officeDocument/2006/relationships" xmlns:p="http://schemas.openxmlformats.org/presentationml/2006/main">
   <p:cSld>
     <p:spTree>
@@ -36324,7 +35317,153 @@
 </p:sld>
 </file>
 
-<file path=ppt/slides/slide61.xml><?xml version="1.0" encoding="utf-8"?>
+<file path=ppt/slides/slide6.xml><?xml version="1.0" encoding="utf-8"?>
+<p:sld xmlns:a="http://schemas.openxmlformats.org/drawingml/2006/main" xmlns:r="http://schemas.openxmlformats.org/officeDocument/2006/relationships" xmlns:p="http://schemas.openxmlformats.org/presentationml/2006/main">
+  <p:cSld>
+    <p:spTree>
+      <p:nvGrpSpPr>
+        <p:cNvPr id="1" name=""/>
+        <p:cNvGrpSpPr/>
+        <p:nvPr/>
+      </p:nvGrpSpPr>
+      <p:grpSpPr>
+        <a:xfrm>
+          <a:off x="0" y="0"/>
+          <a:ext cx="0" cy="0"/>
+          <a:chOff x="0" y="0"/>
+          <a:chExt cx="0" cy="0"/>
+        </a:xfrm>
+      </p:grpSpPr>
+      <p:sp>
+        <p:nvSpPr>
+          <p:cNvPr id="20481" name="Title 1">
+            <a:extLst>
+              <a:ext uri="{FF2B5EF4-FFF2-40B4-BE49-F238E27FC236}">
+                <a16:creationId xmlns:a16="http://schemas.microsoft.com/office/drawing/2014/main" id="{ADA17B3D-EC42-AAA9-B2EE-265E98F90CFB}"/>
+              </a:ext>
+            </a:extLst>
+          </p:cNvPr>
+          <p:cNvSpPr>
+            <a:spLocks noGrp="1" noChangeArrowheads="1"/>
+          </p:cNvSpPr>
+          <p:nvPr>
+            <p:ph type="title"/>
+          </p:nvPr>
+        </p:nvSpPr>
+        <p:spPr/>
+        <p:txBody>
+          <a:bodyPr/>
+          <a:lstStyle/>
+          <a:p>
+            <a:r>
+              <a:rPr lang="en-IN" altLang="en-US"/>
+              <a:t>Java Script</a:t>
+            </a:r>
+          </a:p>
+        </p:txBody>
+      </p:sp>
+      <p:sp>
+        <p:nvSpPr>
+          <p:cNvPr id="20482" name="Content Placeholder 2">
+            <a:extLst>
+              <a:ext uri="{FF2B5EF4-FFF2-40B4-BE49-F238E27FC236}">
+                <a16:creationId xmlns:a16="http://schemas.microsoft.com/office/drawing/2014/main" id="{DF2E8DF1-D421-1E37-A829-7998832A5D32}"/>
+              </a:ext>
+            </a:extLst>
+          </p:cNvPr>
+          <p:cNvSpPr>
+            <a:spLocks noGrp="1" noChangeArrowheads="1"/>
+          </p:cNvSpPr>
+          <p:nvPr>
+            <p:ph idx="1"/>
+          </p:nvPr>
+        </p:nvSpPr>
+        <p:spPr/>
+        <p:txBody>
+          <a:bodyPr/>
+          <a:lstStyle/>
+          <a:p>
+            <a:pPr>
+              <a:lnSpc>
+                <a:spcPct val="150000"/>
+              </a:lnSpc>
+            </a:pPr>
+            <a:r>
+              <a:rPr lang="en-US" altLang="en-US" sz="1800"/>
+              <a:t>Its lightweight, interpreted, or just-in-time compiled programming language with first-class functions. </a:t>
+            </a:r>
+          </a:p>
+          <a:p>
+            <a:pPr>
+              <a:lnSpc>
+                <a:spcPct val="150000"/>
+              </a:lnSpc>
+            </a:pPr>
+            <a:r>
+              <a:rPr lang="en-US" altLang="en-US" sz="1800"/>
+              <a:t>Well-known as the scripting language for Web pages</a:t>
+            </a:r>
+          </a:p>
+          <a:p>
+            <a:pPr lvl="1">
+              <a:lnSpc>
+                <a:spcPct val="150000"/>
+              </a:lnSpc>
+            </a:pPr>
+            <a:r>
+              <a:rPr lang="en-US" altLang="en-US" sz="1800"/>
+              <a:t>Used in Non-browser environments </a:t>
+            </a:r>
+          </a:p>
+          <a:p>
+            <a:pPr lvl="2">
+              <a:lnSpc>
+                <a:spcPct val="150000"/>
+              </a:lnSpc>
+            </a:pPr>
+            <a:r>
+              <a:rPr lang="en-US" altLang="en-US" sz="1800" i="1"/>
+              <a:t>Node.js, Apache CouchDB </a:t>
+            </a:r>
+          </a:p>
+          <a:p>
+            <a:pPr>
+              <a:lnSpc>
+                <a:spcPct val="150000"/>
+              </a:lnSpc>
+            </a:pPr>
+            <a:endParaRPr lang="en-US" altLang="en-US" sz="1800"/>
+          </a:p>
+          <a:p>
+            <a:pPr>
+              <a:lnSpc>
+                <a:spcPct val="150000"/>
+              </a:lnSpc>
+            </a:pPr>
+            <a:r>
+              <a:rPr lang="en-US" altLang="en-US" sz="1800"/>
+              <a:t>JavaScript is a prototype-based, multi-paradigm, single-threaded, dynamic language, supporting object-oriented and functional programming) styles.</a:t>
+            </a:r>
+          </a:p>
+          <a:p>
+            <a:pPr>
+              <a:lnSpc>
+                <a:spcPct val="150000"/>
+              </a:lnSpc>
+            </a:pPr>
+            <a:endParaRPr lang="en-IN" altLang="en-US" sz="1800"/>
+          </a:p>
+        </p:txBody>
+      </p:sp>
+    </p:spTree>
+  </p:cSld>
+  <p:clrMapOvr>
+    <a:masterClrMapping/>
+  </p:clrMapOvr>
+</p:sld>
+</file>
+
+<file path=ppt/slides/slide60.xml><?xml version="1.0" encoding="utf-8"?>
 <p:sld xmlns:a="http://schemas.openxmlformats.org/drawingml/2006/main" xmlns:r="http://schemas.openxmlformats.org/officeDocument/2006/relationships" xmlns:p="http://schemas.openxmlformats.org/presentationml/2006/main">
   <p:cSld>
     <p:spTree>
@@ -36458,7 +35597,7 @@
 </p:sld>
 </file>
 
-<file path=ppt/slides/slide62.xml><?xml version="1.0" encoding="utf-8"?>
+<file path=ppt/slides/slide61.xml><?xml version="1.0" encoding="utf-8"?>
 <p:sld xmlns:a="http://schemas.openxmlformats.org/drawingml/2006/main" xmlns:r="http://schemas.openxmlformats.org/officeDocument/2006/relationships" xmlns:p="http://schemas.openxmlformats.org/presentationml/2006/main">
   <p:cSld>
     <p:spTree>
@@ -36601,7 +35740,7 @@
 </p:sld>
 </file>
 
-<file path=ppt/slides/slide63.xml><?xml version="1.0" encoding="utf-8"?>
+<file path=ppt/slides/slide62.xml><?xml version="1.0" encoding="utf-8"?>
 <p:sld xmlns:a="http://schemas.openxmlformats.org/drawingml/2006/main" xmlns:r="http://schemas.openxmlformats.org/officeDocument/2006/relationships" xmlns:p="http://schemas.openxmlformats.org/presentationml/2006/main">
   <p:cSld>
     <p:spTree>
@@ -36737,7 +35876,7 @@
 </p:sld>
 </file>
 
-<file path=ppt/slides/slide64.xml><?xml version="1.0" encoding="utf-8"?>
+<file path=ppt/slides/slide63.xml><?xml version="1.0" encoding="utf-8"?>
 <p:sld xmlns:a="http://schemas.openxmlformats.org/drawingml/2006/main" xmlns:r="http://schemas.openxmlformats.org/officeDocument/2006/relationships" xmlns:p="http://schemas.openxmlformats.org/presentationml/2006/main">
   <p:cSld>
     <p:spTree>
@@ -36898,7 +36037,7 @@
 </p:sld>
 </file>
 
-<file path=ppt/slides/slide65.xml><?xml version="1.0" encoding="utf-8"?>
+<file path=ppt/slides/slide64.xml><?xml version="1.0" encoding="utf-8"?>
 <p:sld xmlns:a="http://schemas.openxmlformats.org/drawingml/2006/main" xmlns:r="http://schemas.openxmlformats.org/officeDocument/2006/relationships" xmlns:p="http://schemas.openxmlformats.org/presentationml/2006/main">
   <p:cSld>
     <p:spTree>
@@ -37087,7 +36226,7 @@
 </p:sld>
 </file>
 
-<file path=ppt/slides/slide66.xml><?xml version="1.0" encoding="utf-8"?>
+<file path=ppt/slides/slide65.xml><?xml version="1.0" encoding="utf-8"?>
 <p:sld xmlns:a="http://schemas.openxmlformats.org/drawingml/2006/main" xmlns:r="http://schemas.openxmlformats.org/officeDocument/2006/relationships" xmlns:p="http://schemas.openxmlformats.org/presentationml/2006/main">
   <p:cSld>
     <p:spTree>
@@ -37490,7 +36629,7 @@
         </p:nvSpPr>
         <p:spPr bwMode="auto">
           <a:xfrm>
-            <a:off x="457200" y="838200"/>
+            <a:off x="457200" y="1066800"/>
             <a:ext cx="8229600" cy="5334000"/>
           </a:xfrm>
           <a:prstGeom prst="rect">
@@ -37987,7 +37126,7 @@
 </p:sld>
 </file>
 
-<file path=ppt/slides/slide67.xml><?xml version="1.0" encoding="utf-8"?>
+<file path=ppt/slides/slide66.xml><?xml version="1.0" encoding="utf-8"?>
 <p:sld xmlns:a="http://schemas.openxmlformats.org/drawingml/2006/main" xmlns:r="http://schemas.openxmlformats.org/officeDocument/2006/relationships" xmlns:p="http://schemas.openxmlformats.org/presentationml/2006/main">
   <p:cSld>
     <p:spTree>
@@ -38125,7 +37264,7 @@
 </p:sld>
 </file>
 
-<file path=ppt/slides/slide68.xml><?xml version="1.0" encoding="utf-8"?>
+<file path=ppt/slides/slide67.xml><?xml version="1.0" encoding="utf-8"?>
 <p:sld xmlns:a="http://schemas.openxmlformats.org/drawingml/2006/main" xmlns:r="http://schemas.openxmlformats.org/officeDocument/2006/relationships" xmlns:p="http://schemas.openxmlformats.org/presentationml/2006/main">
   <p:cSld>
     <p:spTree>
@@ -38272,7 +37411,7 @@
 </p:sld>
 </file>
 
-<file path=ppt/slides/slide69.xml><?xml version="1.0" encoding="utf-8"?>
+<file path=ppt/slides/slide68.xml><?xml version="1.0" encoding="utf-8"?>
 <p:sld xmlns:a="http://schemas.openxmlformats.org/drawingml/2006/main" xmlns:r="http://schemas.openxmlformats.org/officeDocument/2006/relationships" xmlns:p="http://schemas.openxmlformats.org/presentationml/2006/main">
   <p:cSld>
     <p:spTree>
@@ -38456,6 +37595,135 @@
               <a:defRPr/>
             </a:pPr>
             <a:endParaRPr lang="en-IN" dirty="0"/>
+          </a:p>
+        </p:txBody>
+      </p:sp>
+    </p:spTree>
+  </p:cSld>
+  <p:clrMapOvr>
+    <a:masterClrMapping/>
+  </p:clrMapOvr>
+</p:sld>
+</file>
+
+<file path=ppt/slides/slide69.xml><?xml version="1.0" encoding="utf-8"?>
+<p:sld xmlns:a="http://schemas.openxmlformats.org/drawingml/2006/main" xmlns:r="http://schemas.openxmlformats.org/officeDocument/2006/relationships" xmlns:p="http://schemas.openxmlformats.org/presentationml/2006/main">
+  <p:cSld>
+    <p:spTree>
+      <p:nvGrpSpPr>
+        <p:cNvPr id="1" name=""/>
+        <p:cNvGrpSpPr/>
+        <p:nvPr/>
+      </p:nvGrpSpPr>
+      <p:grpSpPr>
+        <a:xfrm>
+          <a:off x="0" y="0"/>
+          <a:ext cx="0" cy="0"/>
+          <a:chOff x="0" y="0"/>
+          <a:chExt cx="0" cy="0"/>
+        </a:xfrm>
+      </p:grpSpPr>
+      <p:sp>
+        <p:nvSpPr>
+          <p:cNvPr id="96257" name="Title 1">
+            <a:extLst>
+              <a:ext uri="{FF2B5EF4-FFF2-40B4-BE49-F238E27FC236}">
+                <a16:creationId xmlns:a16="http://schemas.microsoft.com/office/drawing/2014/main" id="{4715EEF1-C078-01E6-6912-0A127A1A7262}"/>
+              </a:ext>
+            </a:extLst>
+          </p:cNvPr>
+          <p:cNvSpPr>
+            <a:spLocks noGrp="1" noChangeArrowheads="1"/>
+          </p:cNvSpPr>
+          <p:nvPr>
+            <p:ph type="title"/>
+          </p:nvPr>
+        </p:nvSpPr>
+        <p:spPr/>
+        <p:txBody>
+          <a:bodyPr/>
+          <a:lstStyle/>
+          <a:p>
+            <a:r>
+              <a:rPr lang="en-IN" altLang="en-US"/>
+              <a:t>Slice</a:t>
+            </a:r>
+          </a:p>
+        </p:txBody>
+      </p:sp>
+      <p:sp>
+        <p:nvSpPr>
+          <p:cNvPr id="96258" name="Content Placeholder 2">
+            <a:extLst>
+              <a:ext uri="{FF2B5EF4-FFF2-40B4-BE49-F238E27FC236}">
+                <a16:creationId xmlns:a16="http://schemas.microsoft.com/office/drawing/2014/main" id="{387DCCD4-DB27-1150-6816-B8DAC9E5B46D}"/>
+              </a:ext>
+            </a:extLst>
+          </p:cNvPr>
+          <p:cNvSpPr>
+            <a:spLocks noGrp="1" noChangeArrowheads="1"/>
+          </p:cNvSpPr>
+          <p:nvPr>
+            <p:ph idx="1"/>
+          </p:nvPr>
+        </p:nvSpPr>
+        <p:spPr/>
+        <p:txBody>
+          <a:bodyPr/>
+          <a:lstStyle/>
+          <a:p>
+            <a:endParaRPr lang="en-IN" altLang="en-US"/>
+          </a:p>
+          <a:p>
+            <a:r>
+              <a:rPr lang="en-IN" altLang="en-US"/>
+              <a:t>const cities = ["Tokyo","Cairo","Los Angeles","Paris","Seattle"];</a:t>
+            </a:r>
+          </a:p>
+          <a:p>
+            <a:endParaRPr lang="en-IN" altLang="en-US"/>
+          </a:p>
+          <a:p>
+            <a:r>
+              <a:rPr lang="en-IN" altLang="en-US"/>
+              <a:t>console.log(cities.slice())</a:t>
+            </a:r>
+          </a:p>
+          <a:p>
+            <a:endParaRPr lang="en-IN" altLang="en-US"/>
+          </a:p>
+          <a:p>
+            <a:r>
+              <a:rPr lang="en-IN" altLang="en-US"/>
+              <a:t>const newCityArr = cities.slice(2);  //first two</a:t>
+            </a:r>
+          </a:p>
+          <a:p>
+            <a:endParaRPr lang="en-IN" altLang="en-US"/>
+          </a:p>
+          <a:p>
+            <a:r>
+              <a:rPr lang="en-IN" altLang="en-US"/>
+              <a:t>const newCityArr = cities.slice(-2);  // last two</a:t>
+            </a:r>
+          </a:p>
+          <a:p>
+            <a:endParaRPr lang="en-IN" altLang="en-US"/>
+          </a:p>
+          <a:p>
+            <a:r>
+              <a:rPr lang="en-IN" altLang="en-US"/>
+              <a:t>const newCityArr = cities.slice(2,4); //start and end index</a:t>
+            </a:r>
+          </a:p>
+          <a:p>
+            <a:endParaRPr lang="en-IN" altLang="en-US"/>
+          </a:p>
+          <a:p>
+            <a:endParaRPr lang="en-IN" altLang="en-US"/>
+          </a:p>
+          <a:p>
+            <a:endParaRPr lang="en-IN" altLang="en-US"/>
           </a:p>
         </p:txBody>
       </p:sp>
@@ -38808,135 +38076,6 @@
       </p:grpSpPr>
       <p:sp>
         <p:nvSpPr>
-          <p:cNvPr id="96257" name="Title 1">
-            <a:extLst>
-              <a:ext uri="{FF2B5EF4-FFF2-40B4-BE49-F238E27FC236}">
-                <a16:creationId xmlns:a16="http://schemas.microsoft.com/office/drawing/2014/main" id="{4715EEF1-C078-01E6-6912-0A127A1A7262}"/>
-              </a:ext>
-            </a:extLst>
-          </p:cNvPr>
-          <p:cNvSpPr>
-            <a:spLocks noGrp="1" noChangeArrowheads="1"/>
-          </p:cNvSpPr>
-          <p:nvPr>
-            <p:ph type="title"/>
-          </p:nvPr>
-        </p:nvSpPr>
-        <p:spPr/>
-        <p:txBody>
-          <a:bodyPr/>
-          <a:lstStyle/>
-          <a:p>
-            <a:r>
-              <a:rPr lang="en-IN" altLang="en-US"/>
-              <a:t>Slice</a:t>
-            </a:r>
-          </a:p>
-        </p:txBody>
-      </p:sp>
-      <p:sp>
-        <p:nvSpPr>
-          <p:cNvPr id="96258" name="Content Placeholder 2">
-            <a:extLst>
-              <a:ext uri="{FF2B5EF4-FFF2-40B4-BE49-F238E27FC236}">
-                <a16:creationId xmlns:a16="http://schemas.microsoft.com/office/drawing/2014/main" id="{387DCCD4-DB27-1150-6816-B8DAC9E5B46D}"/>
-              </a:ext>
-            </a:extLst>
-          </p:cNvPr>
-          <p:cNvSpPr>
-            <a:spLocks noGrp="1" noChangeArrowheads="1"/>
-          </p:cNvSpPr>
-          <p:nvPr>
-            <p:ph idx="1"/>
-          </p:nvPr>
-        </p:nvSpPr>
-        <p:spPr/>
-        <p:txBody>
-          <a:bodyPr/>
-          <a:lstStyle/>
-          <a:p>
-            <a:endParaRPr lang="en-IN" altLang="en-US"/>
-          </a:p>
-          <a:p>
-            <a:r>
-              <a:rPr lang="en-IN" altLang="en-US"/>
-              <a:t>const cities = ["Tokyo","Cairo","Los Angeles","Paris","Seattle"];</a:t>
-            </a:r>
-          </a:p>
-          <a:p>
-            <a:endParaRPr lang="en-IN" altLang="en-US"/>
-          </a:p>
-          <a:p>
-            <a:r>
-              <a:rPr lang="en-IN" altLang="en-US"/>
-              <a:t>console.log(cities.slice())</a:t>
-            </a:r>
-          </a:p>
-          <a:p>
-            <a:endParaRPr lang="en-IN" altLang="en-US"/>
-          </a:p>
-          <a:p>
-            <a:r>
-              <a:rPr lang="en-IN" altLang="en-US"/>
-              <a:t>const newCityArr = cities.slice(2);  //first two</a:t>
-            </a:r>
-          </a:p>
-          <a:p>
-            <a:endParaRPr lang="en-IN" altLang="en-US"/>
-          </a:p>
-          <a:p>
-            <a:r>
-              <a:rPr lang="en-IN" altLang="en-US"/>
-              <a:t>const newCityArr = cities.slice(-2);  // last two</a:t>
-            </a:r>
-          </a:p>
-          <a:p>
-            <a:endParaRPr lang="en-IN" altLang="en-US"/>
-          </a:p>
-          <a:p>
-            <a:r>
-              <a:rPr lang="en-IN" altLang="en-US"/>
-              <a:t>const newCityArr = cities.slice(2,4); //start and end index</a:t>
-            </a:r>
-          </a:p>
-          <a:p>
-            <a:endParaRPr lang="en-IN" altLang="en-US"/>
-          </a:p>
-          <a:p>
-            <a:endParaRPr lang="en-IN" altLang="en-US"/>
-          </a:p>
-          <a:p>
-            <a:endParaRPr lang="en-IN" altLang="en-US"/>
-          </a:p>
-        </p:txBody>
-      </p:sp>
-    </p:spTree>
-  </p:cSld>
-  <p:clrMapOvr>
-    <a:masterClrMapping/>
-  </p:clrMapOvr>
-</p:sld>
-</file>
-
-<file path=ppt/slides/slide71.xml><?xml version="1.0" encoding="utf-8"?>
-<p:sld xmlns:a="http://schemas.openxmlformats.org/drawingml/2006/main" xmlns:r="http://schemas.openxmlformats.org/officeDocument/2006/relationships" xmlns:p="http://schemas.openxmlformats.org/presentationml/2006/main">
-  <p:cSld>
-    <p:spTree>
-      <p:nvGrpSpPr>
-        <p:cNvPr id="1" name=""/>
-        <p:cNvGrpSpPr/>
-        <p:nvPr/>
-      </p:nvGrpSpPr>
-      <p:grpSpPr>
-        <a:xfrm>
-          <a:off x="0" y="0"/>
-          <a:ext cx="0" cy="0"/>
-          <a:chOff x="0" y="0"/>
-          <a:chExt cx="0" cy="0"/>
-        </a:xfrm>
-      </p:grpSpPr>
-      <p:sp>
-        <p:nvSpPr>
           <p:cNvPr id="97281" name="Title 1">
             <a:extLst>
               <a:ext uri="{FF2B5EF4-FFF2-40B4-BE49-F238E27FC236}">
@@ -39099,7 +38238,7 @@
 </p:sld>
 </file>
 
-<file path=ppt/slides/slide72.xml><?xml version="1.0" encoding="utf-8"?>
+<file path=ppt/slides/slide71.xml><?xml version="1.0" encoding="utf-8"?>
 <p:sld xmlns:a="http://schemas.openxmlformats.org/drawingml/2006/main" xmlns:r="http://schemas.openxmlformats.org/officeDocument/2006/relationships" xmlns:p="http://schemas.openxmlformats.org/presentationml/2006/main">
   <p:cSld>
     <p:spTree>
@@ -39238,7 +38377,7 @@
 </p:sld>
 </file>
 
-<file path=ppt/slides/slide73.xml><?xml version="1.0" encoding="utf-8"?>
+<file path=ppt/slides/slide72.xml><?xml version="1.0" encoding="utf-8"?>
 <p:sld xmlns:a="http://schemas.openxmlformats.org/drawingml/2006/main" xmlns:r="http://schemas.openxmlformats.org/officeDocument/2006/relationships" xmlns:p="http://schemas.openxmlformats.org/presentationml/2006/main">
   <p:cSld>
     <p:spTree>
@@ -39411,412 +38550,7 @@
 </p:sld>
 </file>
 
-<file path=ppt/slides/slide74.xml><?xml version="1.0" encoding="utf-8"?>
-<p:sld xmlns:a="http://schemas.openxmlformats.org/drawingml/2006/main" xmlns:r="http://schemas.openxmlformats.org/officeDocument/2006/relationships" xmlns:p="http://schemas.openxmlformats.org/presentationml/2006/main" show="0">
-  <p:cSld>
-    <p:spTree>
-      <p:nvGrpSpPr>
-        <p:cNvPr id="1" name=""/>
-        <p:cNvGrpSpPr/>
-        <p:nvPr/>
-      </p:nvGrpSpPr>
-      <p:grpSpPr>
-        <a:xfrm>
-          <a:off x="0" y="0"/>
-          <a:ext cx="0" cy="0"/>
-          <a:chOff x="0" y="0"/>
-          <a:chExt cx="0" cy="0"/>
-        </a:xfrm>
-      </p:grpSpPr>
-      <p:sp>
-        <p:nvSpPr>
-          <p:cNvPr id="142337" name="Title 1">
-            <a:extLst>
-              <a:ext uri="{FF2B5EF4-FFF2-40B4-BE49-F238E27FC236}">
-                <a16:creationId xmlns:a16="http://schemas.microsoft.com/office/drawing/2014/main" id="{10FC52DE-4401-0499-72C7-39C2000DA0B6}"/>
-              </a:ext>
-            </a:extLst>
-          </p:cNvPr>
-          <p:cNvSpPr>
-            <a:spLocks noGrp="1" noChangeArrowheads="1"/>
-          </p:cNvSpPr>
-          <p:nvPr>
-            <p:ph type="title"/>
-          </p:nvPr>
-        </p:nvSpPr>
-        <p:spPr/>
-        <p:txBody>
-          <a:bodyPr/>
-          <a:lstStyle/>
-          <a:p>
-            <a:r>
-              <a:rPr lang="en-US" altLang="en-US"/>
-              <a:t>Rest With Default Parameter</a:t>
-            </a:r>
-          </a:p>
-        </p:txBody>
-      </p:sp>
-      <p:sp>
-        <p:nvSpPr>
-          <p:cNvPr id="142338" name="Content Placeholder 2">
-            <a:extLst>
-              <a:ext uri="{FF2B5EF4-FFF2-40B4-BE49-F238E27FC236}">
-                <a16:creationId xmlns:a16="http://schemas.microsoft.com/office/drawing/2014/main" id="{70D70020-0350-2935-7F3C-4ECA9BE36E84}"/>
-              </a:ext>
-            </a:extLst>
-          </p:cNvPr>
-          <p:cNvSpPr>
-            <a:spLocks noGrp="1" noChangeArrowheads="1"/>
-          </p:cNvSpPr>
-          <p:nvPr>
-            <p:ph idx="1"/>
-          </p:nvPr>
-        </p:nvSpPr>
-        <p:spPr/>
-        <p:txBody>
-          <a:bodyPr/>
-          <a:lstStyle/>
-          <a:p>
-            <a:pPr lvl="1">
-              <a:buFontTx/>
-              <a:buNone/>
-            </a:pPr>
-            <a:r>
-              <a:rPr lang="en-US" altLang="en-US" sz="2000"/>
-              <a:t>function calculateTotal(</a:t>
-            </a:r>
-          </a:p>
-          <a:p>
-            <a:pPr lvl="1">
-              <a:buFontTx/>
-              <a:buNone/>
-            </a:pPr>
-            <a:r>
-              <a:rPr lang="en-US" altLang="en-US" sz="2000"/>
-              <a:t>defa =new Invoice(107,"Rakesh",14500),...invoices){</a:t>
-            </a:r>
-          </a:p>
-          <a:p>
-            <a:pPr lvl="1">
-              <a:buFontTx/>
-              <a:buNone/>
-            </a:pPr>
-            <a:br>
-              <a:rPr lang="en-US" altLang="en-US" sz="2000"/>
-            </a:br>
-            <a:r>
-              <a:rPr lang="en-US" altLang="en-US" sz="2000"/>
-              <a:t>if(invoices.length ===0){</a:t>
-            </a:r>
-          </a:p>
-          <a:p>
-            <a:pPr lvl="1">
-              <a:buFontTx/>
-              <a:buNone/>
-            </a:pPr>
-            <a:r>
-              <a:rPr lang="en-US" altLang="en-US" sz="2000"/>
-              <a:t>		invoices =[defa];</a:t>
-            </a:r>
-          </a:p>
-          <a:p>
-            <a:pPr lvl="1">
-              <a:buFontTx/>
-              <a:buNone/>
-            </a:pPr>
-            <a:r>
-              <a:rPr lang="en-US" altLang="en-US" sz="2000"/>
-              <a:t>}</a:t>
-            </a:r>
-          </a:p>
-          <a:p>
-            <a:pPr lvl="1">
-              <a:buFontTx/>
-              <a:buNone/>
-            </a:pPr>
-            <a:br>
-              <a:rPr lang="en-US" altLang="en-US" sz="2000"/>
-            </a:br>
-            <a:r>
-              <a:rPr lang="en-US" altLang="en-US" sz="2000"/>
-              <a:t>let total = 0;</a:t>
-            </a:r>
-          </a:p>
-          <a:p>
-            <a:pPr lvl="2">
-              <a:buFontTx/>
-              <a:buNone/>
-            </a:pPr>
-            <a:r>
-              <a:rPr lang="en-US" altLang="en-US" sz="2000"/>
-              <a:t>invoices.forEach( (eachInvoice)=&gt;{</a:t>
-            </a:r>
-          </a:p>
-          <a:p>
-            <a:pPr lvl="2">
-              <a:buFontTx/>
-              <a:buNone/>
-            </a:pPr>
-            <a:r>
-              <a:rPr lang="en-US" altLang="en-US" sz="2000"/>
-              <a:t>total += eachInvoice.amount;</a:t>
-            </a:r>
-          </a:p>
-          <a:p>
-            <a:pPr lvl="2">
-              <a:buFontTx/>
-              <a:buNone/>
-            </a:pPr>
-            <a:r>
-              <a:rPr lang="en-US" altLang="en-US" sz="2000"/>
-              <a:t>});</a:t>
-            </a:r>
-          </a:p>
-          <a:p>
-            <a:pPr lvl="2">
-              <a:buFontTx/>
-              <a:buNone/>
-            </a:pPr>
-            <a:r>
-              <a:rPr lang="en-US" altLang="en-US" sz="2000"/>
-              <a:t>return total;</a:t>
-            </a:r>
-          </a:p>
-          <a:p>
-            <a:pPr lvl="1">
-              <a:buFontTx/>
-              <a:buNone/>
-            </a:pPr>
-            <a:r>
-              <a:rPr lang="en-US" altLang="en-US" sz="2000"/>
-              <a:t>}</a:t>
-            </a:r>
-          </a:p>
-          <a:p>
-            <a:pPr lvl="1">
-              <a:buFontTx/>
-              <a:buNone/>
-            </a:pPr>
-            <a:endParaRPr lang="en-US" altLang="en-US" sz="2000"/>
-          </a:p>
-        </p:txBody>
-      </p:sp>
-    </p:spTree>
-    <p:extLst>
-      <p:ext uri="{BB962C8B-B14F-4D97-AF65-F5344CB8AC3E}">
-        <p14:creationId xmlns:p14="http://schemas.microsoft.com/office/powerpoint/2010/main" val="2823890030"/>
-      </p:ext>
-    </p:extLst>
-  </p:cSld>
-  <p:clrMapOvr>
-    <a:masterClrMapping/>
-  </p:clrMapOvr>
-</p:sld>
-</file>
-
-<file path=ppt/slides/slide75.xml><?xml version="1.0" encoding="utf-8"?>
-<p:sld xmlns:a="http://schemas.openxmlformats.org/drawingml/2006/main" xmlns:r="http://schemas.openxmlformats.org/officeDocument/2006/relationships" xmlns:p="http://schemas.openxmlformats.org/presentationml/2006/main" show="0">
-  <p:cSld>
-    <p:spTree>
-      <p:nvGrpSpPr>
-        <p:cNvPr id="1" name=""/>
-        <p:cNvGrpSpPr/>
-        <p:nvPr/>
-      </p:nvGrpSpPr>
-      <p:grpSpPr>
-        <a:xfrm>
-          <a:off x="0" y="0"/>
-          <a:ext cx="0" cy="0"/>
-          <a:chOff x="0" y="0"/>
-          <a:chExt cx="0" cy="0"/>
-        </a:xfrm>
-      </p:grpSpPr>
-      <p:sp>
-        <p:nvSpPr>
-          <p:cNvPr id="143361" name="Title 1">
-            <a:extLst>
-              <a:ext uri="{FF2B5EF4-FFF2-40B4-BE49-F238E27FC236}">
-                <a16:creationId xmlns:a16="http://schemas.microsoft.com/office/drawing/2014/main" id="{A1CF4FF6-FA93-75D9-CE6D-1963CC4EC7F8}"/>
-              </a:ext>
-            </a:extLst>
-          </p:cNvPr>
-          <p:cNvSpPr>
-            <a:spLocks noGrp="1" noChangeArrowheads="1"/>
-          </p:cNvSpPr>
-          <p:nvPr>
-            <p:ph type="title"/>
-          </p:nvPr>
-        </p:nvSpPr>
-        <p:spPr/>
-        <p:txBody>
-          <a:bodyPr/>
-          <a:lstStyle/>
-          <a:p>
-            <a:r>
-              <a:rPr lang="en-US" altLang="en-US"/>
-              <a:t>Rest With Default Parameter</a:t>
-            </a:r>
-          </a:p>
-        </p:txBody>
-      </p:sp>
-      <p:sp>
-        <p:nvSpPr>
-          <p:cNvPr id="143362" name="Content Placeholder 2">
-            <a:extLst>
-              <a:ext uri="{FF2B5EF4-FFF2-40B4-BE49-F238E27FC236}">
-                <a16:creationId xmlns:a16="http://schemas.microsoft.com/office/drawing/2014/main" id="{F33DDBD5-10A8-7426-420C-C04F8529633F}"/>
-              </a:ext>
-            </a:extLst>
-          </p:cNvPr>
-          <p:cNvSpPr>
-            <a:spLocks noGrp="1" noChangeArrowheads="1"/>
-          </p:cNvSpPr>
-          <p:nvPr>
-            <p:ph idx="1"/>
-          </p:nvPr>
-        </p:nvSpPr>
-        <p:spPr/>
-        <p:txBody>
-          <a:bodyPr/>
-          <a:lstStyle/>
-          <a:p>
-            <a:pPr lvl="1">
-              <a:buFontTx/>
-              <a:buNone/>
-            </a:pPr>
-            <a:r>
-              <a:rPr lang="en-US" altLang="en-US" sz="1800"/>
-              <a:t>var ram = new Invoice(101,"Ramesh",4500);</a:t>
-            </a:r>
-          </a:p>
-          <a:p>
-            <a:pPr lvl="1">
-              <a:buFontTx/>
-              <a:buNone/>
-            </a:pPr>
-            <a:r>
-              <a:rPr lang="en-US" altLang="en-US" sz="1800"/>
-              <a:t>var shyam = new Invoice(102,"Shyam",5500);</a:t>
-            </a:r>
-          </a:p>
-          <a:p>
-            <a:pPr lvl="1">
-              <a:buFontTx/>
-              <a:buNone/>
-            </a:pPr>
-            <a:r>
-              <a:rPr lang="en-US" altLang="en-US" sz="1800"/>
-              <a:t>var siva = new Invoice(103,"Siva",6500);</a:t>
-            </a:r>
-          </a:p>
-          <a:p>
-            <a:pPr lvl="1">
-              <a:buFontTx/>
-              <a:buNone/>
-            </a:pPr>
-            <a:br>
-              <a:rPr lang="en-US" altLang="en-US" sz="1800"/>
-            </a:br>
-            <a:br>
-              <a:rPr lang="en-US" altLang="en-US" sz="1800"/>
-            </a:br>
-            <a:r>
-              <a:rPr lang="en-US" altLang="en-US" sz="1800"/>
-              <a:t>let totalOf2 = calculateTotal(undefined,ram,shyam);</a:t>
-            </a:r>
-          </a:p>
-          <a:p>
-            <a:pPr lvl="1">
-              <a:buFontTx/>
-              <a:buNone/>
-            </a:pPr>
-            <a:br>
-              <a:rPr lang="en-US" altLang="en-US" sz="1800"/>
-            </a:br>
-            <a:r>
-              <a:rPr lang="en-US" altLang="en-US" sz="1800"/>
-              <a:t>console.log(totalOf2);</a:t>
-            </a:r>
-          </a:p>
-          <a:p>
-            <a:pPr lvl="1">
-              <a:buFontTx/>
-              <a:buNone/>
-            </a:pPr>
-            <a:br>
-              <a:rPr lang="en-US" altLang="en-US" sz="1800"/>
-            </a:br>
-            <a:r>
-              <a:rPr lang="en-US" altLang="en-US" sz="1800"/>
-              <a:t>let totalOf3 = calculateTotal(undefined,ram,shyam,siva);</a:t>
-            </a:r>
-          </a:p>
-          <a:p>
-            <a:pPr lvl="1">
-              <a:buFontTx/>
-              <a:buNone/>
-            </a:pPr>
-            <a:br>
-              <a:rPr lang="en-US" altLang="en-US"/>
-            </a:br>
-            <a:r>
-              <a:rPr lang="en-US" altLang="en-US" sz="1600"/>
-              <a:t>console.log(totalOf3);</a:t>
-            </a:r>
-          </a:p>
-          <a:p>
-            <a:pPr lvl="1">
-              <a:buFontTx/>
-              <a:buNone/>
-            </a:pPr>
-            <a:br>
-              <a:rPr lang="en-US" altLang="en-US" sz="1600"/>
-            </a:br>
-            <a:r>
-              <a:rPr lang="en-US" altLang="en-US" sz="1600"/>
-              <a:t>let total = calculateTotal();</a:t>
-            </a:r>
-          </a:p>
-          <a:p>
-            <a:pPr lvl="1">
-              <a:buFontTx/>
-              <a:buNone/>
-            </a:pPr>
-            <a:br>
-              <a:rPr lang="en-US" altLang="en-US" sz="1600"/>
-            </a:br>
-            <a:r>
-              <a:rPr lang="en-US" altLang="en-US" sz="1600"/>
-              <a:t>console.log(total);</a:t>
-            </a:r>
-          </a:p>
-          <a:p>
-            <a:pPr lvl="1"/>
-            <a:br>
-              <a:rPr lang="en-US" altLang="en-US" sz="1600"/>
-            </a:br>
-            <a:endParaRPr lang="en-US" altLang="en-US" sz="1600"/>
-          </a:p>
-          <a:p>
-            <a:pPr lvl="1"/>
-            <a:endParaRPr lang="en-US" altLang="en-US"/>
-          </a:p>
-        </p:txBody>
-      </p:sp>
-    </p:spTree>
-    <p:extLst>
-      <p:ext uri="{BB962C8B-B14F-4D97-AF65-F5344CB8AC3E}">
-        <p14:creationId xmlns:p14="http://schemas.microsoft.com/office/powerpoint/2010/main" val="3587684138"/>
-      </p:ext>
-    </p:extLst>
-  </p:cSld>
-  <p:clrMapOvr>
-    <a:masterClrMapping/>
-  </p:clrMapOvr>
-</p:sld>
-</file>
-
-<file path=ppt/slides/slide76.xml><?xml version="1.0" encoding="utf-8"?>
+<file path=ppt/slides/slide73.xml><?xml version="1.0" encoding="utf-8"?>
 <p:sld xmlns:a="http://schemas.openxmlformats.org/drawingml/2006/main" xmlns:r="http://schemas.openxmlformats.org/officeDocument/2006/relationships" xmlns:p="http://schemas.openxmlformats.org/presentationml/2006/main">
   <p:cSld>
     <p:spTree>
@@ -39999,7 +38733,7 @@
 </p:sld>
 </file>
 
-<file path=ppt/slides/slide77.xml><?xml version="1.0" encoding="utf-8"?>
+<file path=ppt/slides/slide74.xml><?xml version="1.0" encoding="utf-8"?>
 <p:sld xmlns:a="http://schemas.openxmlformats.org/drawingml/2006/main" xmlns:r="http://schemas.openxmlformats.org/officeDocument/2006/relationships" xmlns:p="http://schemas.openxmlformats.org/presentationml/2006/main">
   <p:cSld>
     <p:spTree>
@@ -40159,7 +38893,7 @@
 </p:sld>
 </file>
 
-<file path=ppt/slides/slide78.xml><?xml version="1.0" encoding="utf-8"?>
+<file path=ppt/slides/slide75.xml><?xml version="1.0" encoding="utf-8"?>
 <p:sld xmlns:a="http://schemas.openxmlformats.org/drawingml/2006/main" xmlns:r="http://schemas.openxmlformats.org/officeDocument/2006/relationships" xmlns:p="http://schemas.openxmlformats.org/presentationml/2006/main">
   <p:cSld>
     <p:spTree>
@@ -40371,7 +39105,7 @@
 </p:sld>
 </file>
 
-<file path=ppt/slides/slide79.xml><?xml version="1.0" encoding="utf-8"?>
+<file path=ppt/slides/slide76.xml><?xml version="1.0" encoding="utf-8"?>
 <p:sld xmlns:a="http://schemas.openxmlformats.org/drawingml/2006/main" xmlns:r="http://schemas.openxmlformats.org/officeDocument/2006/relationships" xmlns:p="http://schemas.openxmlformats.org/presentationml/2006/main">
   <p:cSld>
     <p:spTree>
@@ -40567,6 +39301,541 @@
         <p14:creationId xmlns:p14="http://schemas.microsoft.com/office/powerpoint/2010/main" val="376158668"/>
       </p:ext>
     </p:extLst>
+  </p:cSld>
+  <p:clrMapOvr>
+    <a:masterClrMapping/>
+  </p:clrMapOvr>
+</p:sld>
+</file>
+
+<file path=ppt/slides/slide77.xml><?xml version="1.0" encoding="utf-8"?>
+<p:sld xmlns:a="http://schemas.openxmlformats.org/drawingml/2006/main" xmlns:r="http://schemas.openxmlformats.org/officeDocument/2006/relationships" xmlns:p="http://schemas.openxmlformats.org/presentationml/2006/main">
+  <p:cSld>
+    <p:spTree>
+      <p:nvGrpSpPr>
+        <p:cNvPr id="1" name=""/>
+        <p:cNvGrpSpPr/>
+        <p:nvPr/>
+      </p:nvGrpSpPr>
+      <p:grpSpPr>
+        <a:xfrm>
+          <a:off x="0" y="0"/>
+          <a:ext cx="0" cy="0"/>
+          <a:chOff x="0" y="0"/>
+          <a:chExt cx="0" cy="0"/>
+        </a:xfrm>
+      </p:grpSpPr>
+      <p:sp>
+        <p:nvSpPr>
+          <p:cNvPr id="148481" name="Title 1">
+            <a:extLst>
+              <a:ext uri="{FF2B5EF4-FFF2-40B4-BE49-F238E27FC236}">
+                <a16:creationId xmlns:a16="http://schemas.microsoft.com/office/drawing/2014/main" id="{49165F48-025D-6B64-6D4C-F6991AB0F8CE}"/>
+              </a:ext>
+            </a:extLst>
+          </p:cNvPr>
+          <p:cNvSpPr>
+            <a:spLocks noGrp="1" noChangeArrowheads="1"/>
+          </p:cNvSpPr>
+          <p:nvPr>
+            <p:ph type="title"/>
+          </p:nvPr>
+        </p:nvSpPr>
+        <p:spPr/>
+        <p:txBody>
+          <a:bodyPr/>
+          <a:lstStyle/>
+          <a:p>
+            <a:r>
+              <a:rPr lang="en-US" altLang="en-US"/>
+              <a:t>Spread Example</a:t>
+            </a:r>
+          </a:p>
+        </p:txBody>
+      </p:sp>
+      <p:sp>
+        <p:nvSpPr>
+          <p:cNvPr id="3" name="Content Placeholder 2">
+            <a:extLst>
+              <a:ext uri="{FF2B5EF4-FFF2-40B4-BE49-F238E27FC236}">
+                <a16:creationId xmlns:a16="http://schemas.microsoft.com/office/drawing/2014/main" id="{5C6F0B67-FC4D-DEB2-D376-0DEE867C4A2A}"/>
+              </a:ext>
+            </a:extLst>
+          </p:cNvPr>
+          <p:cNvSpPr>
+            <a:spLocks noGrp="1"/>
+          </p:cNvSpPr>
+          <p:nvPr>
+            <p:ph idx="1"/>
+          </p:nvPr>
+        </p:nvSpPr>
+        <p:spPr/>
+        <p:txBody>
+          <a:bodyPr/>
+          <a:lstStyle/>
+          <a:p>
+            <a:pPr>
+              <a:defRPr/>
+            </a:pPr>
+            <a:r>
+              <a:rPr lang="en-US" sz="1800" b="1" dirty="0"/>
+              <a:t>Supply Default Value</a:t>
+            </a:r>
+            <a:endParaRPr lang="en-US" sz="1800" dirty="0"/>
+          </a:p>
+          <a:p>
+            <a:pPr lvl="1">
+              <a:buFontTx/>
+              <a:buNone/>
+              <a:defRPr/>
+            </a:pPr>
+            <a:r>
+              <a:rPr lang="en-US" sz="1800" dirty="0"/>
+              <a:t>const y = {id: 1, name: 'ram'};</a:t>
+            </a:r>
+          </a:p>
+          <a:p>
+            <a:pPr lvl="1">
+              <a:buFontTx/>
+              <a:buNone/>
+              <a:defRPr/>
+            </a:pPr>
+            <a:r>
+              <a:rPr lang="en-US" sz="1800" dirty="0"/>
+              <a:t>const z = {...y, </a:t>
+            </a:r>
+            <a:r>
+              <a:rPr lang="en-US" sz="1800" b="1" dirty="0" err="1">
+                <a:solidFill>
+                  <a:srgbClr val="FF0000"/>
+                </a:solidFill>
+              </a:rPr>
+              <a:t>location:'chennai</a:t>
+            </a:r>
+            <a:r>
+              <a:rPr lang="en-US" sz="1800" b="1" dirty="0">
+                <a:solidFill>
+                  <a:srgbClr val="FF0000"/>
+                </a:solidFill>
+              </a:rPr>
+              <a:t>'</a:t>
+            </a:r>
+            <a:r>
+              <a:rPr lang="en-US" sz="1800" dirty="0"/>
+              <a:t>};</a:t>
+            </a:r>
+          </a:p>
+          <a:p>
+            <a:pPr lvl="1">
+              <a:buFontTx/>
+              <a:buNone/>
+              <a:defRPr/>
+            </a:pPr>
+            <a:r>
+              <a:rPr lang="en-US" sz="1800" dirty="0"/>
+              <a:t>console.log(z) </a:t>
+            </a:r>
+            <a:br>
+              <a:rPr lang="en-US" sz="1800" dirty="0"/>
+            </a:br>
+            <a:endParaRPr lang="en-US" sz="1800" dirty="0"/>
+          </a:p>
+          <a:p>
+            <a:pPr lvl="1">
+              <a:buFontTx/>
+              <a:buNone/>
+              <a:defRPr/>
+            </a:pPr>
+            <a:r>
+              <a:rPr lang="en-US" sz="1800" dirty="0"/>
+              <a:t>{ id: 1, name: 'ram', location: '</a:t>
+            </a:r>
+            <a:r>
+              <a:rPr lang="en-US" sz="1800" dirty="0" err="1"/>
+              <a:t>chennai</a:t>
+            </a:r>
+            <a:r>
+              <a:rPr lang="en-US" sz="1800" dirty="0"/>
+              <a:t>' }</a:t>
+            </a:r>
+          </a:p>
+          <a:p>
+            <a:pPr lvl="1">
+              <a:buFontTx/>
+              <a:buNone/>
+              <a:defRPr/>
+            </a:pPr>
+            <a:endParaRPr lang="en-US" sz="1800" dirty="0"/>
+          </a:p>
+          <a:p>
+            <a:pPr marL="342900" lvl="1" indent="-342900">
+              <a:buFontTx/>
+              <a:buChar char="•"/>
+              <a:defRPr/>
+            </a:pPr>
+            <a:r>
+              <a:rPr lang="en-US" sz="1800" b="1" dirty="0">
+                <a:cs typeface="+mn-cs"/>
+              </a:rPr>
+              <a:t>Array of Values</a:t>
+            </a:r>
+          </a:p>
+          <a:p>
+            <a:pPr lvl="1">
+              <a:buFontTx/>
+              <a:buNone/>
+              <a:defRPr/>
+            </a:pPr>
+            <a:r>
+              <a:rPr lang="en-US" sz="1800" dirty="0"/>
+              <a:t>const </a:t>
+            </a:r>
+            <a:r>
+              <a:rPr lang="en-US" sz="1800" b="1" dirty="0">
+                <a:solidFill>
+                  <a:schemeClr val="accent1">
+                    <a:lumMod val="75000"/>
+                  </a:schemeClr>
+                </a:solidFill>
+              </a:rPr>
+              <a:t>scores</a:t>
+            </a:r>
+            <a:r>
+              <a:rPr lang="en-US" sz="1800" dirty="0"/>
+              <a:t> =[90,45,89];</a:t>
+            </a:r>
+          </a:p>
+          <a:p>
+            <a:pPr lvl="1">
+              <a:buFontTx/>
+              <a:buNone/>
+              <a:defRPr/>
+            </a:pPr>
+            <a:r>
+              <a:rPr lang="en-US" sz="1800" dirty="0"/>
+              <a:t>const y = {id: 1, name: 'ram'};</a:t>
+            </a:r>
+          </a:p>
+          <a:p>
+            <a:pPr lvl="1">
+              <a:buFontTx/>
+              <a:buNone/>
+              <a:defRPr/>
+            </a:pPr>
+            <a:r>
+              <a:rPr lang="en-US" sz="1800" dirty="0"/>
+              <a:t>const z = {...y, </a:t>
+            </a:r>
+            <a:r>
+              <a:rPr lang="en-US" sz="1800" b="1" dirty="0">
+                <a:solidFill>
+                  <a:srgbClr val="FF0000"/>
+                </a:solidFill>
+              </a:rPr>
+              <a:t>marks:[</a:t>
+            </a:r>
+            <a:r>
+              <a:rPr lang="en-US" sz="1800" b="1" dirty="0">
+                <a:solidFill>
+                  <a:schemeClr val="accent1">
+                    <a:lumMod val="75000"/>
+                  </a:schemeClr>
+                </a:solidFill>
+              </a:rPr>
+              <a:t>...scores</a:t>
+            </a:r>
+            <a:r>
+              <a:rPr lang="en-US" sz="1800" b="1" dirty="0">
+                <a:solidFill>
+                  <a:srgbClr val="FF0000"/>
+                </a:solidFill>
+              </a:rPr>
+              <a:t>]</a:t>
+            </a:r>
+            <a:r>
+              <a:rPr lang="en-US" sz="1800" dirty="0"/>
+              <a:t>};</a:t>
+            </a:r>
+          </a:p>
+          <a:p>
+            <a:pPr lvl="1">
+              <a:buFontTx/>
+              <a:buNone/>
+              <a:defRPr/>
+            </a:pPr>
+            <a:r>
+              <a:rPr lang="en-US" sz="1800" dirty="0"/>
+              <a:t>console.log(z); </a:t>
+            </a:r>
+          </a:p>
+          <a:p>
+            <a:pPr lvl="1">
+              <a:buFontTx/>
+              <a:buNone/>
+              <a:defRPr/>
+            </a:pPr>
+            <a:endParaRPr lang="en-US" sz="1800" dirty="0"/>
+          </a:p>
+          <a:p>
+            <a:pPr lvl="1">
+              <a:buFontTx/>
+              <a:buNone/>
+              <a:defRPr/>
+            </a:pPr>
+            <a:r>
+              <a:rPr lang="en-US" sz="1800" dirty="0"/>
+              <a:t>{ id: 1, name: 'ram', marks: [ 90, 45, 89 ] }</a:t>
+            </a:r>
+            <a:br>
+              <a:rPr lang="en-US" sz="1800" dirty="0"/>
+            </a:br>
+            <a:endParaRPr lang="en-US" sz="1800" dirty="0"/>
+          </a:p>
+        </p:txBody>
+      </p:sp>
+    </p:spTree>
+    <p:extLst>
+      <p:ext uri="{BB962C8B-B14F-4D97-AF65-F5344CB8AC3E}">
+        <p14:creationId xmlns:p14="http://schemas.microsoft.com/office/powerpoint/2010/main" val="3080449586"/>
+      </p:ext>
+    </p:extLst>
+  </p:cSld>
+  <p:clrMapOvr>
+    <a:masterClrMapping/>
+  </p:clrMapOvr>
+</p:sld>
+</file>
+
+<file path=ppt/slides/slide78.xml><?xml version="1.0" encoding="utf-8"?>
+<p:sld xmlns:a="http://schemas.openxmlformats.org/drawingml/2006/main" xmlns:r="http://schemas.openxmlformats.org/officeDocument/2006/relationships" xmlns:p="http://schemas.openxmlformats.org/presentationml/2006/main">
+  <p:cSld>
+    <p:spTree>
+      <p:nvGrpSpPr>
+        <p:cNvPr id="1" name=""/>
+        <p:cNvGrpSpPr/>
+        <p:nvPr/>
+      </p:nvGrpSpPr>
+      <p:grpSpPr>
+        <a:xfrm>
+          <a:off x="0" y="0"/>
+          <a:ext cx="0" cy="0"/>
+          <a:chOff x="0" y="0"/>
+          <a:chExt cx="0" cy="0"/>
+        </a:xfrm>
+      </p:grpSpPr>
+      <p:sp>
+        <p:nvSpPr>
+          <p:cNvPr id="98305" name="Title 1">
+            <a:extLst>
+              <a:ext uri="{FF2B5EF4-FFF2-40B4-BE49-F238E27FC236}">
+                <a16:creationId xmlns:a16="http://schemas.microsoft.com/office/drawing/2014/main" id="{7F7720E0-84BA-9430-A8EF-19974292C857}"/>
+              </a:ext>
+            </a:extLst>
+          </p:cNvPr>
+          <p:cNvSpPr>
+            <a:spLocks noGrp="1" noChangeArrowheads="1"/>
+          </p:cNvSpPr>
+          <p:nvPr>
+            <p:ph type="title"/>
+          </p:nvPr>
+        </p:nvSpPr>
+        <p:spPr/>
+        <p:txBody>
+          <a:bodyPr/>
+          <a:lstStyle/>
+          <a:p>
+            <a:r>
+              <a:rPr lang="en-IN" altLang="en-US"/>
+              <a:t>Array Utility Methods</a:t>
+            </a:r>
+          </a:p>
+        </p:txBody>
+      </p:sp>
+      <p:sp>
+        <p:nvSpPr>
+          <p:cNvPr id="98306" name="Content Placeholder 2">
+            <a:extLst>
+              <a:ext uri="{FF2B5EF4-FFF2-40B4-BE49-F238E27FC236}">
+                <a16:creationId xmlns:a16="http://schemas.microsoft.com/office/drawing/2014/main" id="{0857DB5E-9A85-4225-D7B0-CBA09538ED5A}"/>
+              </a:ext>
+            </a:extLst>
+          </p:cNvPr>
+          <p:cNvSpPr>
+            <a:spLocks noGrp="1" noChangeArrowheads="1"/>
+          </p:cNvSpPr>
+          <p:nvPr>
+            <p:ph idx="1"/>
+          </p:nvPr>
+        </p:nvSpPr>
+        <p:spPr/>
+        <p:txBody>
+          <a:bodyPr/>
+          <a:lstStyle/>
+          <a:p>
+            <a:r>
+              <a:rPr lang="en-US" altLang="en-US"/>
+              <a:t>The following array functions  transform the array according to the applied function and return the updated array. </a:t>
+            </a:r>
+          </a:p>
+          <a:p>
+            <a:endParaRPr lang="en-US" altLang="en-US"/>
+          </a:p>
+          <a:p>
+            <a:pPr lvl="1">
+              <a:lnSpc>
+                <a:spcPct val="150000"/>
+              </a:lnSpc>
+            </a:pPr>
+            <a:r>
+              <a:rPr lang="en-US" altLang="en-US" sz="2000"/>
+              <a:t>map(), </a:t>
+            </a:r>
+          </a:p>
+          <a:p>
+            <a:pPr lvl="1">
+              <a:lnSpc>
+                <a:spcPct val="150000"/>
+              </a:lnSpc>
+            </a:pPr>
+            <a:r>
+              <a:rPr lang="en-US" altLang="en-US" sz="2000"/>
+              <a:t>reduce() </a:t>
+            </a:r>
+          </a:p>
+          <a:p>
+            <a:pPr lvl="1">
+              <a:lnSpc>
+                <a:spcPct val="150000"/>
+              </a:lnSpc>
+            </a:pPr>
+            <a:r>
+              <a:rPr lang="en-US" altLang="en-US" sz="2000"/>
+              <a:t>filter() </a:t>
+            </a:r>
+          </a:p>
+          <a:p>
+            <a:endParaRPr lang="en-IN" altLang="en-US"/>
+          </a:p>
+        </p:txBody>
+      </p:sp>
+    </p:spTree>
+  </p:cSld>
+  <p:clrMapOvr>
+    <a:masterClrMapping/>
+  </p:clrMapOvr>
+</p:sld>
+</file>
+
+<file path=ppt/slides/slide79.xml><?xml version="1.0" encoding="utf-8"?>
+<p:sld xmlns:a="http://schemas.openxmlformats.org/drawingml/2006/main" xmlns:r="http://schemas.openxmlformats.org/officeDocument/2006/relationships" xmlns:p="http://schemas.openxmlformats.org/presentationml/2006/main">
+  <p:cSld>
+    <p:spTree>
+      <p:nvGrpSpPr>
+        <p:cNvPr id="1" name=""/>
+        <p:cNvGrpSpPr/>
+        <p:nvPr/>
+      </p:nvGrpSpPr>
+      <p:grpSpPr>
+        <a:xfrm>
+          <a:off x="0" y="0"/>
+          <a:ext cx="0" cy="0"/>
+          <a:chOff x="0" y="0"/>
+          <a:chExt cx="0" cy="0"/>
+        </a:xfrm>
+      </p:grpSpPr>
+      <p:sp>
+        <p:nvSpPr>
+          <p:cNvPr id="99329" name="Title 1">
+            <a:extLst>
+              <a:ext uri="{FF2B5EF4-FFF2-40B4-BE49-F238E27FC236}">
+                <a16:creationId xmlns:a16="http://schemas.microsoft.com/office/drawing/2014/main" id="{C906AC6D-119A-529D-F96D-73300FA558B3}"/>
+              </a:ext>
+            </a:extLst>
+          </p:cNvPr>
+          <p:cNvSpPr>
+            <a:spLocks noGrp="1" noChangeArrowheads="1"/>
+          </p:cNvSpPr>
+          <p:nvPr>
+            <p:ph type="title"/>
+          </p:nvPr>
+        </p:nvSpPr>
+        <p:spPr/>
+        <p:txBody>
+          <a:bodyPr/>
+          <a:lstStyle/>
+          <a:p>
+            <a:r>
+              <a:rPr lang="en-IN" altLang="en-US"/>
+              <a:t>Map()</a:t>
+            </a:r>
+          </a:p>
+        </p:txBody>
+      </p:sp>
+      <p:sp>
+        <p:nvSpPr>
+          <p:cNvPr id="99330" name="Content Placeholder 2">
+            <a:extLst>
+              <a:ext uri="{FF2B5EF4-FFF2-40B4-BE49-F238E27FC236}">
+                <a16:creationId xmlns:a16="http://schemas.microsoft.com/office/drawing/2014/main" id="{5551967B-4041-B7E2-1554-21C3365A8EA6}"/>
+              </a:ext>
+            </a:extLst>
+          </p:cNvPr>
+          <p:cNvSpPr>
+            <a:spLocks noGrp="1" noChangeArrowheads="1"/>
+          </p:cNvSpPr>
+          <p:nvPr>
+            <p:ph idx="1"/>
+          </p:nvPr>
+        </p:nvSpPr>
+        <p:spPr/>
+        <p:txBody>
+          <a:bodyPr/>
+          <a:lstStyle/>
+          <a:p>
+            <a:r>
+              <a:rPr lang="en-US" altLang="en-US"/>
+              <a:t>It applies a given function on all the elements of the array and returns the updated array. </a:t>
+            </a:r>
+          </a:p>
+          <a:p>
+            <a:endParaRPr lang="en-US" altLang="en-US"/>
+          </a:p>
+          <a:p>
+            <a:pPr marL="457200" lvl="1" indent="0">
+              <a:buFont typeface="Times New Roman" panose="02020603050405020304" pitchFamily="18" charset="0"/>
+              <a:buNone/>
+            </a:pPr>
+            <a:r>
+              <a:rPr lang="en-US" altLang="en-US" sz="2000"/>
+              <a:t>array.map(function (args) {</a:t>
+            </a:r>
+          </a:p>
+          <a:p>
+            <a:pPr marL="457200" lvl="1" indent="0">
+              <a:buFont typeface="Times New Roman" panose="02020603050405020304" pitchFamily="18" charset="0"/>
+              <a:buNone/>
+            </a:pPr>
+            <a:r>
+              <a:rPr lang="en-US" altLang="en-US" sz="2000"/>
+              <a:t>    // code;</a:t>
+            </a:r>
+          </a:p>
+          <a:p>
+            <a:pPr marL="457200" lvl="1" indent="0">
+              <a:buFont typeface="Times New Roman" panose="02020603050405020304" pitchFamily="18" charset="0"/>
+              <a:buNone/>
+            </a:pPr>
+            <a:r>
+              <a:rPr lang="en-US" altLang="en-US" sz="2000"/>
+              <a:t>})</a:t>
+            </a:r>
+          </a:p>
+          <a:p>
+            <a:endParaRPr lang="en-US" altLang="en-US"/>
+          </a:p>
+        </p:txBody>
+      </p:sp>
+    </p:spTree>
   </p:cSld>
   <p:clrMapOvr>
     <a:masterClrMapping/>
@@ -46038,541 +45307,6 @@
       </p:grpSpPr>
       <p:sp>
         <p:nvSpPr>
-          <p:cNvPr id="148481" name="Title 1">
-            <a:extLst>
-              <a:ext uri="{FF2B5EF4-FFF2-40B4-BE49-F238E27FC236}">
-                <a16:creationId xmlns:a16="http://schemas.microsoft.com/office/drawing/2014/main" id="{49165F48-025D-6B64-6D4C-F6991AB0F8CE}"/>
-              </a:ext>
-            </a:extLst>
-          </p:cNvPr>
-          <p:cNvSpPr>
-            <a:spLocks noGrp="1" noChangeArrowheads="1"/>
-          </p:cNvSpPr>
-          <p:nvPr>
-            <p:ph type="title"/>
-          </p:nvPr>
-        </p:nvSpPr>
-        <p:spPr/>
-        <p:txBody>
-          <a:bodyPr/>
-          <a:lstStyle/>
-          <a:p>
-            <a:r>
-              <a:rPr lang="en-US" altLang="en-US"/>
-              <a:t>Spread Example</a:t>
-            </a:r>
-          </a:p>
-        </p:txBody>
-      </p:sp>
-      <p:sp>
-        <p:nvSpPr>
-          <p:cNvPr id="3" name="Content Placeholder 2">
-            <a:extLst>
-              <a:ext uri="{FF2B5EF4-FFF2-40B4-BE49-F238E27FC236}">
-                <a16:creationId xmlns:a16="http://schemas.microsoft.com/office/drawing/2014/main" id="{5C6F0B67-FC4D-DEB2-D376-0DEE867C4A2A}"/>
-              </a:ext>
-            </a:extLst>
-          </p:cNvPr>
-          <p:cNvSpPr>
-            <a:spLocks noGrp="1"/>
-          </p:cNvSpPr>
-          <p:nvPr>
-            <p:ph idx="1"/>
-          </p:nvPr>
-        </p:nvSpPr>
-        <p:spPr/>
-        <p:txBody>
-          <a:bodyPr/>
-          <a:lstStyle/>
-          <a:p>
-            <a:pPr>
-              <a:defRPr/>
-            </a:pPr>
-            <a:r>
-              <a:rPr lang="en-US" sz="1800" b="1" dirty="0"/>
-              <a:t>Supply Default Value</a:t>
-            </a:r>
-            <a:endParaRPr lang="en-US" sz="1800" dirty="0"/>
-          </a:p>
-          <a:p>
-            <a:pPr lvl="1">
-              <a:buFontTx/>
-              <a:buNone/>
-              <a:defRPr/>
-            </a:pPr>
-            <a:r>
-              <a:rPr lang="en-US" sz="1800" dirty="0"/>
-              <a:t>const y = {id: 1, name: 'ram'};</a:t>
-            </a:r>
-          </a:p>
-          <a:p>
-            <a:pPr lvl="1">
-              <a:buFontTx/>
-              <a:buNone/>
-              <a:defRPr/>
-            </a:pPr>
-            <a:r>
-              <a:rPr lang="en-US" sz="1800" dirty="0"/>
-              <a:t>const z = {...y, </a:t>
-            </a:r>
-            <a:r>
-              <a:rPr lang="en-US" sz="1800" b="1" dirty="0" err="1">
-                <a:solidFill>
-                  <a:srgbClr val="FF0000"/>
-                </a:solidFill>
-              </a:rPr>
-              <a:t>location:'chennai</a:t>
-            </a:r>
-            <a:r>
-              <a:rPr lang="en-US" sz="1800" b="1" dirty="0">
-                <a:solidFill>
-                  <a:srgbClr val="FF0000"/>
-                </a:solidFill>
-              </a:rPr>
-              <a:t>'</a:t>
-            </a:r>
-            <a:r>
-              <a:rPr lang="en-US" sz="1800" dirty="0"/>
-              <a:t>};</a:t>
-            </a:r>
-          </a:p>
-          <a:p>
-            <a:pPr lvl="1">
-              <a:buFontTx/>
-              <a:buNone/>
-              <a:defRPr/>
-            </a:pPr>
-            <a:r>
-              <a:rPr lang="en-US" sz="1800" dirty="0"/>
-              <a:t>console.log(z) </a:t>
-            </a:r>
-            <a:br>
-              <a:rPr lang="en-US" sz="1800" dirty="0"/>
-            </a:br>
-            <a:endParaRPr lang="en-US" sz="1800" dirty="0"/>
-          </a:p>
-          <a:p>
-            <a:pPr lvl="1">
-              <a:buFontTx/>
-              <a:buNone/>
-              <a:defRPr/>
-            </a:pPr>
-            <a:r>
-              <a:rPr lang="en-US" sz="1800" dirty="0"/>
-              <a:t>{ id: 1, name: 'ram', location: '</a:t>
-            </a:r>
-            <a:r>
-              <a:rPr lang="en-US" sz="1800" dirty="0" err="1"/>
-              <a:t>chennai</a:t>
-            </a:r>
-            <a:r>
-              <a:rPr lang="en-US" sz="1800" dirty="0"/>
-              <a:t>' }</a:t>
-            </a:r>
-          </a:p>
-          <a:p>
-            <a:pPr lvl="1">
-              <a:buFontTx/>
-              <a:buNone/>
-              <a:defRPr/>
-            </a:pPr>
-            <a:endParaRPr lang="en-US" sz="1800" dirty="0"/>
-          </a:p>
-          <a:p>
-            <a:pPr marL="342900" lvl="1" indent="-342900">
-              <a:buFontTx/>
-              <a:buChar char="•"/>
-              <a:defRPr/>
-            </a:pPr>
-            <a:r>
-              <a:rPr lang="en-US" sz="1800" b="1" dirty="0">
-                <a:cs typeface="+mn-cs"/>
-              </a:rPr>
-              <a:t>Array of Values</a:t>
-            </a:r>
-          </a:p>
-          <a:p>
-            <a:pPr lvl="1">
-              <a:buFontTx/>
-              <a:buNone/>
-              <a:defRPr/>
-            </a:pPr>
-            <a:r>
-              <a:rPr lang="en-US" sz="1800" dirty="0"/>
-              <a:t>const </a:t>
-            </a:r>
-            <a:r>
-              <a:rPr lang="en-US" sz="1800" b="1" dirty="0">
-                <a:solidFill>
-                  <a:schemeClr val="accent1">
-                    <a:lumMod val="75000"/>
-                  </a:schemeClr>
-                </a:solidFill>
-              </a:rPr>
-              <a:t>scores</a:t>
-            </a:r>
-            <a:r>
-              <a:rPr lang="en-US" sz="1800" dirty="0"/>
-              <a:t> =[90,45,89];</a:t>
-            </a:r>
-          </a:p>
-          <a:p>
-            <a:pPr lvl="1">
-              <a:buFontTx/>
-              <a:buNone/>
-              <a:defRPr/>
-            </a:pPr>
-            <a:r>
-              <a:rPr lang="en-US" sz="1800" dirty="0"/>
-              <a:t>const y = {id: 1, name: 'ram'};</a:t>
-            </a:r>
-          </a:p>
-          <a:p>
-            <a:pPr lvl="1">
-              <a:buFontTx/>
-              <a:buNone/>
-              <a:defRPr/>
-            </a:pPr>
-            <a:r>
-              <a:rPr lang="en-US" sz="1800" dirty="0"/>
-              <a:t>const z = {...y, </a:t>
-            </a:r>
-            <a:r>
-              <a:rPr lang="en-US" sz="1800" b="1" dirty="0">
-                <a:solidFill>
-                  <a:srgbClr val="FF0000"/>
-                </a:solidFill>
-              </a:rPr>
-              <a:t>marks:[</a:t>
-            </a:r>
-            <a:r>
-              <a:rPr lang="en-US" sz="1800" b="1" dirty="0">
-                <a:solidFill>
-                  <a:schemeClr val="accent1">
-                    <a:lumMod val="75000"/>
-                  </a:schemeClr>
-                </a:solidFill>
-              </a:rPr>
-              <a:t>...scores</a:t>
-            </a:r>
-            <a:r>
-              <a:rPr lang="en-US" sz="1800" b="1" dirty="0">
-                <a:solidFill>
-                  <a:srgbClr val="FF0000"/>
-                </a:solidFill>
-              </a:rPr>
-              <a:t>]</a:t>
-            </a:r>
-            <a:r>
-              <a:rPr lang="en-US" sz="1800" dirty="0"/>
-              <a:t>};</a:t>
-            </a:r>
-          </a:p>
-          <a:p>
-            <a:pPr lvl="1">
-              <a:buFontTx/>
-              <a:buNone/>
-              <a:defRPr/>
-            </a:pPr>
-            <a:r>
-              <a:rPr lang="en-US" sz="1800" dirty="0"/>
-              <a:t>console.log(z); </a:t>
-            </a:r>
-          </a:p>
-          <a:p>
-            <a:pPr lvl="1">
-              <a:buFontTx/>
-              <a:buNone/>
-              <a:defRPr/>
-            </a:pPr>
-            <a:endParaRPr lang="en-US" sz="1800" dirty="0"/>
-          </a:p>
-          <a:p>
-            <a:pPr lvl="1">
-              <a:buFontTx/>
-              <a:buNone/>
-              <a:defRPr/>
-            </a:pPr>
-            <a:r>
-              <a:rPr lang="en-US" sz="1800" dirty="0"/>
-              <a:t>{ id: 1, name: 'ram', marks: [ 90, 45, 89 ] }</a:t>
-            </a:r>
-            <a:br>
-              <a:rPr lang="en-US" sz="1800" dirty="0"/>
-            </a:br>
-            <a:endParaRPr lang="en-US" sz="1800" dirty="0"/>
-          </a:p>
-        </p:txBody>
-      </p:sp>
-    </p:spTree>
-    <p:extLst>
-      <p:ext uri="{BB962C8B-B14F-4D97-AF65-F5344CB8AC3E}">
-        <p14:creationId xmlns:p14="http://schemas.microsoft.com/office/powerpoint/2010/main" val="3080449586"/>
-      </p:ext>
-    </p:extLst>
-  </p:cSld>
-  <p:clrMapOvr>
-    <a:masterClrMapping/>
-  </p:clrMapOvr>
-</p:sld>
-</file>
-
-<file path=ppt/slides/slide81.xml><?xml version="1.0" encoding="utf-8"?>
-<p:sld xmlns:a="http://schemas.openxmlformats.org/drawingml/2006/main" xmlns:r="http://schemas.openxmlformats.org/officeDocument/2006/relationships" xmlns:p="http://schemas.openxmlformats.org/presentationml/2006/main">
-  <p:cSld>
-    <p:spTree>
-      <p:nvGrpSpPr>
-        <p:cNvPr id="1" name=""/>
-        <p:cNvGrpSpPr/>
-        <p:nvPr/>
-      </p:nvGrpSpPr>
-      <p:grpSpPr>
-        <a:xfrm>
-          <a:off x="0" y="0"/>
-          <a:ext cx="0" cy="0"/>
-          <a:chOff x="0" y="0"/>
-          <a:chExt cx="0" cy="0"/>
-        </a:xfrm>
-      </p:grpSpPr>
-      <p:sp>
-        <p:nvSpPr>
-          <p:cNvPr id="98305" name="Title 1">
-            <a:extLst>
-              <a:ext uri="{FF2B5EF4-FFF2-40B4-BE49-F238E27FC236}">
-                <a16:creationId xmlns:a16="http://schemas.microsoft.com/office/drawing/2014/main" id="{7F7720E0-84BA-9430-A8EF-19974292C857}"/>
-              </a:ext>
-            </a:extLst>
-          </p:cNvPr>
-          <p:cNvSpPr>
-            <a:spLocks noGrp="1" noChangeArrowheads="1"/>
-          </p:cNvSpPr>
-          <p:nvPr>
-            <p:ph type="title"/>
-          </p:nvPr>
-        </p:nvSpPr>
-        <p:spPr/>
-        <p:txBody>
-          <a:bodyPr/>
-          <a:lstStyle/>
-          <a:p>
-            <a:r>
-              <a:rPr lang="en-IN" altLang="en-US"/>
-              <a:t>Array Utility Methods</a:t>
-            </a:r>
-          </a:p>
-        </p:txBody>
-      </p:sp>
-      <p:sp>
-        <p:nvSpPr>
-          <p:cNvPr id="98306" name="Content Placeholder 2">
-            <a:extLst>
-              <a:ext uri="{FF2B5EF4-FFF2-40B4-BE49-F238E27FC236}">
-                <a16:creationId xmlns:a16="http://schemas.microsoft.com/office/drawing/2014/main" id="{0857DB5E-9A85-4225-D7B0-CBA09538ED5A}"/>
-              </a:ext>
-            </a:extLst>
-          </p:cNvPr>
-          <p:cNvSpPr>
-            <a:spLocks noGrp="1" noChangeArrowheads="1"/>
-          </p:cNvSpPr>
-          <p:nvPr>
-            <p:ph idx="1"/>
-          </p:nvPr>
-        </p:nvSpPr>
-        <p:spPr/>
-        <p:txBody>
-          <a:bodyPr/>
-          <a:lstStyle/>
-          <a:p>
-            <a:r>
-              <a:rPr lang="en-US" altLang="en-US"/>
-              <a:t>The following array functions  transform the array according to the applied function and return the updated array. </a:t>
-            </a:r>
-          </a:p>
-          <a:p>
-            <a:endParaRPr lang="en-US" altLang="en-US"/>
-          </a:p>
-          <a:p>
-            <a:pPr lvl="1">
-              <a:lnSpc>
-                <a:spcPct val="150000"/>
-              </a:lnSpc>
-            </a:pPr>
-            <a:r>
-              <a:rPr lang="en-US" altLang="en-US" sz="2000"/>
-              <a:t>map(), </a:t>
-            </a:r>
-          </a:p>
-          <a:p>
-            <a:pPr lvl="1">
-              <a:lnSpc>
-                <a:spcPct val="150000"/>
-              </a:lnSpc>
-            </a:pPr>
-            <a:r>
-              <a:rPr lang="en-US" altLang="en-US" sz="2000"/>
-              <a:t>reduce() </a:t>
-            </a:r>
-          </a:p>
-          <a:p>
-            <a:pPr lvl="1">
-              <a:lnSpc>
-                <a:spcPct val="150000"/>
-              </a:lnSpc>
-            </a:pPr>
-            <a:r>
-              <a:rPr lang="en-US" altLang="en-US" sz="2000"/>
-              <a:t>filter() </a:t>
-            </a:r>
-          </a:p>
-          <a:p>
-            <a:endParaRPr lang="en-IN" altLang="en-US"/>
-          </a:p>
-        </p:txBody>
-      </p:sp>
-    </p:spTree>
-  </p:cSld>
-  <p:clrMapOvr>
-    <a:masterClrMapping/>
-  </p:clrMapOvr>
-</p:sld>
-</file>
-
-<file path=ppt/slides/slide82.xml><?xml version="1.0" encoding="utf-8"?>
-<p:sld xmlns:a="http://schemas.openxmlformats.org/drawingml/2006/main" xmlns:r="http://schemas.openxmlformats.org/officeDocument/2006/relationships" xmlns:p="http://schemas.openxmlformats.org/presentationml/2006/main">
-  <p:cSld>
-    <p:spTree>
-      <p:nvGrpSpPr>
-        <p:cNvPr id="1" name=""/>
-        <p:cNvGrpSpPr/>
-        <p:nvPr/>
-      </p:nvGrpSpPr>
-      <p:grpSpPr>
-        <a:xfrm>
-          <a:off x="0" y="0"/>
-          <a:ext cx="0" cy="0"/>
-          <a:chOff x="0" y="0"/>
-          <a:chExt cx="0" cy="0"/>
-        </a:xfrm>
-      </p:grpSpPr>
-      <p:sp>
-        <p:nvSpPr>
-          <p:cNvPr id="99329" name="Title 1">
-            <a:extLst>
-              <a:ext uri="{FF2B5EF4-FFF2-40B4-BE49-F238E27FC236}">
-                <a16:creationId xmlns:a16="http://schemas.microsoft.com/office/drawing/2014/main" id="{C906AC6D-119A-529D-F96D-73300FA558B3}"/>
-              </a:ext>
-            </a:extLst>
-          </p:cNvPr>
-          <p:cNvSpPr>
-            <a:spLocks noGrp="1" noChangeArrowheads="1"/>
-          </p:cNvSpPr>
-          <p:nvPr>
-            <p:ph type="title"/>
-          </p:nvPr>
-        </p:nvSpPr>
-        <p:spPr/>
-        <p:txBody>
-          <a:bodyPr/>
-          <a:lstStyle/>
-          <a:p>
-            <a:r>
-              <a:rPr lang="en-IN" altLang="en-US"/>
-              <a:t>Map()</a:t>
-            </a:r>
-          </a:p>
-        </p:txBody>
-      </p:sp>
-      <p:sp>
-        <p:nvSpPr>
-          <p:cNvPr id="99330" name="Content Placeholder 2">
-            <a:extLst>
-              <a:ext uri="{FF2B5EF4-FFF2-40B4-BE49-F238E27FC236}">
-                <a16:creationId xmlns:a16="http://schemas.microsoft.com/office/drawing/2014/main" id="{5551967B-4041-B7E2-1554-21C3365A8EA6}"/>
-              </a:ext>
-            </a:extLst>
-          </p:cNvPr>
-          <p:cNvSpPr>
-            <a:spLocks noGrp="1" noChangeArrowheads="1"/>
-          </p:cNvSpPr>
-          <p:nvPr>
-            <p:ph idx="1"/>
-          </p:nvPr>
-        </p:nvSpPr>
-        <p:spPr/>
-        <p:txBody>
-          <a:bodyPr/>
-          <a:lstStyle/>
-          <a:p>
-            <a:r>
-              <a:rPr lang="en-US" altLang="en-US"/>
-              <a:t>It applies a given function on all the elements of the array and returns the updated array. </a:t>
-            </a:r>
-          </a:p>
-          <a:p>
-            <a:endParaRPr lang="en-US" altLang="en-US"/>
-          </a:p>
-          <a:p>
-            <a:pPr marL="457200" lvl="1" indent="0">
-              <a:buFont typeface="Times New Roman" panose="02020603050405020304" pitchFamily="18" charset="0"/>
-              <a:buNone/>
-            </a:pPr>
-            <a:r>
-              <a:rPr lang="en-US" altLang="en-US" sz="2000"/>
-              <a:t>array.map(function (args) {</a:t>
-            </a:r>
-          </a:p>
-          <a:p>
-            <a:pPr marL="457200" lvl="1" indent="0">
-              <a:buFont typeface="Times New Roman" panose="02020603050405020304" pitchFamily="18" charset="0"/>
-              <a:buNone/>
-            </a:pPr>
-            <a:r>
-              <a:rPr lang="en-US" altLang="en-US" sz="2000"/>
-              <a:t>    // code;</a:t>
-            </a:r>
-          </a:p>
-          <a:p>
-            <a:pPr marL="457200" lvl="1" indent="0">
-              <a:buFont typeface="Times New Roman" panose="02020603050405020304" pitchFamily="18" charset="0"/>
-              <a:buNone/>
-            </a:pPr>
-            <a:r>
-              <a:rPr lang="en-US" altLang="en-US" sz="2000"/>
-              <a:t>})</a:t>
-            </a:r>
-          </a:p>
-          <a:p>
-            <a:endParaRPr lang="en-US" altLang="en-US"/>
-          </a:p>
-        </p:txBody>
-      </p:sp>
-    </p:spTree>
-  </p:cSld>
-  <p:clrMapOvr>
-    <a:masterClrMapping/>
-  </p:clrMapOvr>
-</p:sld>
-</file>
-
-<file path=ppt/slides/slide83.xml><?xml version="1.0" encoding="utf-8"?>
-<p:sld xmlns:a="http://schemas.openxmlformats.org/drawingml/2006/main" xmlns:r="http://schemas.openxmlformats.org/officeDocument/2006/relationships" xmlns:p="http://schemas.openxmlformats.org/presentationml/2006/main">
-  <p:cSld>
-    <p:spTree>
-      <p:nvGrpSpPr>
-        <p:cNvPr id="1" name=""/>
-        <p:cNvGrpSpPr/>
-        <p:nvPr/>
-      </p:nvGrpSpPr>
-      <p:grpSpPr>
-        <a:xfrm>
-          <a:off x="0" y="0"/>
-          <a:ext cx="0" cy="0"/>
-          <a:chOff x="0" y="0"/>
-          <a:chExt cx="0" cy="0"/>
-        </a:xfrm>
-      </p:grpSpPr>
-      <p:sp>
-        <p:nvSpPr>
           <p:cNvPr id="100353" name="Title 1">
             <a:extLst>
               <a:ext uri="{FF2B5EF4-FFF2-40B4-BE49-F238E27FC236}">
@@ -46744,7 +45478,7 @@
 </p:sld>
 </file>
 
-<file path=ppt/slides/slide84.xml><?xml version="1.0" encoding="utf-8"?>
+<file path=ppt/slides/slide81.xml><?xml version="1.0" encoding="utf-8"?>
 <p:sld xmlns:a="http://schemas.openxmlformats.org/drawingml/2006/main" xmlns:r="http://schemas.openxmlformats.org/officeDocument/2006/relationships" xmlns:p="http://schemas.openxmlformats.org/presentationml/2006/main">
   <p:cSld>
     <p:spTree>
@@ -46906,7 +45640,7 @@
 </p:sld>
 </file>
 
-<file path=ppt/slides/slide85.xml><?xml version="1.0" encoding="utf-8"?>
+<file path=ppt/slides/slide82.xml><?xml version="1.0" encoding="utf-8"?>
 <p:sld xmlns:a="http://schemas.openxmlformats.org/drawingml/2006/main" xmlns:r="http://schemas.openxmlformats.org/officeDocument/2006/relationships" xmlns:p="http://schemas.openxmlformats.org/presentationml/2006/main">
   <p:cSld>
     <p:spTree>
@@ -47083,7 +45817,7 @@
 </p:sld>
 </file>
 
-<file path=ppt/slides/slide86.xml><?xml version="1.0" encoding="utf-8"?>
+<file path=ppt/slides/slide83.xml><?xml version="1.0" encoding="utf-8"?>
 <p:sld xmlns:a="http://schemas.openxmlformats.org/drawingml/2006/main" xmlns:r="http://schemas.openxmlformats.org/officeDocument/2006/relationships" xmlns:p="http://schemas.openxmlformats.org/presentationml/2006/main">
   <p:cSld>
     <p:spTree>
@@ -47207,7 +45941,7 @@
 </p:sld>
 </file>
 
-<file path=ppt/slides/slide87.xml><?xml version="1.0" encoding="utf-8"?>
+<file path=ppt/slides/slide84.xml><?xml version="1.0" encoding="utf-8"?>
 <p:sld xmlns:a="http://schemas.openxmlformats.org/drawingml/2006/main" xmlns:r="http://schemas.openxmlformats.org/officeDocument/2006/relationships" xmlns:p="http://schemas.openxmlformats.org/presentationml/2006/main">
   <p:cSld>
     <p:spTree>
@@ -47427,7 +46161,7 @@
 </p:sld>
 </file>
 
-<file path=ppt/slides/slide88.xml><?xml version="1.0" encoding="utf-8"?>
+<file path=ppt/slides/slide85.xml><?xml version="1.0" encoding="utf-8"?>
 <p:sld xmlns:a="http://schemas.openxmlformats.org/drawingml/2006/main" xmlns:r="http://schemas.openxmlformats.org/officeDocument/2006/relationships" xmlns:p="http://schemas.openxmlformats.org/presentationml/2006/main">
   <p:cSld>
     <p:spTree>
@@ -47508,7 +46242,7 @@
 </p:sld>
 </file>
 
-<file path=ppt/slides/slide89.xml><?xml version="1.0" encoding="utf-8"?>
+<file path=ppt/slides/slide86.xml><?xml version="1.0" encoding="utf-8"?>
 <p:sld xmlns:a="http://schemas.openxmlformats.org/drawingml/2006/main" xmlns:r="http://schemas.openxmlformats.org/officeDocument/2006/relationships" xmlns:p="http://schemas.openxmlformats.org/presentationml/2006/main">
   <p:cSld>
     <p:spTree>
@@ -48604,320 +47338,7 @@
 </p:sld>
 </file>
 
-<file path=ppt/slides/slide9.xml><?xml version="1.0" encoding="utf-8"?>
-<p:sld xmlns:a="http://schemas.openxmlformats.org/drawingml/2006/main" xmlns:r="http://schemas.openxmlformats.org/officeDocument/2006/relationships" xmlns:p="http://schemas.openxmlformats.org/presentationml/2006/main">
-  <p:cSld>
-    <p:spTree>
-      <p:nvGrpSpPr>
-        <p:cNvPr id="1" name=""/>
-        <p:cNvGrpSpPr/>
-        <p:nvPr/>
-      </p:nvGrpSpPr>
-      <p:grpSpPr>
-        <a:xfrm>
-          <a:off x="0" y="0"/>
-          <a:ext cx="0" cy="0"/>
-          <a:chOff x="0" y="0"/>
-          <a:chExt cx="0" cy="0"/>
-        </a:xfrm>
-      </p:grpSpPr>
-      <p:sp>
-        <p:nvSpPr>
-          <p:cNvPr id="24577" name="Title 1">
-            <a:extLst>
-              <a:ext uri="{FF2B5EF4-FFF2-40B4-BE49-F238E27FC236}">
-                <a16:creationId xmlns:a16="http://schemas.microsoft.com/office/drawing/2014/main" id="{6D1C784F-144A-F60E-91C6-65C72021F575}"/>
-              </a:ext>
-            </a:extLst>
-          </p:cNvPr>
-          <p:cNvSpPr>
-            <a:spLocks noGrp="1" noChangeArrowheads="1"/>
-          </p:cNvSpPr>
-          <p:nvPr>
-            <p:ph type="title"/>
-          </p:nvPr>
-        </p:nvSpPr>
-        <p:spPr/>
-        <p:txBody>
-          <a:bodyPr/>
-          <a:lstStyle/>
-          <a:p>
-            <a:r>
-              <a:rPr lang="en-US" altLang="en-US"/>
-              <a:t>Java Script Engine</a:t>
-            </a:r>
-          </a:p>
-        </p:txBody>
-      </p:sp>
-      <p:sp>
-        <p:nvSpPr>
-          <p:cNvPr id="3" name="Content Placeholder 2">
-            <a:extLst>
-              <a:ext uri="{FF2B5EF4-FFF2-40B4-BE49-F238E27FC236}">
-                <a16:creationId xmlns:a16="http://schemas.microsoft.com/office/drawing/2014/main" id="{619EBE7B-842C-C48C-7FD3-5F6934BDAE5B}"/>
-              </a:ext>
-            </a:extLst>
-          </p:cNvPr>
-          <p:cNvSpPr>
-            <a:spLocks noGrp="1"/>
-          </p:cNvSpPr>
-          <p:nvPr>
-            <p:ph idx="1"/>
-          </p:nvPr>
-        </p:nvSpPr>
-        <p:spPr/>
-        <p:txBody>
-          <a:bodyPr/>
-          <a:lstStyle/>
-          <a:p>
-            <a:pPr>
-              <a:defRPr/>
-            </a:pPr>
-            <a:r>
-              <a:rPr lang="en-IN" dirty="0">
-                <a:solidFill>
-                  <a:srgbClr val="252524"/>
-                </a:solidFill>
-              </a:rPr>
-              <a:t>Popular browsers have an embedded engine also known as JavaScript Virtual Machine</a:t>
-            </a:r>
-          </a:p>
-          <a:p>
-            <a:pPr>
-              <a:defRPr/>
-            </a:pPr>
-            <a:endParaRPr lang="en-IN" dirty="0">
-              <a:solidFill>
-                <a:srgbClr val="252524"/>
-              </a:solidFill>
-              <a:highlight>
-                <a:srgbClr val="FFFFFF"/>
-              </a:highlight>
-            </a:endParaRPr>
-          </a:p>
-          <a:p>
-            <a:pPr>
-              <a:defRPr/>
-            </a:pPr>
-            <a:r>
-              <a:rPr lang="en-IN" dirty="0">
-                <a:solidFill>
-                  <a:srgbClr val="252524"/>
-                </a:solidFill>
-              </a:rPr>
-              <a:t>Different</a:t>
-            </a:r>
-            <a:r>
-              <a:rPr lang="en-IN" dirty="0">
-                <a:solidFill>
-                  <a:srgbClr val="252524"/>
-                </a:solidFill>
-                <a:highlight>
-                  <a:srgbClr val="FFFFFF"/>
-                </a:highlight>
-              </a:rPr>
-              <a:t> Engines have different names</a:t>
-            </a:r>
-            <a:endParaRPr lang="en-IN" dirty="0">
-              <a:solidFill>
-                <a:srgbClr val="252524"/>
-              </a:solidFill>
-            </a:endParaRPr>
-          </a:p>
-          <a:p>
-            <a:pPr lvl="1">
-              <a:defRPr/>
-            </a:pPr>
-            <a:r>
-              <a:rPr lang="en-IN" sz="2000" dirty="0">
-                <a:solidFill>
-                  <a:srgbClr val="252524"/>
-                </a:solidFill>
-              </a:rPr>
-              <a:t>V8 -in</a:t>
-            </a:r>
-            <a:r>
-              <a:rPr lang="en-IN" sz="2000" dirty="0">
-                <a:solidFill>
-                  <a:srgbClr val="252524"/>
-                </a:solidFill>
-                <a:highlight>
-                  <a:srgbClr val="FFFFFF"/>
-                </a:highlight>
-              </a:rPr>
-              <a:t> Chrome, Opera and Edge.</a:t>
-            </a:r>
-            <a:endParaRPr lang="en-IN" sz="2000" dirty="0">
-              <a:solidFill>
-                <a:srgbClr val="252524"/>
-              </a:solidFill>
-            </a:endParaRPr>
-          </a:p>
-          <a:p>
-            <a:pPr>
-              <a:defRPr/>
-            </a:pPr>
-            <a:endParaRPr lang="en-IN" dirty="0"/>
-          </a:p>
-          <a:p>
-            <a:pPr>
-              <a:defRPr/>
-            </a:pPr>
-            <a:r>
-              <a:rPr lang="en-IN" b="1" dirty="0">
-                <a:solidFill>
-                  <a:srgbClr val="252524"/>
-                </a:solidFill>
-              </a:rPr>
-              <a:t>Working of the  Engine</a:t>
-            </a:r>
-            <a:endParaRPr lang="en-IN" dirty="0">
-              <a:solidFill>
-                <a:srgbClr val="252524"/>
-              </a:solidFill>
-            </a:endParaRPr>
-          </a:p>
-          <a:p>
-            <a:pPr lvl="1">
-              <a:defRPr/>
-            </a:pPr>
-            <a:r>
-              <a:rPr lang="en-IN" sz="2000" dirty="0">
-                <a:solidFill>
-                  <a:srgbClr val="252524"/>
-                </a:solidFill>
-              </a:rPr>
-              <a:t>Engine reads or parses the script.</a:t>
-            </a:r>
-          </a:p>
-          <a:p>
-            <a:pPr lvl="1">
-              <a:defRPr/>
-            </a:pPr>
-            <a:r>
-              <a:rPr lang="en-IN" sz="2000" dirty="0">
-                <a:solidFill>
-                  <a:srgbClr val="252524"/>
-                </a:solidFill>
-              </a:rPr>
-              <a:t>Converts or compiles the script to machine code.</a:t>
-            </a:r>
-          </a:p>
-          <a:p>
-            <a:pPr>
-              <a:defRPr/>
-            </a:pPr>
-            <a:r>
-              <a:rPr lang="en-IN" dirty="0">
-                <a:solidFill>
-                  <a:srgbClr val="252524"/>
-                </a:solidFill>
-              </a:rPr>
-              <a:t>The engine applies optimizations at each step of the process.</a:t>
-            </a:r>
-          </a:p>
-          <a:p>
-            <a:pPr>
-              <a:defRPr/>
-            </a:pPr>
-            <a:r>
-              <a:rPr lang="en-IN" dirty="0">
-                <a:solidFill>
-                  <a:srgbClr val="252524"/>
-                </a:solidFill>
-              </a:rPr>
-              <a:t>Watches the compiled script as it runs</a:t>
-            </a:r>
-          </a:p>
-          <a:p>
-            <a:pPr>
-              <a:defRPr/>
-            </a:pPr>
-            <a:r>
-              <a:rPr lang="en-IN" dirty="0">
-                <a:solidFill>
-                  <a:srgbClr val="252524"/>
-                </a:solidFill>
-              </a:rPr>
-              <a:t>Analyses the data that flows through it</a:t>
-            </a:r>
-          </a:p>
-          <a:p>
-            <a:pPr>
-              <a:defRPr/>
-            </a:pPr>
-            <a:endParaRPr lang="en-US" dirty="0"/>
-          </a:p>
-        </p:txBody>
-      </p:sp>
-      <p:sp>
-        <p:nvSpPr>
-          <p:cNvPr id="24579" name="TextBox 4">
-            <a:extLst>
-              <a:ext uri="{FF2B5EF4-FFF2-40B4-BE49-F238E27FC236}">
-                <a16:creationId xmlns:a16="http://schemas.microsoft.com/office/drawing/2014/main" id="{A2F3870E-1B87-75B8-BEE0-CBB467A53133}"/>
-              </a:ext>
-            </a:extLst>
-          </p:cNvPr>
-          <p:cNvSpPr txBox="1">
-            <a:spLocks noChangeArrowheads="1"/>
-          </p:cNvSpPr>
-          <p:nvPr/>
-        </p:nvSpPr>
-        <p:spPr bwMode="auto">
-          <a:xfrm>
-            <a:off x="2286000" y="-1323975"/>
-            <a:ext cx="4572000" cy="646112"/>
-          </a:xfrm>
-          <a:prstGeom prst="rect">
-            <a:avLst/>
-          </a:prstGeom>
-          <a:noFill/>
-          <a:ln>
-            <a:noFill/>
-          </a:ln>
-          <a:extLst>
-            <a:ext uri="{909E8E84-426E-40DD-AFC4-6F175D3DCCD1}">
-              <a14:hiddenFill xmlns:a14="http://schemas.microsoft.com/office/drawing/2010/main">
-                <a:solidFill>
-                  <a:srgbClr val="FFFFFF"/>
-                </a:solidFill>
-              </a14:hiddenFill>
-            </a:ext>
-            <a:ext uri="{91240B29-F687-4F45-9708-019B960494DF}">
-              <a14:hiddenLine xmlns:a14="http://schemas.microsoft.com/office/drawing/2010/main" w="9525">
-                <a:solidFill>
-                  <a:srgbClr val="000000"/>
-                </a:solidFill>
-                <a:miter lim="800000"/>
-                <a:headEnd/>
-                <a:tailEnd/>
-              </a14:hiddenLine>
-            </a:ext>
-          </a:extLst>
-        </p:spPr>
-        <p:txBody>
-          <a:bodyPr>
-            <a:spAutoFit/>
-          </a:bodyPr>
-          <a:lstStyle/>
-          <a:p>
-            <a:br>
-              <a:rPr lang="en-IN" altLang="en-US"/>
-            </a:br>
-            <a:endParaRPr lang="en-US" altLang="en-US"/>
-          </a:p>
-        </p:txBody>
-      </p:sp>
-    </p:spTree>
-  </p:cSld>
-  <p:clrMapOvr>
-    <a:masterClrMapping/>
-  </p:clrMapOvr>
-</p:sld>
-</file>
-
-<file path=ppt/slides/slide90.xml><?xml version="1.0" encoding="utf-8"?>
+<file path=ppt/slides/slide87.xml><?xml version="1.0" encoding="utf-8"?>
 <p:sld xmlns:a="http://schemas.openxmlformats.org/drawingml/2006/main" xmlns:r="http://schemas.openxmlformats.org/officeDocument/2006/relationships" xmlns:p="http://schemas.openxmlformats.org/presentationml/2006/main">
   <p:cSld>
     <p:spTree>
@@ -49722,7 +48143,7 @@
 </p:sld>
 </file>
 
-<file path=ppt/slides/slide91.xml><?xml version="1.0" encoding="utf-8"?>
+<file path=ppt/slides/slide88.xml><?xml version="1.0" encoding="utf-8"?>
 <p:sld xmlns:a="http://schemas.openxmlformats.org/drawingml/2006/main" xmlns:r="http://schemas.openxmlformats.org/officeDocument/2006/relationships" xmlns:p="http://schemas.openxmlformats.org/presentationml/2006/main">
   <p:cSld>
     <p:spTree>
@@ -49880,7 +48301,7 @@
 </p:sld>
 </file>
 
-<file path=ppt/slides/slide92.xml><?xml version="1.0" encoding="utf-8"?>
+<file path=ppt/slides/slide89.xml><?xml version="1.0" encoding="utf-8"?>
 <p:sld xmlns:a="http://schemas.openxmlformats.org/drawingml/2006/main" xmlns:r="http://schemas.openxmlformats.org/officeDocument/2006/relationships" xmlns:p="http://schemas.openxmlformats.org/presentationml/2006/main">
   <p:cSld>
     <p:spTree>
@@ -50137,7 +48558,320 @@
 </p:sld>
 </file>
 
-<file path=ppt/slides/slide93.xml><?xml version="1.0" encoding="utf-8"?>
+<file path=ppt/slides/slide9.xml><?xml version="1.0" encoding="utf-8"?>
+<p:sld xmlns:a="http://schemas.openxmlformats.org/drawingml/2006/main" xmlns:r="http://schemas.openxmlformats.org/officeDocument/2006/relationships" xmlns:p="http://schemas.openxmlformats.org/presentationml/2006/main">
+  <p:cSld>
+    <p:spTree>
+      <p:nvGrpSpPr>
+        <p:cNvPr id="1" name=""/>
+        <p:cNvGrpSpPr/>
+        <p:nvPr/>
+      </p:nvGrpSpPr>
+      <p:grpSpPr>
+        <a:xfrm>
+          <a:off x="0" y="0"/>
+          <a:ext cx="0" cy="0"/>
+          <a:chOff x="0" y="0"/>
+          <a:chExt cx="0" cy="0"/>
+        </a:xfrm>
+      </p:grpSpPr>
+      <p:sp>
+        <p:nvSpPr>
+          <p:cNvPr id="24577" name="Title 1">
+            <a:extLst>
+              <a:ext uri="{FF2B5EF4-FFF2-40B4-BE49-F238E27FC236}">
+                <a16:creationId xmlns:a16="http://schemas.microsoft.com/office/drawing/2014/main" id="{6D1C784F-144A-F60E-91C6-65C72021F575}"/>
+              </a:ext>
+            </a:extLst>
+          </p:cNvPr>
+          <p:cNvSpPr>
+            <a:spLocks noGrp="1" noChangeArrowheads="1"/>
+          </p:cNvSpPr>
+          <p:nvPr>
+            <p:ph type="title"/>
+          </p:nvPr>
+        </p:nvSpPr>
+        <p:spPr/>
+        <p:txBody>
+          <a:bodyPr/>
+          <a:lstStyle/>
+          <a:p>
+            <a:r>
+              <a:rPr lang="en-US" altLang="en-US"/>
+              <a:t>Java Script Engine</a:t>
+            </a:r>
+          </a:p>
+        </p:txBody>
+      </p:sp>
+      <p:sp>
+        <p:nvSpPr>
+          <p:cNvPr id="3" name="Content Placeholder 2">
+            <a:extLst>
+              <a:ext uri="{FF2B5EF4-FFF2-40B4-BE49-F238E27FC236}">
+                <a16:creationId xmlns:a16="http://schemas.microsoft.com/office/drawing/2014/main" id="{619EBE7B-842C-C48C-7FD3-5F6934BDAE5B}"/>
+              </a:ext>
+            </a:extLst>
+          </p:cNvPr>
+          <p:cNvSpPr>
+            <a:spLocks noGrp="1"/>
+          </p:cNvSpPr>
+          <p:nvPr>
+            <p:ph idx="1"/>
+          </p:nvPr>
+        </p:nvSpPr>
+        <p:spPr/>
+        <p:txBody>
+          <a:bodyPr/>
+          <a:lstStyle/>
+          <a:p>
+            <a:pPr>
+              <a:defRPr/>
+            </a:pPr>
+            <a:r>
+              <a:rPr lang="en-IN" dirty="0">
+                <a:solidFill>
+                  <a:srgbClr val="252524"/>
+                </a:solidFill>
+              </a:rPr>
+              <a:t>Popular browsers have an embedded engine also known as JavaScript Virtual Machine</a:t>
+            </a:r>
+          </a:p>
+          <a:p>
+            <a:pPr>
+              <a:defRPr/>
+            </a:pPr>
+            <a:endParaRPr lang="en-IN" dirty="0">
+              <a:solidFill>
+                <a:srgbClr val="252524"/>
+              </a:solidFill>
+              <a:highlight>
+                <a:srgbClr val="FFFFFF"/>
+              </a:highlight>
+            </a:endParaRPr>
+          </a:p>
+          <a:p>
+            <a:pPr>
+              <a:defRPr/>
+            </a:pPr>
+            <a:r>
+              <a:rPr lang="en-IN" dirty="0">
+                <a:solidFill>
+                  <a:srgbClr val="252524"/>
+                </a:solidFill>
+              </a:rPr>
+              <a:t>Different</a:t>
+            </a:r>
+            <a:r>
+              <a:rPr lang="en-IN" dirty="0">
+                <a:solidFill>
+                  <a:srgbClr val="252524"/>
+                </a:solidFill>
+                <a:highlight>
+                  <a:srgbClr val="FFFFFF"/>
+                </a:highlight>
+              </a:rPr>
+              <a:t> Engines have different names</a:t>
+            </a:r>
+            <a:endParaRPr lang="en-IN" dirty="0">
+              <a:solidFill>
+                <a:srgbClr val="252524"/>
+              </a:solidFill>
+            </a:endParaRPr>
+          </a:p>
+          <a:p>
+            <a:pPr lvl="1">
+              <a:defRPr/>
+            </a:pPr>
+            <a:r>
+              <a:rPr lang="en-IN" sz="2000" dirty="0">
+                <a:solidFill>
+                  <a:srgbClr val="252524"/>
+                </a:solidFill>
+              </a:rPr>
+              <a:t>V8 -in</a:t>
+            </a:r>
+            <a:r>
+              <a:rPr lang="en-IN" sz="2000" dirty="0">
+                <a:solidFill>
+                  <a:srgbClr val="252524"/>
+                </a:solidFill>
+                <a:highlight>
+                  <a:srgbClr val="FFFFFF"/>
+                </a:highlight>
+              </a:rPr>
+              <a:t> Chrome, Opera and Edge.</a:t>
+            </a:r>
+            <a:endParaRPr lang="en-IN" sz="2000" dirty="0">
+              <a:solidFill>
+                <a:srgbClr val="252524"/>
+              </a:solidFill>
+            </a:endParaRPr>
+          </a:p>
+          <a:p>
+            <a:pPr>
+              <a:defRPr/>
+            </a:pPr>
+            <a:endParaRPr lang="en-IN" dirty="0"/>
+          </a:p>
+          <a:p>
+            <a:pPr>
+              <a:defRPr/>
+            </a:pPr>
+            <a:r>
+              <a:rPr lang="en-IN" b="1" dirty="0">
+                <a:solidFill>
+                  <a:srgbClr val="252524"/>
+                </a:solidFill>
+              </a:rPr>
+              <a:t>Working of the  Engine</a:t>
+            </a:r>
+            <a:endParaRPr lang="en-IN" dirty="0">
+              <a:solidFill>
+                <a:srgbClr val="252524"/>
+              </a:solidFill>
+            </a:endParaRPr>
+          </a:p>
+          <a:p>
+            <a:pPr lvl="1">
+              <a:defRPr/>
+            </a:pPr>
+            <a:r>
+              <a:rPr lang="en-IN" sz="2000" dirty="0">
+                <a:solidFill>
+                  <a:srgbClr val="252524"/>
+                </a:solidFill>
+              </a:rPr>
+              <a:t>Engine reads or parses the script.</a:t>
+            </a:r>
+          </a:p>
+          <a:p>
+            <a:pPr lvl="1">
+              <a:defRPr/>
+            </a:pPr>
+            <a:r>
+              <a:rPr lang="en-IN" sz="2000" dirty="0">
+                <a:solidFill>
+                  <a:srgbClr val="252524"/>
+                </a:solidFill>
+              </a:rPr>
+              <a:t>Converts or compiles the script to machine code.</a:t>
+            </a:r>
+          </a:p>
+          <a:p>
+            <a:pPr>
+              <a:defRPr/>
+            </a:pPr>
+            <a:r>
+              <a:rPr lang="en-IN" dirty="0">
+                <a:solidFill>
+                  <a:srgbClr val="252524"/>
+                </a:solidFill>
+              </a:rPr>
+              <a:t>The engine applies optimizations at each step of the process.</a:t>
+            </a:r>
+          </a:p>
+          <a:p>
+            <a:pPr>
+              <a:defRPr/>
+            </a:pPr>
+            <a:r>
+              <a:rPr lang="en-IN" dirty="0">
+                <a:solidFill>
+                  <a:srgbClr val="252524"/>
+                </a:solidFill>
+              </a:rPr>
+              <a:t>Watches the compiled script as it runs</a:t>
+            </a:r>
+          </a:p>
+          <a:p>
+            <a:pPr>
+              <a:defRPr/>
+            </a:pPr>
+            <a:r>
+              <a:rPr lang="en-IN" dirty="0">
+                <a:solidFill>
+                  <a:srgbClr val="252524"/>
+                </a:solidFill>
+              </a:rPr>
+              <a:t>Analyses the data that flows through it</a:t>
+            </a:r>
+          </a:p>
+          <a:p>
+            <a:pPr>
+              <a:defRPr/>
+            </a:pPr>
+            <a:endParaRPr lang="en-US" dirty="0"/>
+          </a:p>
+        </p:txBody>
+      </p:sp>
+      <p:sp>
+        <p:nvSpPr>
+          <p:cNvPr id="24579" name="TextBox 4">
+            <a:extLst>
+              <a:ext uri="{FF2B5EF4-FFF2-40B4-BE49-F238E27FC236}">
+                <a16:creationId xmlns:a16="http://schemas.microsoft.com/office/drawing/2014/main" id="{A2F3870E-1B87-75B8-BEE0-CBB467A53133}"/>
+              </a:ext>
+            </a:extLst>
+          </p:cNvPr>
+          <p:cNvSpPr txBox="1">
+            <a:spLocks noChangeArrowheads="1"/>
+          </p:cNvSpPr>
+          <p:nvPr/>
+        </p:nvSpPr>
+        <p:spPr bwMode="auto">
+          <a:xfrm>
+            <a:off x="2286000" y="-1323975"/>
+            <a:ext cx="4572000" cy="646112"/>
+          </a:xfrm>
+          <a:prstGeom prst="rect">
+            <a:avLst/>
+          </a:prstGeom>
+          <a:noFill/>
+          <a:ln>
+            <a:noFill/>
+          </a:ln>
+          <a:extLst>
+            <a:ext uri="{909E8E84-426E-40DD-AFC4-6F175D3DCCD1}">
+              <a14:hiddenFill xmlns:a14="http://schemas.microsoft.com/office/drawing/2010/main">
+                <a:solidFill>
+                  <a:srgbClr val="FFFFFF"/>
+                </a:solidFill>
+              </a14:hiddenFill>
+            </a:ext>
+            <a:ext uri="{91240B29-F687-4F45-9708-019B960494DF}">
+              <a14:hiddenLine xmlns:a14="http://schemas.microsoft.com/office/drawing/2010/main" w="9525">
+                <a:solidFill>
+                  <a:srgbClr val="000000"/>
+                </a:solidFill>
+                <a:miter lim="800000"/>
+                <a:headEnd/>
+                <a:tailEnd/>
+              </a14:hiddenLine>
+            </a:ext>
+          </a:extLst>
+        </p:spPr>
+        <p:txBody>
+          <a:bodyPr>
+            <a:spAutoFit/>
+          </a:bodyPr>
+          <a:lstStyle/>
+          <a:p>
+            <a:br>
+              <a:rPr lang="en-IN" altLang="en-US"/>
+            </a:br>
+            <a:endParaRPr lang="en-US" altLang="en-US"/>
+          </a:p>
+        </p:txBody>
+      </p:sp>
+    </p:spTree>
+  </p:cSld>
+  <p:clrMapOvr>
+    <a:masterClrMapping/>
+  </p:clrMapOvr>
+</p:sld>
+</file>
+
+<file path=ppt/slides/slide90.xml><?xml version="1.0" encoding="utf-8"?>
 <p:sld xmlns:a="http://schemas.openxmlformats.org/drawingml/2006/main" xmlns:r="http://schemas.openxmlformats.org/officeDocument/2006/relationships" xmlns:p="http://schemas.openxmlformats.org/presentationml/2006/main">
   <p:cSld>
     <p:spTree>
@@ -50218,7 +48952,7 @@
               </a:lnSpc>
             </a:pPr>
             <a:r>
-              <a:rPr lang="en-US" altLang="en-US"/>
+              <a:rPr lang="en-US" altLang="en-US" dirty="0"/>
               <a:t>A function may act as a constructor and new objects can be created using the constructor function. </a:t>
             </a:r>
           </a:p>
@@ -50229,7 +48963,7 @@
               </a:lnSpc>
             </a:pPr>
             <a:r>
-              <a:rPr lang="en-US" altLang="en-US"/>
+              <a:rPr lang="en-US" altLang="en-US" dirty="0"/>
               <a:t>The advantage of using constructor function is </a:t>
             </a:r>
           </a:p>
@@ -50240,7 +48974,7 @@
               </a:lnSpc>
             </a:pPr>
             <a:r>
-              <a:rPr lang="en-US" altLang="en-US" sz="2000"/>
+              <a:rPr lang="en-US" altLang="en-US" sz="2000" dirty="0"/>
               <a:t>Ability to create as many objects with predefined properties and methods. </a:t>
             </a:r>
           </a:p>
@@ -50251,21 +48985,21 @@
               </a:lnSpc>
             </a:pPr>
             <a:r>
-              <a:rPr lang="en-US" altLang="en-US"/>
+              <a:rPr lang="en-US" altLang="en-US" dirty="0"/>
               <a:t>Constructor function makes it possible to define object once and create instances anytime where it is required.</a:t>
             </a:r>
           </a:p>
           <a:p>
-            <a:endParaRPr lang="en-US" altLang="en-US"/>
-          </a:p>
-          <a:p>
-            <a:r>
-              <a:rPr lang="en-US" altLang="en-US"/>
+            <a:endParaRPr lang="en-US" altLang="en-US" dirty="0"/>
+          </a:p>
+          <a:p>
+            <a:r>
+              <a:rPr lang="en-US" altLang="en-US" dirty="0"/>
               <a:t>Arguments passed are treated as the names of the identifiers of the parameters in the function to be created</a:t>
             </a:r>
           </a:p>
           <a:p>
-            <a:endParaRPr lang="en-US" altLang="en-US"/>
+            <a:endParaRPr lang="en-US" altLang="en-US" dirty="0"/>
           </a:p>
           <a:p>
             <a:pPr>
@@ -50273,10 +49007,10 @@
                 <a:spcPct val="150000"/>
               </a:lnSpc>
             </a:pPr>
-            <a:endParaRPr lang="en-US" altLang="en-US"/>
-          </a:p>
-          <a:p>
-            <a:endParaRPr lang="en-US" altLang="en-US"/>
+            <a:endParaRPr lang="en-US" altLang="en-US" dirty="0"/>
+          </a:p>
+          <a:p>
+            <a:endParaRPr lang="en-US" altLang="en-US" dirty="0"/>
           </a:p>
         </p:txBody>
       </p:sp>
@@ -50288,7 +49022,7 @@
 </p:sld>
 </file>
 
-<file path=ppt/slides/slide94.xml><?xml version="1.0" encoding="utf-8"?>
+<file path=ppt/slides/slide91.xml><?xml version="1.0" encoding="utf-8"?>
 <p:sld xmlns:a="http://schemas.openxmlformats.org/drawingml/2006/main" xmlns:r="http://schemas.openxmlformats.org/officeDocument/2006/relationships" xmlns:p="http://schemas.openxmlformats.org/presentationml/2006/main">
   <p:cSld>
     <p:spTree>
@@ -50534,7 +49268,371 @@
 </p:sld>
 </file>
 
-<file path=ppt/slides/slide95.xml><?xml version="1.0" encoding="utf-8"?>
+<file path=ppt/slides/slide92.xml><?xml version="1.0" encoding="utf-8"?>
+<p:sld xmlns:a="http://schemas.openxmlformats.org/drawingml/2006/main" xmlns:r="http://schemas.openxmlformats.org/officeDocument/2006/relationships" xmlns:p="http://schemas.openxmlformats.org/presentationml/2006/main">
+  <p:cSld>
+    <p:spTree>
+      <p:nvGrpSpPr>
+        <p:cNvPr id="1" name=""/>
+        <p:cNvGrpSpPr/>
+        <p:nvPr/>
+      </p:nvGrpSpPr>
+      <p:grpSpPr>
+        <a:xfrm>
+          <a:off x="0" y="0"/>
+          <a:ext cx="0" cy="0"/>
+          <a:chOff x="0" y="0"/>
+          <a:chExt cx="0" cy="0"/>
+        </a:xfrm>
+      </p:grpSpPr>
+      <p:sp>
+        <p:nvSpPr>
+          <p:cNvPr id="129025" name="Title 1">
+            <a:extLst>
+              <a:ext uri="{FF2B5EF4-FFF2-40B4-BE49-F238E27FC236}">
+                <a16:creationId xmlns:a16="http://schemas.microsoft.com/office/drawing/2014/main" id="{359849A6-5537-C403-DFA7-FE309E52E33E}"/>
+              </a:ext>
+            </a:extLst>
+          </p:cNvPr>
+          <p:cNvSpPr>
+            <a:spLocks noGrp="1" noChangeArrowheads="1"/>
+          </p:cNvSpPr>
+          <p:nvPr>
+            <p:ph type="title"/>
+          </p:nvPr>
+        </p:nvSpPr>
+        <p:spPr>
+          <a:xfrm>
+            <a:off x="533400" y="381000"/>
+            <a:ext cx="8229600" cy="457200"/>
+          </a:xfrm>
+        </p:spPr>
+        <p:txBody>
+          <a:bodyPr/>
+          <a:lstStyle/>
+          <a:p>
+            <a:r>
+              <a:rPr lang="en-US" altLang="en-US"/>
+              <a:t>Defining Classes and Functions</a:t>
+            </a:r>
+          </a:p>
+        </p:txBody>
+      </p:sp>
+      <p:sp>
+        <p:nvSpPr>
+          <p:cNvPr id="3" name="Content Placeholder 2">
+            <a:extLst>
+              <a:ext uri="{FF2B5EF4-FFF2-40B4-BE49-F238E27FC236}">
+                <a16:creationId xmlns:a16="http://schemas.microsoft.com/office/drawing/2014/main" id="{55906AE6-94C6-06E8-CD9B-C6FF73A4BFE8}"/>
+              </a:ext>
+            </a:extLst>
+          </p:cNvPr>
+          <p:cNvSpPr>
+            <a:spLocks noGrp="1"/>
+          </p:cNvSpPr>
+          <p:nvPr>
+            <p:ph idx="1"/>
+          </p:nvPr>
+        </p:nvSpPr>
+        <p:spPr>
+          <a:xfrm>
+            <a:off x="457200" y="914400"/>
+            <a:ext cx="8229600" cy="5211763"/>
+          </a:xfrm>
+        </p:spPr>
+        <p:txBody>
+          <a:bodyPr/>
+          <a:lstStyle/>
+          <a:p>
+            <a:pPr marL="800100" lvl="1" indent="-342900">
+              <a:buFontTx/>
+              <a:buNone/>
+              <a:defRPr/>
+            </a:pPr>
+            <a:r>
+              <a:rPr lang="en-US" sz="1800" dirty="0"/>
+              <a:t>export default class Movie {</a:t>
+            </a:r>
+          </a:p>
+          <a:p>
+            <a:pPr marL="800100" lvl="1" indent="-342900">
+              <a:buFontTx/>
+              <a:buNone/>
+              <a:defRPr/>
+            </a:pPr>
+            <a:r>
+              <a:rPr lang="en-US" sz="1800" dirty="0"/>
+              <a:t>constructor(</a:t>
+            </a:r>
+            <a:r>
+              <a:rPr lang="en-US" sz="1800" dirty="0" err="1"/>
+              <a:t>movieName</a:t>
+            </a:r>
+            <a:r>
+              <a:rPr lang="en-US" sz="1800" dirty="0"/>
+              <a:t>, poster, rating, </a:t>
+            </a:r>
+            <a:r>
+              <a:rPr lang="en-US" sz="1800" dirty="0" err="1"/>
+              <a:t>totalReviewers</a:t>
+            </a:r>
+            <a:r>
+              <a:rPr lang="en-US" sz="1800" dirty="0"/>
+              <a:t>) {</a:t>
+            </a:r>
+          </a:p>
+          <a:p>
+            <a:pPr marL="1200150" lvl="2" indent="-342900">
+              <a:buFontTx/>
+              <a:buNone/>
+              <a:defRPr/>
+            </a:pPr>
+            <a:r>
+              <a:rPr lang="en-US" sz="1800" dirty="0" err="1"/>
+              <a:t>this.movieName</a:t>
+            </a:r>
+            <a:r>
+              <a:rPr lang="en-US" sz="1800" dirty="0"/>
+              <a:t> = </a:t>
+            </a:r>
+            <a:r>
+              <a:rPr lang="en-US" sz="1800" dirty="0" err="1"/>
+              <a:t>movieName</a:t>
+            </a:r>
+            <a:r>
+              <a:rPr lang="en-US" sz="1800" dirty="0"/>
+              <a:t>;</a:t>
+            </a:r>
+          </a:p>
+          <a:p>
+            <a:pPr marL="1200150" lvl="2" indent="-342900">
+              <a:buFontTx/>
+              <a:buNone/>
+              <a:defRPr/>
+            </a:pPr>
+            <a:r>
+              <a:rPr lang="en-US" sz="1800" dirty="0" err="1"/>
+              <a:t>this.poster</a:t>
+            </a:r>
+            <a:r>
+              <a:rPr lang="en-US" sz="1800" dirty="0"/>
+              <a:t> = poster;</a:t>
+            </a:r>
+          </a:p>
+          <a:p>
+            <a:pPr marL="1200150" lvl="2" indent="-342900">
+              <a:buFontTx/>
+              <a:buNone/>
+              <a:defRPr/>
+            </a:pPr>
+            <a:r>
+              <a:rPr lang="en-US" sz="1800" dirty="0" err="1"/>
+              <a:t>this.rating</a:t>
+            </a:r>
+            <a:r>
+              <a:rPr lang="en-US" sz="1800" dirty="0"/>
+              <a:t> = rating;</a:t>
+            </a:r>
+          </a:p>
+          <a:p>
+            <a:pPr marL="1200150" lvl="2" indent="-342900">
+              <a:buFontTx/>
+              <a:buNone/>
+              <a:defRPr/>
+            </a:pPr>
+            <a:r>
+              <a:rPr lang="en-US" sz="1800" dirty="0" err="1"/>
+              <a:t>this.totalReviewers</a:t>
+            </a:r>
+            <a:r>
+              <a:rPr lang="en-US" sz="1800" dirty="0"/>
+              <a:t> = </a:t>
+            </a:r>
+            <a:r>
+              <a:rPr lang="en-US" sz="1800" dirty="0" err="1"/>
+              <a:t>totalReviewers</a:t>
+            </a:r>
+            <a:r>
+              <a:rPr lang="en-US" sz="1800" dirty="0"/>
+              <a:t>;</a:t>
+            </a:r>
+          </a:p>
+          <a:p>
+            <a:pPr marL="800100" lvl="1" indent="-342900">
+              <a:buFontTx/>
+              <a:buNone/>
+              <a:defRPr/>
+            </a:pPr>
+            <a:r>
+              <a:rPr lang="en-US" sz="1800" dirty="0"/>
+              <a:t>}</a:t>
+            </a:r>
+          </a:p>
+          <a:p>
+            <a:pPr marL="800100" lvl="1" indent="-342900">
+              <a:buFontTx/>
+              <a:buNone/>
+              <a:defRPr/>
+            </a:pPr>
+            <a:br>
+              <a:rPr lang="en-US" sz="1800" dirty="0"/>
+            </a:br>
+            <a:r>
+              <a:rPr lang="en-US" sz="1800" dirty="0" err="1"/>
+              <a:t>toString</a:t>
+            </a:r>
+            <a:r>
+              <a:rPr lang="en-US" sz="1800" dirty="0"/>
+              <a:t>() {</a:t>
+            </a:r>
+          </a:p>
+          <a:p>
+            <a:pPr marL="800100" lvl="1" indent="-342900">
+              <a:buFontTx/>
+              <a:buNone/>
+              <a:defRPr/>
+            </a:pPr>
+            <a:r>
+              <a:rPr lang="en-US" sz="1800" dirty="0"/>
+              <a:t>return </a:t>
+            </a:r>
+            <a:r>
+              <a:rPr lang="en-US" sz="1800" b="1" dirty="0">
+                <a:solidFill>
+                  <a:srgbClr val="FF0000"/>
+                </a:solidFill>
+              </a:rPr>
+              <a:t>`</a:t>
+            </a:r>
+            <a:r>
+              <a:rPr lang="en-US" sz="1800" dirty="0"/>
+              <a:t>Movie : ${</a:t>
+            </a:r>
+            <a:r>
+              <a:rPr lang="en-US" sz="1800" dirty="0" err="1"/>
+              <a:t>this.movieName</a:t>
+            </a:r>
+            <a:r>
+              <a:rPr lang="en-US" sz="1800" dirty="0"/>
+              <a:t>} .rating : ${</a:t>
+            </a:r>
+            <a:r>
+              <a:rPr lang="en-US" sz="1800" dirty="0" err="1"/>
+              <a:t>this.rating</a:t>
+            </a:r>
+            <a:r>
+              <a:rPr lang="en-US" sz="1800" dirty="0"/>
+              <a:t>} out of </a:t>
+            </a:r>
+          </a:p>
+          <a:p>
+            <a:pPr marL="800100" lvl="1" indent="-342900">
+              <a:buFontTx/>
+              <a:buNone/>
+              <a:defRPr/>
+            </a:pPr>
+            <a:r>
+              <a:rPr lang="en-US" sz="1800" dirty="0"/>
+              <a:t>: ${</a:t>
+            </a:r>
+            <a:r>
+              <a:rPr lang="en-US" sz="1800" dirty="0" err="1"/>
+              <a:t>this.totalReviewers</a:t>
+            </a:r>
+            <a:r>
+              <a:rPr lang="en-US" sz="1800" dirty="0"/>
+              <a:t>} of Reviewers</a:t>
+            </a:r>
+            <a:r>
+              <a:rPr lang="en-US" sz="1800" b="1" dirty="0">
+                <a:solidFill>
+                  <a:srgbClr val="FF0000"/>
+                </a:solidFill>
+              </a:rPr>
+              <a:t>`</a:t>
+            </a:r>
+            <a:r>
+              <a:rPr lang="en-US" sz="1800" dirty="0"/>
+              <a:t>;</a:t>
+            </a:r>
+          </a:p>
+          <a:p>
+            <a:pPr marL="800100" lvl="1" indent="-342900">
+              <a:buFontTx/>
+              <a:buNone/>
+              <a:defRPr/>
+            </a:pPr>
+            <a:r>
+              <a:rPr lang="en-US" sz="1800" dirty="0"/>
+              <a:t>    }</a:t>
+            </a:r>
+          </a:p>
+          <a:p>
+            <a:pPr marL="800100" lvl="1" indent="-342900">
+              <a:buFontTx/>
+              <a:buNone/>
+              <a:defRPr/>
+            </a:pPr>
+            <a:r>
+              <a:rPr lang="en-US" sz="1800" dirty="0"/>
+              <a:t>}</a:t>
+            </a:r>
+          </a:p>
+          <a:p>
+            <a:pPr marL="800100" lvl="1" indent="-342900">
+              <a:buFontTx/>
+              <a:buNone/>
+              <a:defRPr/>
+            </a:pPr>
+            <a:r>
+              <a:rPr lang="en-US" sz="1800" dirty="0"/>
+              <a:t>export function calculate() {</a:t>
+            </a:r>
+          </a:p>
+          <a:p>
+            <a:pPr lvl="1">
+              <a:buFontTx/>
+              <a:buNone/>
+              <a:defRPr/>
+            </a:pPr>
+            <a:r>
+              <a:rPr lang="en-US" sz="1800" dirty="0"/>
+              <a:t>       return 'Hi from calculate';</a:t>
+            </a:r>
+          </a:p>
+          <a:p>
+            <a:pPr lvl="1">
+              <a:buFontTx/>
+              <a:buNone/>
+              <a:defRPr/>
+            </a:pPr>
+            <a:r>
+              <a:rPr lang="en-US" sz="1800" dirty="0"/>
+              <a:t>}</a:t>
+            </a:r>
+          </a:p>
+          <a:p>
+            <a:pPr>
+              <a:defRPr/>
+            </a:pPr>
+            <a:endParaRPr lang="en-US" sz="1800" dirty="0"/>
+          </a:p>
+        </p:txBody>
+      </p:sp>
+    </p:spTree>
+    <p:extLst>
+      <p:ext uri="{BB962C8B-B14F-4D97-AF65-F5344CB8AC3E}">
+        <p14:creationId xmlns:p14="http://schemas.microsoft.com/office/powerpoint/2010/main" val="3920312147"/>
+      </p:ext>
+    </p:extLst>
+  </p:cSld>
+  <p:clrMapOvr>
+    <a:masterClrMapping/>
+  </p:clrMapOvr>
+</p:sld>
+</file>
+
+<file path=ppt/slides/slide93.xml><?xml version="1.0" encoding="utf-8"?>
 <p:sld xmlns:a="http://schemas.openxmlformats.org/drawingml/2006/main" xmlns:r="http://schemas.openxmlformats.org/officeDocument/2006/relationships" xmlns:p="http://schemas.openxmlformats.org/presentationml/2006/main">
   <p:cSld>
     <p:spTree>
@@ -50826,7 +49924,7 @@
 </p:sld>
 </file>
 
-<file path=ppt/slides/slide96.xml><?xml version="1.0" encoding="utf-8"?>
+<file path=ppt/slides/slide94.xml><?xml version="1.0" encoding="utf-8"?>
 <p:sld xmlns:a="http://schemas.openxmlformats.org/drawingml/2006/main" xmlns:r="http://schemas.openxmlformats.org/officeDocument/2006/relationships" xmlns:p="http://schemas.openxmlformats.org/presentationml/2006/main">
   <p:cSld>
     <p:spTree>
@@ -51098,7 +50196,7 @@
 </p:sld>
 </file>
 
-<file path=ppt/slides/slide97.xml><?xml version="1.0" encoding="utf-8"?>
+<file path=ppt/slides/slide95.xml><?xml version="1.0" encoding="utf-8"?>
 <p:sld xmlns:a="http://schemas.openxmlformats.org/drawingml/2006/main" xmlns:r="http://schemas.openxmlformats.org/officeDocument/2006/relationships" xmlns:p="http://schemas.openxmlformats.org/presentationml/2006/main">
   <p:cSld>
     <p:spTree>
@@ -51326,7 +50424,7 @@
 </p:sld>
 </file>
 
-<file path=ppt/slides/slide98.xml><?xml version="1.0" encoding="utf-8"?>
+<file path=ppt/slides/slide96.xml><?xml version="1.0" encoding="utf-8"?>
 <p:sld xmlns:a="http://schemas.openxmlformats.org/drawingml/2006/main" xmlns:r="http://schemas.openxmlformats.org/officeDocument/2006/relationships" xmlns:p="http://schemas.openxmlformats.org/presentationml/2006/main">
   <p:cSld>
     <p:spTree>
@@ -51611,7 +50709,7 @@
 </p:sld>
 </file>
 
-<file path=ppt/slides/slide99.xml><?xml version="1.0" encoding="utf-8"?>
+<file path=ppt/slides/slide97.xml><?xml version="1.0" encoding="utf-8"?>
 <p:sld xmlns:a="http://schemas.openxmlformats.org/drawingml/2006/main" xmlns:r="http://schemas.openxmlformats.org/officeDocument/2006/relationships" xmlns:p="http://schemas.openxmlformats.org/presentationml/2006/main">
   <p:cSld>
     <p:spTree>
@@ -51889,6 +50987,501 @@
     <p:extLst>
       <p:ext uri="{BB962C8B-B14F-4D97-AF65-F5344CB8AC3E}">
         <p14:creationId xmlns:p14="http://schemas.microsoft.com/office/powerpoint/2010/main" val="1801617106"/>
+      </p:ext>
+    </p:extLst>
+  </p:cSld>
+  <p:clrMapOvr>
+    <a:masterClrMapping/>
+  </p:clrMapOvr>
+</p:sld>
+</file>
+
+<file path=ppt/slides/slide98.xml><?xml version="1.0" encoding="utf-8"?>
+<p:sld xmlns:a="http://schemas.openxmlformats.org/drawingml/2006/main" xmlns:r="http://schemas.openxmlformats.org/officeDocument/2006/relationships" xmlns:p="http://schemas.openxmlformats.org/presentationml/2006/main">
+  <p:cSld>
+    <p:spTree>
+      <p:nvGrpSpPr>
+        <p:cNvPr id="1" name=""/>
+        <p:cNvGrpSpPr/>
+        <p:nvPr/>
+      </p:nvGrpSpPr>
+      <p:grpSpPr>
+        <a:xfrm>
+          <a:off x="0" y="0"/>
+          <a:ext cx="0" cy="0"/>
+          <a:chOff x="0" y="0"/>
+          <a:chExt cx="0" cy="0"/>
+        </a:xfrm>
+      </p:grpSpPr>
+      <p:sp>
+        <p:nvSpPr>
+          <p:cNvPr id="2" name="Title 1">
+            <a:extLst>
+              <a:ext uri="{FF2B5EF4-FFF2-40B4-BE49-F238E27FC236}">
+                <a16:creationId xmlns:a16="http://schemas.microsoft.com/office/drawing/2014/main" id="{A8DE3DFA-5485-C245-4205-8E58FBFDA81D}"/>
+              </a:ext>
+            </a:extLst>
+          </p:cNvPr>
+          <p:cNvSpPr>
+            <a:spLocks noGrp="1"/>
+          </p:cNvSpPr>
+          <p:nvPr>
+            <p:ph type="title"/>
+          </p:nvPr>
+        </p:nvSpPr>
+        <p:spPr/>
+        <p:txBody>
+          <a:bodyPr/>
+          <a:lstStyle/>
+          <a:p>
+            <a:r>
+              <a:rPr lang="en-US" dirty="0"/>
+              <a:t>Example</a:t>
+            </a:r>
+          </a:p>
+        </p:txBody>
+      </p:sp>
+      <p:sp>
+        <p:nvSpPr>
+          <p:cNvPr id="3" name="Content Placeholder 2">
+            <a:extLst>
+              <a:ext uri="{FF2B5EF4-FFF2-40B4-BE49-F238E27FC236}">
+                <a16:creationId xmlns:a16="http://schemas.microsoft.com/office/drawing/2014/main" id="{DE0BD2CF-CF2B-E6D7-9115-DC9D2B1FA1DE}"/>
+              </a:ext>
+            </a:extLst>
+          </p:cNvPr>
+          <p:cNvSpPr>
+            <a:spLocks noGrp="1"/>
+          </p:cNvSpPr>
+          <p:nvPr>
+            <p:ph idx="1"/>
+          </p:nvPr>
+        </p:nvSpPr>
+        <p:spPr/>
+        <p:txBody>
+          <a:bodyPr/>
+          <a:lstStyle/>
+          <a:p>
+            <a:endParaRPr lang="en-US" dirty="0"/>
+          </a:p>
+          <a:p>
+            <a:pPr marL="457200" lvl="1" indent="0">
+              <a:buNone/>
+            </a:pPr>
+            <a:r>
+              <a:rPr lang="en-US" sz="1800" dirty="0"/>
+              <a:t>const table = </a:t>
+            </a:r>
+            <a:r>
+              <a:rPr lang="en-US" sz="1800" dirty="0" err="1"/>
+              <a:t>document.getElementById</a:t>
+            </a:r>
+            <a:r>
+              <a:rPr lang="en-US" sz="1800" dirty="0"/>
+              <a:t>("table");</a:t>
+            </a:r>
+          </a:p>
+          <a:p>
+            <a:pPr marL="457200" lvl="1" indent="0">
+              <a:buNone/>
+            </a:pPr>
+            <a:endParaRPr lang="en-US" sz="1800" dirty="0"/>
+          </a:p>
+          <a:p>
+            <a:pPr marL="457200" lvl="1" indent="0">
+              <a:buNone/>
+            </a:pPr>
+            <a:r>
+              <a:rPr lang="en-US" sz="1800" dirty="0"/>
+              <a:t>const </a:t>
+            </a:r>
+            <a:r>
+              <a:rPr lang="en-US" sz="1800" dirty="0" err="1"/>
+              <a:t>tableAttrs</a:t>
+            </a:r>
+            <a:r>
+              <a:rPr lang="en-US" sz="1800" dirty="0"/>
+              <a:t> = </a:t>
+            </a:r>
+            <a:r>
+              <a:rPr lang="en-US" sz="1800" dirty="0" err="1"/>
+              <a:t>table.attributes</a:t>
+            </a:r>
+            <a:r>
+              <a:rPr lang="en-US" sz="1800" dirty="0"/>
+              <a:t>; </a:t>
+            </a:r>
+          </a:p>
+          <a:p>
+            <a:pPr marL="457200" lvl="1" indent="0">
+              <a:buNone/>
+            </a:pPr>
+            <a:endParaRPr lang="en-US" sz="1800" dirty="0"/>
+          </a:p>
+          <a:p>
+            <a:pPr marL="457200" lvl="1" indent="0">
+              <a:buNone/>
+            </a:pPr>
+            <a:r>
+              <a:rPr lang="en-US" sz="1800" dirty="0"/>
+              <a:t>for (let </a:t>
+            </a:r>
+            <a:r>
+              <a:rPr lang="en-US" sz="1800" dirty="0" err="1"/>
+              <a:t>i</a:t>
+            </a:r>
+            <a:r>
+              <a:rPr lang="en-US" sz="1800" dirty="0"/>
+              <a:t> = 0; </a:t>
+            </a:r>
+            <a:r>
+              <a:rPr lang="en-US" sz="1800" dirty="0" err="1"/>
+              <a:t>i</a:t>
+            </a:r>
+            <a:r>
+              <a:rPr lang="en-US" sz="1800" dirty="0"/>
+              <a:t> &lt; </a:t>
+            </a:r>
+            <a:r>
+              <a:rPr lang="en-US" sz="1800" dirty="0" err="1"/>
+              <a:t>tableAttrs.length</a:t>
+            </a:r>
+            <a:r>
+              <a:rPr lang="en-US" sz="1800" dirty="0"/>
+              <a:t>; </a:t>
+            </a:r>
+            <a:r>
+              <a:rPr lang="en-US" sz="1800" dirty="0" err="1"/>
+              <a:t>i</a:t>
+            </a:r>
+            <a:r>
+              <a:rPr lang="en-US" sz="1800" dirty="0"/>
+              <a:t>++) {</a:t>
+            </a:r>
+          </a:p>
+          <a:p>
+            <a:pPr marL="457200" lvl="1" indent="0">
+              <a:buNone/>
+            </a:pPr>
+            <a:endParaRPr lang="en-US" sz="1800" dirty="0"/>
+          </a:p>
+          <a:p>
+            <a:pPr marL="457200" lvl="1" indent="0">
+              <a:buNone/>
+            </a:pPr>
+            <a:r>
+              <a:rPr lang="en-US" sz="1800" dirty="0"/>
+              <a:t>if (</a:t>
+            </a:r>
+            <a:r>
+              <a:rPr lang="en-US" sz="1800" dirty="0" err="1"/>
+              <a:t>tableAttrs</a:t>
+            </a:r>
+            <a:r>
+              <a:rPr lang="en-US" sz="1800" dirty="0"/>
+              <a:t>[</a:t>
+            </a:r>
+            <a:r>
+              <a:rPr lang="en-US" sz="1800" dirty="0" err="1"/>
+              <a:t>i</a:t>
+            </a:r>
+            <a:r>
+              <a:rPr lang="en-US" sz="1800" dirty="0"/>
+              <a:t>].</a:t>
+            </a:r>
+            <a:r>
+              <a:rPr lang="en-US" sz="1800" dirty="0" err="1"/>
+              <a:t>nodeName.toLowerCase</a:t>
+            </a:r>
+            <a:r>
+              <a:rPr lang="en-US" sz="1800" dirty="0"/>
+              <a:t>() === "border") {</a:t>
+            </a:r>
+          </a:p>
+          <a:p>
+            <a:pPr marL="457200" lvl="1" indent="0">
+              <a:buNone/>
+            </a:pPr>
+            <a:r>
+              <a:rPr lang="en-US" sz="1800" dirty="0"/>
+              <a:t>    </a:t>
+            </a:r>
+            <a:r>
+              <a:rPr lang="en-US" sz="1800" dirty="0" err="1"/>
+              <a:t>table.border</a:t>
+            </a:r>
+            <a:r>
+              <a:rPr lang="en-US" sz="1800" dirty="0"/>
+              <a:t> = "1";</a:t>
+            </a:r>
+          </a:p>
+          <a:p>
+            <a:pPr marL="457200" lvl="1" indent="0">
+              <a:buNone/>
+            </a:pPr>
+            <a:r>
+              <a:rPr lang="en-US" sz="1800" dirty="0"/>
+              <a:t>  }</a:t>
+            </a:r>
+          </a:p>
+          <a:p>
+            <a:pPr marL="457200" lvl="1" indent="0">
+              <a:buNone/>
+            </a:pPr>
+            <a:r>
+              <a:rPr lang="en-US" sz="1800" dirty="0"/>
+              <a:t>}</a:t>
+            </a:r>
+          </a:p>
+          <a:p>
+            <a:endParaRPr lang="en-US" dirty="0"/>
+          </a:p>
+        </p:txBody>
+      </p:sp>
+    </p:spTree>
+    <p:extLst>
+      <p:ext uri="{BB962C8B-B14F-4D97-AF65-F5344CB8AC3E}">
+        <p14:creationId xmlns:p14="http://schemas.microsoft.com/office/powerpoint/2010/main" val="745854875"/>
+      </p:ext>
+    </p:extLst>
+  </p:cSld>
+  <p:clrMapOvr>
+    <a:masterClrMapping/>
+  </p:clrMapOvr>
+</p:sld>
+</file>
+
+<file path=ppt/slides/slide99.xml><?xml version="1.0" encoding="utf-8"?>
+<p:sld xmlns:a="http://schemas.openxmlformats.org/drawingml/2006/main" xmlns:r="http://schemas.openxmlformats.org/officeDocument/2006/relationships" xmlns:p="http://schemas.openxmlformats.org/presentationml/2006/main">
+  <p:cSld>
+    <p:spTree>
+      <p:nvGrpSpPr>
+        <p:cNvPr id="1" name=""/>
+        <p:cNvGrpSpPr/>
+        <p:nvPr/>
+      </p:nvGrpSpPr>
+      <p:grpSpPr>
+        <a:xfrm>
+          <a:off x="0" y="0"/>
+          <a:ext cx="0" cy="0"/>
+          <a:chOff x="0" y="0"/>
+          <a:chExt cx="0" cy="0"/>
+        </a:xfrm>
+      </p:grpSpPr>
+      <p:sp>
+        <p:nvSpPr>
+          <p:cNvPr id="2" name="Title 1">
+            <a:extLst>
+              <a:ext uri="{FF2B5EF4-FFF2-40B4-BE49-F238E27FC236}">
+                <a16:creationId xmlns:a16="http://schemas.microsoft.com/office/drawing/2014/main" id="{BBA3D266-8DB8-D1F1-CB8E-8D8823EA907E}"/>
+              </a:ext>
+            </a:extLst>
+          </p:cNvPr>
+          <p:cNvSpPr>
+            <a:spLocks noGrp="1"/>
+          </p:cNvSpPr>
+          <p:nvPr>
+            <p:ph type="title"/>
+          </p:nvPr>
+        </p:nvSpPr>
+        <p:spPr/>
+        <p:txBody>
+          <a:bodyPr/>
+          <a:lstStyle/>
+          <a:p>
+            <a:r>
+              <a:rPr lang="en-US" dirty="0"/>
+              <a:t>Example -2</a:t>
+            </a:r>
+          </a:p>
+        </p:txBody>
+      </p:sp>
+      <p:sp>
+        <p:nvSpPr>
+          <p:cNvPr id="3" name="Content Placeholder 2">
+            <a:extLst>
+              <a:ext uri="{FF2B5EF4-FFF2-40B4-BE49-F238E27FC236}">
+                <a16:creationId xmlns:a16="http://schemas.microsoft.com/office/drawing/2014/main" id="{87D4B0E3-DB06-D88D-8BE1-6FFE30323F35}"/>
+              </a:ext>
+            </a:extLst>
+          </p:cNvPr>
+          <p:cNvSpPr>
+            <a:spLocks noGrp="1"/>
+          </p:cNvSpPr>
+          <p:nvPr>
+            <p:ph idx="1"/>
+          </p:nvPr>
+        </p:nvSpPr>
+        <p:spPr/>
+        <p:txBody>
+          <a:bodyPr/>
+          <a:lstStyle/>
+          <a:p>
+            <a:pPr marL="457200" lvl="1" indent="0">
+              <a:buNone/>
+            </a:pPr>
+            <a:r>
+              <a:rPr lang="en-US" sz="1800" dirty="0"/>
+              <a:t>const story = </a:t>
+            </a:r>
+            <a:r>
+              <a:rPr lang="en-US" sz="1800" dirty="0" err="1"/>
+              <a:t>document.body.querySelector</a:t>
+            </a:r>
+            <a:r>
+              <a:rPr lang="en-US" sz="1800" dirty="0"/>
+              <a:t>(".story");</a:t>
+            </a:r>
+          </a:p>
+          <a:p>
+            <a:pPr marL="457200" lvl="1" indent="0">
+              <a:buNone/>
+            </a:pPr>
+            <a:endParaRPr lang="en-US" sz="1800" dirty="0"/>
+          </a:p>
+          <a:p>
+            <a:pPr marL="457200" lvl="1" indent="0">
+              <a:buNone/>
+            </a:pPr>
+            <a:r>
+              <a:rPr lang="en-US" sz="1800" dirty="0"/>
+              <a:t>const </a:t>
+            </a:r>
+            <a:r>
+              <a:rPr lang="en-US" sz="1800" dirty="0" err="1"/>
+              <a:t>setText</a:t>
+            </a:r>
+            <a:r>
+              <a:rPr lang="en-US" sz="1800" dirty="0"/>
+              <a:t> = </a:t>
+            </a:r>
+            <a:r>
+              <a:rPr lang="en-US" sz="1800" dirty="0" err="1"/>
+              <a:t>document.body.querySelector</a:t>
+            </a:r>
+            <a:r>
+              <a:rPr lang="en-US" sz="1800" dirty="0"/>
+              <a:t>("#set-text");</a:t>
+            </a:r>
+          </a:p>
+          <a:p>
+            <a:pPr marL="457200" lvl="1" indent="0">
+              <a:buNone/>
+            </a:pPr>
+            <a:r>
+              <a:rPr lang="en-US" sz="1800" dirty="0" err="1"/>
+              <a:t>setText.addEventListener</a:t>
+            </a:r>
+            <a:r>
+              <a:rPr lang="en-US" sz="1800" dirty="0"/>
+              <a:t>("click", () =&gt; {</a:t>
+            </a:r>
+          </a:p>
+          <a:p>
+            <a:pPr marL="457200" lvl="1" indent="0">
+              <a:buNone/>
+            </a:pPr>
+            <a:r>
+              <a:rPr lang="en-US" sz="1800" dirty="0"/>
+              <a:t>  </a:t>
+            </a:r>
+            <a:r>
+              <a:rPr lang="en-US" sz="1800" dirty="0" err="1"/>
+              <a:t>story.textContent</a:t>
+            </a:r>
+            <a:r>
+              <a:rPr lang="en-US" sz="1800" dirty="0"/>
+              <a:t> = "It was a dark and stormy night...";</a:t>
+            </a:r>
+          </a:p>
+          <a:p>
+            <a:pPr marL="457200" lvl="1" indent="0">
+              <a:buNone/>
+            </a:pPr>
+            <a:r>
+              <a:rPr lang="en-US" sz="1800" dirty="0"/>
+              <a:t>});</a:t>
+            </a:r>
+          </a:p>
+          <a:p>
+            <a:pPr marL="457200" lvl="1" indent="0">
+              <a:buNone/>
+            </a:pPr>
+            <a:endParaRPr lang="en-US" sz="1800" dirty="0"/>
+          </a:p>
+          <a:p>
+            <a:pPr marL="457200" lvl="1" indent="0">
+              <a:buNone/>
+            </a:pPr>
+            <a:r>
+              <a:rPr lang="en-US" sz="1800" dirty="0"/>
+              <a:t>const </a:t>
+            </a:r>
+            <a:r>
+              <a:rPr lang="en-US" sz="1800" dirty="0" err="1"/>
+              <a:t>clearText</a:t>
+            </a:r>
+            <a:r>
+              <a:rPr lang="en-US" sz="1800" dirty="0"/>
+              <a:t> = </a:t>
+            </a:r>
+            <a:r>
+              <a:rPr lang="en-US" sz="1800" dirty="0" err="1"/>
+              <a:t>document.body.querySelector</a:t>
+            </a:r>
+            <a:r>
+              <a:rPr lang="en-US" sz="1800" dirty="0"/>
+              <a:t>("#clear-text");</a:t>
+            </a:r>
+          </a:p>
+          <a:p>
+            <a:pPr marL="457200" lvl="1" indent="0">
+              <a:buNone/>
+            </a:pPr>
+            <a:r>
+              <a:rPr lang="en-US" sz="1800" dirty="0" err="1"/>
+              <a:t>clearText.addEventListener</a:t>
+            </a:r>
+            <a:r>
+              <a:rPr lang="en-US" sz="1800" dirty="0"/>
+              <a:t>("click", () =&gt; {</a:t>
+            </a:r>
+          </a:p>
+          <a:p>
+            <a:pPr marL="457200" lvl="1" indent="0">
+              <a:buNone/>
+            </a:pPr>
+            <a:r>
+              <a:rPr lang="en-US" sz="1800" dirty="0"/>
+              <a:t>  </a:t>
+            </a:r>
+            <a:r>
+              <a:rPr lang="en-US" sz="1800" dirty="0" err="1"/>
+              <a:t>story.textContent</a:t>
+            </a:r>
+            <a:r>
+              <a:rPr lang="en-US" sz="1800" dirty="0"/>
+              <a:t> = "";</a:t>
+            </a:r>
+          </a:p>
+          <a:p>
+            <a:pPr marL="457200" lvl="1" indent="0">
+              <a:buNone/>
+            </a:pPr>
+            <a:r>
+              <a:rPr lang="en-US" sz="1800" dirty="0"/>
+              <a:t>});</a:t>
+            </a:r>
+          </a:p>
+          <a:p>
+            <a:endParaRPr lang="en-US" dirty="0"/>
+          </a:p>
+        </p:txBody>
+      </p:sp>
+    </p:spTree>
+    <p:extLst>
+      <p:ext uri="{BB962C8B-B14F-4D97-AF65-F5344CB8AC3E}">
+        <p14:creationId xmlns:p14="http://schemas.microsoft.com/office/powerpoint/2010/main" val="811593120"/>
       </p:ext>
     </p:extLst>
   </p:cSld>
